--- a/Document/Thing Differnet-02 Edge Computing Review 1.pptx
+++ b/Document/Thing Differnet-02 Edge Computing Review 1.pptx
@@ -7,18 +7,16 @@
   <p:sldIdLst>
     <p:sldId id="256" r:id="rId2"/>
     <p:sldId id="269" r:id="rId3"/>
-    <p:sldId id="258" r:id="rId4"/>
+    <p:sldId id="273" r:id="rId4"/>
     <p:sldId id="266" r:id="rId5"/>
     <p:sldId id="259" r:id="rId6"/>
-    <p:sldId id="270" r:id="rId7"/>
-    <p:sldId id="271" r:id="rId8"/>
-    <p:sldId id="267" r:id="rId9"/>
-    <p:sldId id="261" r:id="rId10"/>
-    <p:sldId id="272" r:id="rId11"/>
-    <p:sldId id="265" r:id="rId12"/>
-    <p:sldId id="262" r:id="rId13"/>
-    <p:sldId id="263" r:id="rId14"/>
-    <p:sldId id="264" r:id="rId15"/>
+    <p:sldId id="271" r:id="rId7"/>
+    <p:sldId id="270" r:id="rId8"/>
+    <p:sldId id="261" r:id="rId9"/>
+    <p:sldId id="265" r:id="rId10"/>
+    <p:sldId id="262" r:id="rId11"/>
+    <p:sldId id="263" r:id="rId12"/>
+    <p:sldId id="264" r:id="rId13"/>
   </p:sldIdLst>
   <p:sldSz cx="12192000" cy="6858000"/>
   <p:notesSz cx="6858000" cy="9144000"/>
@@ -135,11 +133,14 @@
 <file path=ppt/revisionInfo.xml><?xml version="1.0" encoding="utf-8"?>
 <p1510:revInfo xmlns:a="http://schemas.openxmlformats.org/drawingml/2006/main" xmlns:r="http://schemas.openxmlformats.org/officeDocument/2006/relationships" xmlns:p1510="http://schemas.microsoft.com/office/powerpoint/2015/10/main">
   <p1510:revLst>
-    <p1510:client id="{241A79C7-5454-6DD4-8BE3-4A54F48123C7}" v="47" dt="2025-08-04T13:01:31.357"/>
-    <p1510:client id="{4CD89ED3-F3A7-52FD-5B0C-64CF69B9702E}" v="122" dt="2025-08-04T12:09:56.871"/>
-    <p1510:client id="{7851DD2A-DFFD-91CC-2E38-9D1010EF9D17}" v="507" dt="2025-08-04T17:38:25.855"/>
-    <p1510:client id="{D46221FB-477E-437F-6DAA-03BCCDA16939}" v="48" dt="2025-08-04T12:13:57.860"/>
-    <p1510:client id="{D8191165-DE0F-A368-0A3E-8ABC780B77C0}" v="66" dt="2025-08-04T12:43:48.238"/>
+    <p1510:client id="{0D20D6F2-A071-DF50-B22C-09315A67C9A1}" v="6" dt="2025-08-06T09:36:03.069"/>
+    <p1510:client id="{2492C945-6DC4-8DF9-CA3E-EBC58CD23EB2}" v="127" dt="2025-08-06T11:01:03.128"/>
+    <p1510:client id="{28FEE9FB-6849-B1BE-3809-34A37EFB2100}" v="55" dt="2025-08-06T15:00:08.586"/>
+    <p1510:client id="{499C4296-F8C6-4AD4-9E26-046BC8DE51E1}" v="120" dt="2025-08-06T11:28:10.220"/>
+    <p1510:client id="{566A5E97-BFF6-093B-7827-5766C2E68B0A}" v="18" dt="2025-08-06T11:53:06.476"/>
+    <p1510:client id="{5B65860F-E978-799B-9E21-8EB0BA494AD4}" v="355" dt="2025-08-06T17:50:30.719"/>
+    <p1510:client id="{76B3C60C-3111-E35E-5A81-9B273E306533}" v="2" dt="2025-08-06T09:23:41.496"/>
+    <p1510:client id="{CD842955-205D-9AFE-0EE5-4F0EDFE78FDC}" v="992" dt="2025-08-06T13:42:13.900"/>
   </p1510:revLst>
 </p1510:revInfo>
 </file>
@@ -337,7 +338,7 @@
           <a:p>
             <a:fld id="{C128FA71-3A18-48C0-980F-4B68F7F63042}" type="datetime1">
               <a:rPr lang="en-US" smtClean="0"/>
-              <a:t>8/4/2025</a:t>
+              <a:t>8/6/2025</a:t>
             </a:fld>
             <a:endParaRPr lang="en-US"/>
           </a:p>
@@ -545,7 +546,7 @@
           <a:p>
             <a:fld id="{7104EDB3-C0E8-45F8-9E1D-1B6C8D1880C0}" type="datetime1">
               <a:rPr lang="en-US" smtClean="0"/>
-              <a:t>8/4/2025</a:t>
+              <a:t>8/6/2025</a:t>
             </a:fld>
             <a:endParaRPr lang="en-US"/>
           </a:p>
@@ -753,7 +754,7 @@
           <a:p>
             <a:fld id="{9CF0EC4B-54ED-4041-B552-9BA760FA3DBA}" type="datetime1">
               <a:rPr lang="en-US" smtClean="0"/>
-              <a:t>8/4/2025</a:t>
+              <a:t>8/6/2025</a:t>
             </a:fld>
             <a:endParaRPr lang="en-US"/>
           </a:p>
@@ -951,7 +952,7 @@
           <a:p>
             <a:fld id="{51C1210E-201E-4473-82AC-2466F5386C38}" type="datetime1">
               <a:rPr lang="en-US" smtClean="0"/>
-              <a:t>8/4/2025</a:t>
+              <a:t>8/6/2025</a:t>
             </a:fld>
             <a:endParaRPr lang="en-US"/>
           </a:p>
@@ -1228,7 +1229,7 @@
           <a:p>
             <a:fld id="{B01EA198-6CAB-4B8F-B93F-1F9C8C4B6CE7}" type="datetime1">
               <a:rPr lang="en-US" smtClean="0"/>
-              <a:t>8/4/2025</a:t>
+              <a:t>8/6/2025</a:t>
             </a:fld>
             <a:endParaRPr lang="en-US"/>
           </a:p>
@@ -1498,7 +1499,7 @@
           <a:p>
             <a:fld id="{CA06041F-4525-44D5-AA4F-332294BF1F56}" type="datetime1">
               <a:rPr lang="en-US" smtClean="0"/>
-              <a:t>8/4/2025</a:t>
+              <a:t>8/6/2025</a:t>
             </a:fld>
             <a:endParaRPr lang="en-US"/>
           </a:p>
@@ -1920,7 +1921,7 @@
           <a:p>
             <a:fld id="{F9557091-BBDF-4EB9-BA6B-2BB67AC4FC0F}" type="datetime1">
               <a:rPr lang="en-US" smtClean="0"/>
-              <a:t>8/4/2025</a:t>
+              <a:t>8/6/2025</a:t>
             </a:fld>
             <a:endParaRPr lang="en-US"/>
           </a:p>
@@ -2061,7 +2062,7 @@
           <a:p>
             <a:fld id="{2D6B226B-77A6-410C-9796-083F278E0125}" type="datetime1">
               <a:rPr lang="en-US" smtClean="0"/>
-              <a:t>8/4/2025</a:t>
+              <a:t>8/6/2025</a:t>
             </a:fld>
             <a:endParaRPr lang="en-US"/>
           </a:p>
@@ -2174,7 +2175,7 @@
           <a:p>
             <a:fld id="{A23A578B-D289-4C40-8593-3D356C49DA58}" type="datetime1">
               <a:rPr lang="en-US" smtClean="0"/>
-              <a:t>8/4/2025</a:t>
+              <a:t>8/6/2025</a:t>
             </a:fld>
             <a:endParaRPr lang="en-US"/>
           </a:p>
@@ -2491,7 +2492,7 @@
           <a:p>
             <a:fld id="{713DFAE3-14DB-48A7-A80F-80DDB072CE3D}" type="datetime1">
               <a:rPr lang="en-US" smtClean="0"/>
-              <a:t>8/4/2025</a:t>
+              <a:t>8/6/2025</a:t>
             </a:fld>
             <a:endParaRPr lang="en-US"/>
           </a:p>
@@ -2784,7 +2785,7 @@
           <a:p>
             <a:fld id="{92C5EAEF-6478-4102-8F5D-A5FE9FC97ACB}" type="datetime1">
               <a:rPr lang="en-US" smtClean="0"/>
-              <a:t>8/4/2025</a:t>
+              <a:t>8/6/2025</a:t>
             </a:fld>
             <a:endParaRPr lang="en-US"/>
           </a:p>
@@ -3023,7 +3024,7 @@
           <a:p>
             <a:fld id="{67F45AC6-C491-4585-A584-9CE2AF7D5500}" type="datetime1">
               <a:rPr lang="en-US" smtClean="0"/>
-              <a:t>8/4/2025</a:t>
+              <a:t>8/6/2025</a:t>
             </a:fld>
             <a:endParaRPr lang="en-US"/>
           </a:p>
@@ -3577,7 +3578,7 @@
           <a:lstStyle/>
           <a:p>
             <a:r>
-              <a:rPr lang="en-US" sz="3800" b="1" dirty="0">
+              <a:rPr lang="en-US" sz="3800" b="1">
                 <a:solidFill>
                   <a:srgbClr val="FFFFFF"/>
                 </a:solidFill>
@@ -3586,7 +3587,7 @@
               <a:t>Spatiotemporal Non-Uniformity-Aware Online </a:t>
             </a:r>
             <a:r>
-              <a:rPr lang="en-US" sz="3800" b="1" u="sng" dirty="0">
+              <a:rPr lang="en-US" sz="3800" b="1" u="sng">
                 <a:solidFill>
                   <a:srgbClr val="FFFFFF"/>
                 </a:solidFill>
@@ -3595,7 +3596,7 @@
               <a:t>Task Scheduling</a:t>
             </a:r>
             <a:r>
-              <a:rPr lang="en-US" sz="3800" b="1" dirty="0">
+              <a:rPr lang="en-US" sz="3800" b="1">
                 <a:solidFill>
                   <a:srgbClr val="FFFFFF"/>
                 </a:solidFill>
@@ -3637,8 +3638,8 @@
           </a:xfrm>
         </p:spPr>
         <p:txBody>
-          <a:bodyPr vert="horz" lIns="91440" tIns="45720" rIns="91440" bIns="45720" rtlCol="0">
-            <a:normAutofit/>
+          <a:bodyPr vert="horz" lIns="91440" tIns="45720" rIns="91440" bIns="45720" rtlCol="0" anchor="t">
+            <a:normAutofit fontScale="85000" lnSpcReduction="10000"/>
           </a:bodyPr>
           <a:lstStyle/>
           <a:p>
@@ -3710,11 +3711,24 @@
               </a:rPr>
               <a:t> Sun, Wenbo Wang, Bo Lei</a:t>
             </a:r>
-            <a:endParaRPr lang="en-US" sz="2200" dirty="0">
-              <a:solidFill>
-                <a:srgbClr val="FFFFFF"/>
-              </a:solidFill>
-            </a:endParaRPr>
+          </a:p>
+          <a:p>
+            <a:pPr>
+              <a:lnSpc>
+                <a:spcPct val="110000"/>
+              </a:lnSpc>
+            </a:pPr>
+            <a:r>
+              <a:rPr lang="en-US" sz="2200" dirty="0">
+                <a:solidFill>
+                  <a:srgbClr val="FFFFFF"/>
+                </a:solidFill>
+                <a:ea typeface="+mn-lt"/>
+                <a:cs typeface="+mn-lt"/>
+              </a:rPr>
+              <a:t>IEEE Transactions on Mobile Computing</a:t>
+            </a:r>
+            <a:endParaRPr lang="en-US" dirty="0"/>
           </a:p>
           <a:p>
             <a:pPr>
@@ -3942,14 +3956,14 @@
               </a:lnSpc>
             </a:pPr>
             <a:r>
-              <a:rPr lang="en-US" sz="2200" dirty="0">
+              <a:rPr lang="en-US" sz="2200">
                 <a:solidFill>
                   <a:srgbClr val="FFFFFF"/>
                 </a:solidFill>
               </a:rPr>
               <a:t>CB.SC.U4CSE23105 - Amrith</a:t>
             </a:r>
-            <a:endParaRPr lang="en-US" dirty="0"/>
+            <a:endParaRPr lang="en-US"/>
           </a:p>
           <a:p>
             <a:pPr algn="l">
@@ -3958,7 +3972,7 @@
               </a:lnSpc>
             </a:pPr>
             <a:r>
-              <a:rPr lang="en-US" sz="2200" dirty="0">
+              <a:rPr lang="en-US" sz="2200">
                 <a:solidFill>
                   <a:srgbClr val="FFFFFF"/>
                 </a:solidFill>
@@ -3966,7 +3980,7 @@
               <a:t>CB.SC.U4CSE23142 - S </a:t>
             </a:r>
             <a:r>
-              <a:rPr lang="en-US" sz="2200" dirty="0" err="1">
+              <a:rPr lang="en-US" sz="2200" err="1">
                 <a:solidFill>
                   <a:srgbClr val="FFFFFF"/>
                 </a:solidFill>
@@ -3986,7 +4000,7 @@
               </a:lnSpc>
             </a:pPr>
             <a:r>
-              <a:rPr lang="en-US" sz="2200" dirty="0">
+              <a:rPr lang="en-US" sz="2200">
                 <a:solidFill>
                   <a:srgbClr val="FFFFFF"/>
                 </a:solidFill>
@@ -4001,7 +4015,7 @@
               </a:lnSpc>
             </a:pPr>
             <a:r>
-              <a:rPr lang="en-US" sz="2200" dirty="0">
+              <a:rPr lang="en-US" sz="2200">
                 <a:solidFill>
                   <a:srgbClr val="FFFFFF"/>
                 </a:solidFill>
@@ -4027,6 +4041,14 @@
 <file path=ppt/slides/slide10.xml><?xml version="1.0" encoding="utf-8"?>
 <p:sld xmlns:a="http://schemas.openxmlformats.org/drawingml/2006/main" xmlns:r="http://schemas.openxmlformats.org/officeDocument/2006/relationships" xmlns:p="http://schemas.openxmlformats.org/presentationml/2006/main">
   <p:cSld>
+    <p:bg>
+      <p:bgPr>
+        <a:solidFill>
+          <a:schemeClr val="bg1"/>
+        </a:solidFill>
+        <a:effectLst/>
+      </p:bgPr>
+    </p:bg>
     <p:spTree>
       <p:nvGrpSpPr>
         <p:cNvPr id="1" name=""/>
@@ -4043,59 +4065,145 @@
       </p:grpSpPr>
       <p:sp>
         <p:nvSpPr>
-          <p:cNvPr id="2" name="Title 1">
-            <a:extLst>
-              <a:ext uri="{FF2B5EF4-FFF2-40B4-BE49-F238E27FC236}">
-                <a16:creationId xmlns:a16="http://schemas.microsoft.com/office/drawing/2014/main" id="{3BE91B47-1DB5-3440-197C-64FC804BB59D}"/>
-              </a:ext>
-            </a:extLst>
-          </p:cNvPr>
-          <p:cNvSpPr>
-            <a:spLocks noGrp="1"/>
-          </p:cNvSpPr>
-          <p:nvPr>
-            <p:ph type="title"/>
+          <p:cNvPr id="11" name="Rectangle 10">
+            <a:extLst>
+              <a:ext uri="{FF2B5EF4-FFF2-40B4-BE49-F238E27FC236}">
+                <a16:creationId xmlns:a16="http://schemas.microsoft.com/office/drawing/2014/main" id="{600DC1B0-7E1A-BD02-3F93-19E6B1B75075}"/>
+              </a:ext>
+              <a:ext uri="{C183D7F6-B498-43B3-948B-1728B52AA6E4}">
+                <adec:decorative xmlns:adec="http://schemas.microsoft.com/office/drawing/2017/decorative" val="1"/>
+              </a:ext>
+            </a:extLst>
+          </p:cNvPr>
+          <p:cNvSpPr>
+            <a:spLocks noGrp="1" noRot="1" noChangeAspect="1" noMove="1" noResize="1" noEditPoints="1" noAdjustHandles="1" noChangeArrowheads="1" noChangeShapeType="1" noTextEdit="1"/>
+          </p:cNvSpPr>
+          <p:nvPr>
+            <p:extLst>
+              <p:ext uri="{386F3935-93C4-4BCD-93E2-E3B085C9AB24}">
+                <p16:designElem xmlns:p16="http://schemas.microsoft.com/office/powerpoint/2015/main" val="1"/>
+              </p:ext>
+            </p:extLst>
           </p:nvPr>
         </p:nvSpPr>
         <p:spPr>
           <a:xfrm>
-            <a:off x="769211" y="217922"/>
-            <a:ext cx="10653578" cy="1132258"/>
+            <a:off x="0" y="0"/>
+            <a:ext cx="12192000" cy="6858000"/>
+          </a:xfrm>
+          <a:prstGeom prst="rect">
+            <a:avLst/>
+          </a:prstGeom>
+          <a:solidFill>
+            <a:schemeClr val="bg1"/>
+          </a:solidFill>
+          <a:ln w="12700" cap="flat" cmpd="sng" algn="ctr">
+            <a:noFill/>
+            <a:prstDash val="solid"/>
+            <a:miter lim="800000"/>
+          </a:ln>
+          <a:effectLst/>
+          <a:extLst>
+            <a:ext uri="{91240B29-F687-4F45-9708-019B960494DF}">
+              <a14:hiddenLine xmlns:a14="http://schemas.microsoft.com/office/drawing/2010/main" w="12700" cap="flat" cmpd="sng" algn="ctr">
+                <a:solidFill>
+                  <a:schemeClr val="accent1">
+                    <a:shade val="15000"/>
+                  </a:schemeClr>
+                </a:solidFill>
+                <a:prstDash val="solid"/>
+                <a:miter lim="800000"/>
+              </a14:hiddenLine>
+            </a:ext>
+          </a:extLst>
+        </p:spPr>
+        <p:style>
+          <a:lnRef idx="2">
+            <a:schemeClr val="accent1">
+              <a:shade val="15000"/>
+            </a:schemeClr>
+          </a:lnRef>
+          <a:fillRef idx="1">
+            <a:schemeClr val="accent1"/>
+          </a:fillRef>
+          <a:effectRef idx="0">
+            <a:schemeClr val="accent1"/>
+          </a:effectRef>
+          <a:fontRef idx="minor">
+            <a:schemeClr val="lt1"/>
+          </a:fontRef>
+        </p:style>
+        <p:txBody>
+          <a:bodyPr rtlCol="0" anchor="ctr"/>
+          <a:lstStyle/>
+          <a:p>
+            <a:pPr algn="ctr"/>
+            <a:endParaRPr lang="en-US"/>
+          </a:p>
+        </p:txBody>
+      </p:sp>
+      <p:sp>
+        <p:nvSpPr>
+          <p:cNvPr id="2" name="Title 1">
+            <a:extLst>
+              <a:ext uri="{FF2B5EF4-FFF2-40B4-BE49-F238E27FC236}">
+                <a16:creationId xmlns:a16="http://schemas.microsoft.com/office/drawing/2014/main" id="{A0560CF8-55B7-1C43-753E-4A25CEC440E8}"/>
+              </a:ext>
+            </a:extLst>
+          </p:cNvPr>
+          <p:cNvSpPr>
+            <a:spLocks noGrp="1"/>
+          </p:cNvSpPr>
+          <p:nvPr>
+            <p:ph type="title"/>
+          </p:nvPr>
+        </p:nvSpPr>
+        <p:spPr>
+          <a:xfrm>
+            <a:off x="87617" y="563878"/>
+            <a:ext cx="12376404" cy="792482"/>
           </a:xfrm>
         </p:spPr>
         <p:txBody>
-          <a:bodyPr/>
+          <a:bodyPr anchor="ctr">
+            <a:normAutofit fontScale="90000"/>
+          </a:bodyPr>
           <a:lstStyle/>
           <a:p>
-            <a:pPr algn="ctr"/>
-            <a:r>
-              <a:rPr lang="en-US" dirty="0"/>
-              <a:t>The Role of Lyapunov Optimization Contd.</a:t>
-            </a:r>
-            <a:endParaRPr lang="en-IN" dirty="0"/>
-          </a:p>
-        </p:txBody>
-      </p:sp>
-      <p:sp>
-        <p:nvSpPr>
-          <p:cNvPr id="4" name="Rectangle 1">
-            <a:extLst>
-              <a:ext uri="{FF2B5EF4-FFF2-40B4-BE49-F238E27FC236}">
-                <a16:creationId xmlns:a16="http://schemas.microsoft.com/office/drawing/2014/main" id="{71374EAD-D378-03ED-C9B2-468DAD6E1291}"/>
-              </a:ext>
-            </a:extLst>
-          </p:cNvPr>
-          <p:cNvSpPr>
-            <a:spLocks noGrp="1" noChangeArrowheads="1"/>
-          </p:cNvSpPr>
-          <p:nvPr>
-            <p:ph idx="1"/>
-          </p:nvPr>
+            <a:r>
+              <a:rPr lang="en-US" sz="4000" dirty="0">
+                <a:ea typeface="+mj-lt"/>
+                <a:cs typeface="+mj-lt"/>
+              </a:rPr>
+              <a:t> Low-Complexity Acceleration with Imitation Learning</a:t>
+            </a:r>
+          </a:p>
+          <a:p>
+            <a:endParaRPr lang="en-US" sz="4000"/>
+          </a:p>
+          <a:p>
+            <a:endParaRPr lang="en-US" sz="4000"/>
+          </a:p>
+        </p:txBody>
+      </p:sp>
+      <p:sp>
+        <p:nvSpPr>
+          <p:cNvPr id="5" name="Rectangle 1">
+            <a:extLst>
+              <a:ext uri="{FF2B5EF4-FFF2-40B4-BE49-F238E27FC236}">
+                <a16:creationId xmlns:a16="http://schemas.microsoft.com/office/drawing/2014/main" id="{000B4931-5CB5-2FEA-4666-6238F5D05C56}"/>
+              </a:ext>
+            </a:extLst>
+          </p:cNvPr>
+          <p:cNvSpPr>
+            <a:spLocks noChangeArrowheads="1"/>
+          </p:cNvSpPr>
+          <p:nvPr/>
         </p:nvSpPr>
         <p:spPr bwMode="auto">
           <a:xfrm>
-            <a:off x="612647" y="1350180"/>
-            <a:ext cx="11579353" cy="5324535"/>
+            <a:off x="303277" y="1356360"/>
+            <a:ext cx="11945072" cy="4616648"/>
           </a:xfrm>
           <a:prstGeom prst="rect">
             <a:avLst/>
@@ -4135,13 +4243,63 @@
           </a:extLst>
         </p:spPr>
         <p:txBody>
-          <a:bodyPr vert="horz" wrap="square" lIns="91440" tIns="45720" rIns="91440" bIns="45720" numCol="1" anchor="ctr" anchorCtr="0" compatLnSpc="1">
+          <a:bodyPr vert="horz" wrap="square" lIns="0" tIns="0" rIns="0" bIns="0" numCol="1" anchor="ctr" anchorCtr="0" compatLnSpc="1">
             <a:prstTxWarp prst="textNoShape">
               <a:avLst/>
             </a:prstTxWarp>
             <a:spAutoFit/>
           </a:bodyPr>
           <a:lstStyle/>
+          <a:p>
+            <a:r>
+              <a:rPr lang="en-US" sz="2000" b="1"/>
+              <a:t>General Use</a:t>
+            </a:r>
+          </a:p>
+          <a:p>
+            <a:r>
+              <a:rPr lang="en-US" sz="2000" b="1"/>
+              <a:t>What it is:</a:t>
+            </a:r>
+            <a:r>
+              <a:rPr lang="en-US" sz="2000"/>
+              <a:t> A machine learning strategy where an agent learns to perform a task by </a:t>
+            </a:r>
+            <a:r>
+              <a:rPr lang="en-US" sz="2000" b="1"/>
+              <a:t>mimicking an expert's behavior</a:t>
+            </a:r>
+            <a:r>
+              <a:rPr lang="en-US" sz="2000"/>
+              <a:t>, rather than learning through trial and error.</a:t>
+            </a:r>
+          </a:p>
+          <a:p>
+            <a:r>
+              <a:rPr lang="en-US" sz="2000" b="1"/>
+              <a:t>Why it's used:</a:t>
+            </a:r>
+            <a:r>
+              <a:rPr lang="en-US" sz="2000"/>
+              <a:t> It is highly effective for reducing </a:t>
+            </a:r>
+            <a:r>
+              <a:rPr lang="en-US" sz="2000" b="1"/>
+              <a:t>computational complexity</a:t>
+            </a:r>
+            <a:r>
+              <a:rPr lang="en-US" sz="2000"/>
+              <a:t> and improving </a:t>
+            </a:r>
+            <a:r>
+              <a:rPr lang="en-US" sz="2000" b="1"/>
+              <a:t>scalability</a:t>
+            </a:r>
+            <a:r>
+              <a:rPr lang="en-US" sz="2000"/>
+              <a:t>, especially in systems where real-time decisions are critical and a slower, more complex "expert" algorithm already exists.</a:t>
+            </a:r>
+          </a:p>
           <a:p>
             <a:pPr marL="0" marR="0" lvl="0" indent="0" algn="l" defTabSz="914400" rtl="0" eaLnBrk="0" fontAlgn="base" latinLnBrk="0" hangingPunct="0">
               <a:lnSpc>
@@ -4156,82 +4314,10 @@
               <a:buClrTx/>
               <a:buSzTx/>
               <a:buFontTx/>
-              <a:buChar char="•"/>
+              <a:buNone/>
               <a:tabLst/>
             </a:pPr>
-            <a:r>
-              <a:rPr kumimoji="0" lang="en-US" altLang="en-US" b="1" i="0" u="none" strike="noStrike" cap="none" normalizeH="0" baseline="0" dirty="0">
-                <a:ln>
-                  <a:noFill/>
-                </a:ln>
-                <a:solidFill>
-                  <a:schemeClr val="tx1"/>
-                </a:solidFill>
-                <a:effectLst/>
-                <a:latin typeface="Arial" panose="020B0604020202020204" pitchFamily="34" charset="0"/>
-              </a:rPr>
-              <a:t>How it's Used:</a:t>
-            </a:r>
-            <a:r>
-              <a:rPr kumimoji="0" lang="en-US" altLang="en-US" b="0" i="0" u="none" strike="noStrike" cap="none" normalizeH="0" baseline="0" dirty="0">
-                <a:ln>
-                  <a:noFill/>
-                </a:ln>
-                <a:solidFill>
-                  <a:schemeClr val="tx1"/>
-                </a:solidFill>
-                <a:effectLst/>
-                <a:latin typeface="Arial" panose="020B0604020202020204" pitchFamily="34" charset="0"/>
-              </a:rPr>
-              <a:t> Lyapunov optimization works by transforming a long-term problem into a series of real-time, single-slot problems. It does this by creating a </a:t>
-            </a:r>
-            <a:r>
-              <a:rPr kumimoji="0" lang="en-US" altLang="en-US" b="1" i="0" u="none" strike="noStrike" cap="none" normalizeH="0" baseline="0" dirty="0">
-                <a:ln>
-                  <a:noFill/>
-                </a:ln>
-                <a:solidFill>
-                  <a:schemeClr val="tx1"/>
-                </a:solidFill>
-                <a:effectLst/>
-                <a:latin typeface="Arial" panose="020B0604020202020204" pitchFamily="34" charset="0"/>
-              </a:rPr>
-              <a:t>"virtual queue"</a:t>
-            </a:r>
-            <a:r>
-              <a:rPr kumimoji="0" lang="en-US" altLang="en-US" b="0" i="0" u="none" strike="noStrike" cap="none" normalizeH="0" baseline="0" dirty="0">
-                <a:ln>
-                  <a:noFill/>
-                </a:ln>
-                <a:solidFill>
-                  <a:schemeClr val="tx1"/>
-                </a:solidFill>
-                <a:effectLst/>
-                <a:latin typeface="Arial" panose="020B0604020202020204" pitchFamily="34" charset="0"/>
-              </a:rPr>
-              <a:t> that tracks the violation of the long-term cost constraint. The algorithm's job is to make decisions in each time slot that keep this virtual queue stable.</a:t>
-            </a:r>
-            <a:endParaRPr lang="en-US" altLang="en-US" dirty="0">
-              <a:latin typeface="Arial" panose="020B0604020202020204" pitchFamily="34" charset="0"/>
-            </a:endParaRPr>
-          </a:p>
-          <a:p>
-            <a:pPr marL="0" marR="0" lvl="0" indent="0" algn="l" defTabSz="914400" rtl="0" eaLnBrk="0" fontAlgn="base" latinLnBrk="0" hangingPunct="0">
-              <a:lnSpc>
-                <a:spcPct val="100000"/>
-              </a:lnSpc>
-              <a:spcBef>
-                <a:spcPct val="0"/>
-              </a:spcBef>
-              <a:spcAft>
-                <a:spcPct val="0"/>
-              </a:spcAft>
-              <a:buClrTx/>
-              <a:buSzTx/>
-              <a:buNone/>
-              <a:tabLst/>
-            </a:pPr>
-            <a:endParaRPr kumimoji="0" lang="en-US" altLang="en-US" b="0" i="0" u="none" strike="noStrike" cap="none" normalizeH="0" baseline="0" dirty="0">
+            <a:endParaRPr kumimoji="0" lang="en-US" altLang="en-US" sz="2000" b="0" i="0" u="none" strike="noStrike" cap="none" normalizeH="0" baseline="0">
               <a:ln>
                 <a:noFill/>
               </a:ln>
@@ -4241,6 +4327,72 @@
               <a:effectLst/>
               <a:latin typeface="Arial" panose="020B0604020202020204" pitchFamily="34" charset="0"/>
             </a:endParaRPr>
+          </a:p>
+          <a:p>
+            <a:r>
+              <a:rPr lang="en-US" sz="2000" b="1"/>
+              <a:t>Specific Use in this Research</a:t>
+            </a:r>
+          </a:p>
+          <a:p>
+            <a:r>
+              <a:rPr lang="en-US" sz="2000" b="1"/>
+              <a:t>How it's used here:</a:t>
+            </a:r>
+            <a:r>
+              <a:rPr lang="en-US" sz="2000"/>
+              <a:t> The project's more complex </a:t>
+            </a:r>
+            <a:r>
+              <a:rPr lang="en-US" sz="2000" b="1"/>
+              <a:t>Heuristic-Based Hierarchical (HH)</a:t>
+            </a:r>
+            <a:r>
+              <a:rPr lang="en-US" sz="2000"/>
+              <a:t> algorithm acts as the "expert." An </a:t>
+            </a:r>
+            <a:r>
+              <a:rPr lang="en-US" sz="2000" b="1"/>
+              <a:t>Imitation Learning (IL)</a:t>
+            </a:r>
+            <a:r>
+              <a:rPr lang="en-US" sz="2000"/>
+              <a:t> model, built with a </a:t>
+            </a:r>
+            <a:r>
+              <a:rPr lang="en-US" sz="2000" b="1"/>
+              <a:t>Graph Neural Network (GNN)</a:t>
+            </a:r>
+            <a:r>
+              <a:rPr lang="en-US" sz="2000"/>
+              <a:t>, is trained to mimic the HH algorithm's high-level category assignment decisions.</a:t>
+            </a:r>
+          </a:p>
+          <a:p>
+            <a:r>
+              <a:rPr lang="en-US" sz="2000" b="1"/>
+              <a:t>The result:</a:t>
+            </a:r>
+            <a:r>
+              <a:rPr lang="en-US" sz="2000"/>
+              <a:t> This allows the system to make decisions with a significant </a:t>
+            </a:r>
+            <a:r>
+              <a:rPr lang="en-US" sz="2000" b="1"/>
+              <a:t>reduction in runtime</a:t>
+            </a:r>
+            <a:r>
+              <a:rPr lang="en-US" sz="2000"/>
+              <a:t>, making the solution practical and scalable for large-scale </a:t>
+            </a:r>
+            <a:r>
+              <a:rPr lang="en-US" sz="2000" err="1"/>
+              <a:t>IIoT</a:t>
+            </a:r>
+            <a:r>
+              <a:rPr lang="en-US" sz="2000"/>
+              <a:t> deployments where low-latency responsiveness is a priority.</a:t>
+            </a:r>
           </a:p>
           <a:p>
             <a:pPr marL="0" marR="0" lvl="0" indent="0" algn="l" defTabSz="914400" rtl="0" eaLnBrk="0" fontAlgn="base" latinLnBrk="0" hangingPunct="0">
@@ -4256,105 +4408,10 @@
               <a:buClrTx/>
               <a:buSzTx/>
               <a:buFontTx/>
-              <a:buChar char="•"/>
+              <a:buNone/>
               <a:tabLst/>
             </a:pPr>
-            <a:r>
-              <a:rPr kumimoji="0" lang="en-US" altLang="en-US" b="1" i="0" u="none" strike="noStrike" cap="none" normalizeH="0" baseline="0" dirty="0">
-                <a:ln>
-                  <a:noFill/>
-                </a:ln>
-                <a:solidFill>
-                  <a:schemeClr val="tx1"/>
-                </a:solidFill>
-                <a:effectLst/>
-                <a:latin typeface="Arial" panose="020B0604020202020204" pitchFamily="34" charset="0"/>
-              </a:rPr>
-              <a:t>Why it's Used:</a:t>
-            </a:r>
-            <a:r>
-              <a:rPr kumimoji="0" lang="en-US" altLang="en-US" b="0" i="0" u="none" strike="noStrike" cap="none" normalizeH="0" baseline="0" dirty="0">
-                <a:ln>
-                  <a:noFill/>
-                </a:ln>
-                <a:solidFill>
-                  <a:schemeClr val="tx1"/>
-                </a:solidFill>
-                <a:effectLst/>
-                <a:latin typeface="Arial" panose="020B0604020202020204" pitchFamily="34" charset="0"/>
-              </a:rPr>
-              <a:t> It is a perfect fit for this problem because the </a:t>
-            </a:r>
-            <a:r>
-              <a:rPr kumimoji="0" lang="en-US" altLang="en-US" b="0" i="0" u="none" strike="noStrike" cap="none" normalizeH="0" baseline="0" dirty="0" err="1">
-                <a:ln>
-                  <a:noFill/>
-                </a:ln>
-                <a:solidFill>
-                  <a:schemeClr val="tx1"/>
-                </a:solidFill>
-                <a:effectLst/>
-                <a:latin typeface="Arial" panose="020B0604020202020204" pitchFamily="34" charset="0"/>
-              </a:rPr>
-              <a:t>IIoT</a:t>
-            </a:r>
-            <a:r>
-              <a:rPr kumimoji="0" lang="en-US" altLang="en-US" b="0" i="0" u="none" strike="noStrike" cap="none" normalizeH="0" baseline="0" dirty="0">
-                <a:ln>
-                  <a:noFill/>
-                </a:ln>
-                <a:solidFill>
-                  <a:schemeClr val="tx1"/>
-                </a:solidFill>
-                <a:effectLst/>
-                <a:latin typeface="Arial" panose="020B0604020202020204" pitchFamily="34" charset="0"/>
-              </a:rPr>
-              <a:t> environment is highly dynamic and stochastic. Traditional methods that require a perfect forecast of future events are impractical. Lyapunov optimization allows the system to be </a:t>
-            </a:r>
-            <a:r>
-              <a:rPr kumimoji="0" lang="en-US" altLang="en-US" b="1" i="0" u="none" strike="noStrike" cap="none" normalizeH="0" baseline="0" dirty="0">
-                <a:ln>
-                  <a:noFill/>
-                </a:ln>
-                <a:solidFill>
-                  <a:schemeClr val="tx1"/>
-                </a:solidFill>
-                <a:effectLst/>
-                <a:latin typeface="Arial" panose="020B0604020202020204" pitchFamily="34" charset="0"/>
-              </a:rPr>
-              <a:t>proactive and adaptive</a:t>
-            </a:r>
-            <a:r>
-              <a:rPr kumimoji="0" lang="en-US" altLang="en-US" b="0" i="0" u="none" strike="noStrike" cap="none" normalizeH="0" baseline="0" dirty="0">
-                <a:ln>
-                  <a:noFill/>
-                </a:ln>
-                <a:solidFill>
-                  <a:schemeClr val="tx1"/>
-                </a:solidFill>
-                <a:effectLst/>
-                <a:latin typeface="Arial" panose="020B0604020202020204" pitchFamily="34" charset="0"/>
-              </a:rPr>
-              <a:t>, making decisions based on the current system state, a crucial capability for real-time industrial applications.</a:t>
-            </a:r>
-          </a:p>
-          <a:p>
-            <a:pPr marL="0" marR="0" lvl="0" indent="0" algn="l" defTabSz="914400" rtl="0" eaLnBrk="0" fontAlgn="base" latinLnBrk="0" hangingPunct="0">
-              <a:lnSpc>
-                <a:spcPct val="100000"/>
-              </a:lnSpc>
-              <a:spcBef>
-                <a:spcPct val="0"/>
-              </a:spcBef>
-              <a:spcAft>
-                <a:spcPct val="0"/>
-              </a:spcAft>
-              <a:buClrTx/>
-              <a:buSzTx/>
-              <a:buNone/>
-              <a:tabLst/>
-            </a:pPr>
-            <a:endParaRPr kumimoji="0" lang="en-US" altLang="en-US" b="0" i="0" u="none" strike="noStrike" cap="none" normalizeH="0" baseline="0" dirty="0">
+            <a:endParaRPr kumimoji="0" lang="en-US" altLang="en-US" sz="2000" b="0" i="0" u="none" strike="noStrike" cap="none" normalizeH="0" baseline="0">
               <a:ln>
                 <a:noFill/>
               </a:ln>
@@ -4365,234 +4422,12 @@
               <a:latin typeface="Arial" panose="020B0604020202020204" pitchFamily="34" charset="0"/>
             </a:endParaRPr>
           </a:p>
-          <a:p>
-            <a:pPr marL="0" marR="0" lvl="0" indent="0" algn="l" defTabSz="914400" rtl="0" eaLnBrk="0" fontAlgn="base" latinLnBrk="0" hangingPunct="0">
-              <a:lnSpc>
-                <a:spcPct val="100000"/>
-              </a:lnSpc>
-              <a:spcBef>
-                <a:spcPct val="0"/>
-              </a:spcBef>
-              <a:spcAft>
-                <a:spcPct val="0"/>
-              </a:spcAft>
-              <a:buClrTx/>
-              <a:buSzTx/>
-              <a:buFontTx/>
-              <a:buChar char="•"/>
-              <a:tabLst/>
-            </a:pPr>
-            <a:r>
-              <a:rPr kumimoji="0" lang="en-US" altLang="en-US" b="1" i="0" u="none" strike="noStrike" cap="none" normalizeH="0" baseline="0" dirty="0">
-                <a:ln>
-                  <a:noFill/>
-                </a:ln>
-                <a:solidFill>
-                  <a:schemeClr val="tx1"/>
-                </a:solidFill>
-                <a:effectLst/>
-                <a:latin typeface="Arial" panose="020B0604020202020204" pitchFamily="34" charset="0"/>
-              </a:rPr>
-              <a:t>When it's Used:</a:t>
-            </a:r>
-            <a:r>
-              <a:rPr kumimoji="0" lang="en-US" altLang="en-US" b="0" i="0" u="none" strike="noStrike" cap="none" normalizeH="0" baseline="0" dirty="0">
-                <a:ln>
-                  <a:noFill/>
-                </a:ln>
-                <a:solidFill>
-                  <a:schemeClr val="tx1"/>
-                </a:solidFill>
-                <a:effectLst/>
-                <a:latin typeface="Arial" panose="020B0604020202020204" pitchFamily="34" charset="0"/>
-              </a:rPr>
-              <a:t> The Lyapunov optimization algorithm is invoked at the </a:t>
-            </a:r>
-            <a:r>
-              <a:rPr kumimoji="0" lang="en-US" altLang="en-US" b="1" i="0" u="none" strike="noStrike" cap="none" normalizeH="0" baseline="0" dirty="0">
-                <a:ln>
-                  <a:noFill/>
-                </a:ln>
-                <a:solidFill>
-                  <a:schemeClr val="tx1"/>
-                </a:solidFill>
-                <a:effectLst/>
-                <a:latin typeface="Arial" panose="020B0604020202020204" pitchFamily="34" charset="0"/>
-              </a:rPr>
-              <a:t>beginning of each discrete time slot</a:t>
-            </a:r>
-            <a:r>
-              <a:rPr kumimoji="0" lang="en-US" altLang="en-US" b="0" i="0" u="none" strike="noStrike" cap="none" normalizeH="0" baseline="0" dirty="0">
-                <a:ln>
-                  <a:noFill/>
-                </a:ln>
-                <a:solidFill>
-                  <a:schemeClr val="tx1"/>
-                </a:solidFill>
-                <a:effectLst/>
-                <a:latin typeface="Arial" panose="020B0604020202020204" pitchFamily="34" charset="0"/>
-              </a:rPr>
-              <a:t>. In each slot, it performs the following steps:</a:t>
-            </a:r>
-          </a:p>
-          <a:p>
-            <a:pPr marL="0" marR="0" lvl="0" indent="0" algn="l" defTabSz="914400" rtl="0" eaLnBrk="0" fontAlgn="base" latinLnBrk="0" hangingPunct="0">
-              <a:lnSpc>
-                <a:spcPct val="100000"/>
-              </a:lnSpc>
-              <a:spcBef>
-                <a:spcPct val="0"/>
-              </a:spcBef>
-              <a:spcAft>
-                <a:spcPct val="0"/>
-              </a:spcAft>
-              <a:buClrTx/>
-              <a:buSzTx/>
-              <a:buFontTx/>
-              <a:buAutoNum type="arabicPeriod"/>
-              <a:tabLst/>
-            </a:pPr>
-            <a:r>
-              <a:rPr kumimoji="0" lang="en-US" altLang="en-US" b="0" i="0" u="none" strike="noStrike" cap="none" normalizeH="0" baseline="0" dirty="0">
-                <a:ln>
-                  <a:noFill/>
-                </a:ln>
-                <a:solidFill>
-                  <a:schemeClr val="tx1"/>
-                </a:solidFill>
-                <a:effectLst/>
-                <a:latin typeface="Arial" panose="020B0604020202020204" pitchFamily="34" charset="0"/>
-              </a:rPr>
-              <a:t>It observes the current system state (e.g., new requests, virtual queue backlog).</a:t>
-            </a:r>
-          </a:p>
-          <a:p>
-            <a:pPr marL="0" marR="0" lvl="0" indent="0" algn="l" defTabSz="914400" rtl="0" eaLnBrk="0" fontAlgn="base" latinLnBrk="0" hangingPunct="0">
-              <a:lnSpc>
-                <a:spcPct val="100000"/>
-              </a:lnSpc>
-              <a:spcBef>
-                <a:spcPct val="0"/>
-              </a:spcBef>
-              <a:spcAft>
-                <a:spcPct val="0"/>
-              </a:spcAft>
-              <a:buClrTx/>
-              <a:buSzTx/>
-              <a:buFontTx/>
-              <a:buAutoNum type="arabicPeriod" startAt="2"/>
-              <a:tabLst/>
-            </a:pPr>
-            <a:r>
-              <a:rPr kumimoji="0" lang="en-US" altLang="en-US" b="0" i="0" u="none" strike="noStrike" cap="none" normalizeH="0" baseline="0" dirty="0">
-                <a:ln>
-                  <a:noFill/>
-                </a:ln>
-                <a:solidFill>
-                  <a:schemeClr val="tx1"/>
-                </a:solidFill>
-                <a:effectLst/>
-                <a:latin typeface="Arial" panose="020B0604020202020204" pitchFamily="34" charset="0"/>
-              </a:rPr>
-              <a:t>It solves the real-time sub-problem to find the best scheduling decision for that specific time slot.</a:t>
-            </a:r>
-          </a:p>
-          <a:p>
-            <a:pPr marL="0" marR="0" lvl="0" indent="0" algn="l" defTabSz="914400" rtl="0" eaLnBrk="0" fontAlgn="base" latinLnBrk="0" hangingPunct="0">
-              <a:lnSpc>
-                <a:spcPct val="100000"/>
-              </a:lnSpc>
-              <a:spcBef>
-                <a:spcPct val="0"/>
-              </a:spcBef>
-              <a:spcAft>
-                <a:spcPct val="0"/>
-              </a:spcAft>
-              <a:buClrTx/>
-              <a:buSzTx/>
-              <a:buFontTx/>
-              <a:buAutoNum type="arabicPeriod" startAt="3"/>
-              <a:tabLst/>
-            </a:pPr>
-            <a:r>
-              <a:rPr kumimoji="0" lang="en-US" altLang="en-US" b="0" i="0" u="none" strike="noStrike" cap="none" normalizeH="0" baseline="0" dirty="0">
-                <a:ln>
-                  <a:noFill/>
-                </a:ln>
-                <a:solidFill>
-                  <a:schemeClr val="tx1"/>
-                </a:solidFill>
-                <a:effectLst/>
-                <a:latin typeface="Arial" panose="020B0604020202020204" pitchFamily="34" charset="0"/>
-              </a:rPr>
-              <a:t>It updates the virtual queue based on the cost of the decision made.</a:t>
-            </a:r>
-          </a:p>
-          <a:p>
-            <a:pPr marL="0" marR="0" lvl="0" indent="0" algn="l" defTabSz="914400" rtl="0" eaLnBrk="0" fontAlgn="base" latinLnBrk="0" hangingPunct="0">
-              <a:lnSpc>
-                <a:spcPct val="100000"/>
-              </a:lnSpc>
-              <a:spcBef>
-                <a:spcPct val="0"/>
-              </a:spcBef>
-              <a:spcAft>
-                <a:spcPct val="0"/>
-              </a:spcAft>
-              <a:buClrTx/>
-              <a:buSzTx/>
-              <a:buFontTx/>
-              <a:buAutoNum type="arabicPeriod" startAt="4"/>
-              <a:tabLst/>
-            </a:pPr>
-            <a:r>
-              <a:rPr kumimoji="0" lang="en-US" altLang="en-US" b="0" i="0" u="none" strike="noStrike" cap="none" normalizeH="0" baseline="0" dirty="0">
-                <a:ln>
-                  <a:noFill/>
-                </a:ln>
-                <a:solidFill>
-                  <a:schemeClr val="tx1"/>
-                </a:solidFill>
-                <a:effectLst/>
-                <a:latin typeface="Arial" panose="020B0604020202020204" pitchFamily="34" charset="0"/>
-              </a:rPr>
-              <a:t>It proceeds to the next time slot, repeating the process.</a:t>
-            </a:r>
-          </a:p>
-          <a:p>
-            <a:pPr marL="0" marR="0" lvl="0" indent="0" algn="l" defTabSz="914400" rtl="0" eaLnBrk="0" fontAlgn="base" latinLnBrk="0" hangingPunct="0">
-              <a:lnSpc>
-                <a:spcPct val="100000"/>
-              </a:lnSpc>
-              <a:spcBef>
-                <a:spcPct val="0"/>
-              </a:spcBef>
-              <a:spcAft>
-                <a:spcPct val="0"/>
-              </a:spcAft>
-              <a:buClrTx/>
-              <a:buSzTx/>
-              <a:buFontTx/>
-              <a:buNone/>
-              <a:tabLst/>
-            </a:pPr>
-            <a:endParaRPr kumimoji="0" lang="en-US" altLang="en-US" b="0" i="0" u="none" strike="noStrike" cap="none" normalizeH="0" baseline="0" dirty="0">
-              <a:ln>
-                <a:noFill/>
-              </a:ln>
-              <a:solidFill>
-                <a:schemeClr val="tx1"/>
-              </a:solidFill>
-              <a:effectLst/>
-              <a:latin typeface="Arial" panose="020B0604020202020204" pitchFamily="34" charset="0"/>
-            </a:endParaRPr>
-          </a:p>
         </p:txBody>
       </p:sp>
     </p:spTree>
     <p:extLst>
       <p:ext uri="{BB962C8B-B14F-4D97-AF65-F5344CB8AC3E}">
-        <p14:creationId xmlns:p14="http://schemas.microsoft.com/office/powerpoint/2010/main" val="1136841753"/>
+        <p14:creationId xmlns:p14="http://schemas.microsoft.com/office/powerpoint/2010/main" val="3318851719"/>
       </p:ext>
     </p:extLst>
   </p:cSld>
@@ -4627,12 +4462,12 @@
           <a:chExt cx="0" cy="0"/>
         </a:xfrm>
       </p:grpSpPr>
-      <p:sp>
-        <p:nvSpPr>
-          <p:cNvPr id="9" name="Rectangle 8">
-            <a:extLst>
-              <a:ext uri="{FF2B5EF4-FFF2-40B4-BE49-F238E27FC236}">
-                <a16:creationId xmlns:a16="http://schemas.microsoft.com/office/drawing/2014/main" id="{951922D2-D397-9EA4-A66D-55B0884D1A6A}"/>
+      <p:sp useBgFill="1">
+        <p:nvSpPr>
+          <p:cNvPr id="19" name="Rectangle 18">
+            <a:extLst>
+              <a:ext uri="{FF2B5EF4-FFF2-40B4-BE49-F238E27FC236}">
+                <a16:creationId xmlns:a16="http://schemas.microsoft.com/office/drawing/2014/main" id="{064D2207-AA67-DAD1-D42E-7A07328CA8EF}"/>
               </a:ext>
               <a:ext uri="{C183D7F6-B498-43B3-948B-1728B52AA6E4}">
                 <adec:decorative xmlns:adec="http://schemas.microsoft.com/office/drawing/2017/decorative" val="1"/>
@@ -4658,9 +4493,6 @@
           <a:prstGeom prst="rect">
             <a:avLst/>
           </a:prstGeom>
-          <a:solidFill>
-            <a:schemeClr val="bg1"/>
-          </a:solidFill>
           <a:ln w="12700" cap="flat" cmpd="sng" algn="ctr">
             <a:noFill/>
             <a:prstDash val="solid"/>
@@ -4701,17 +4533,46 @@
           <a:bodyPr rtlCol="0" anchor="ctr"/>
           <a:lstStyle/>
           <a:p>
-            <a:pPr algn="ctr"/>
-            <a:endParaRPr lang="en-US"/>
-          </a:p>
-        </p:txBody>
-      </p:sp>
-      <p:sp>
-        <p:nvSpPr>
-          <p:cNvPr id="4" name="Title 3">
-            <a:extLst>
-              <a:ext uri="{FF2B5EF4-FFF2-40B4-BE49-F238E27FC236}">
-                <a16:creationId xmlns:a16="http://schemas.microsoft.com/office/drawing/2014/main" id="{0303BF1D-CD8C-506B-60D4-269EBB380045}"/>
+            <a:pPr marL="0" marR="0" lvl="0" indent="0" algn="ctr" defTabSz="914400" rtl="0" eaLnBrk="1" fontAlgn="auto" latinLnBrk="0" hangingPunct="1">
+              <a:lnSpc>
+                <a:spcPct val="100000"/>
+              </a:lnSpc>
+              <a:spcBef>
+                <a:spcPts val="0"/>
+              </a:spcBef>
+              <a:spcAft>
+                <a:spcPts val="0"/>
+              </a:spcAft>
+              <a:buClrTx/>
+              <a:buSzTx/>
+              <a:buFontTx/>
+              <a:buNone/>
+              <a:tabLst/>
+              <a:defRPr/>
+            </a:pPr>
+            <a:endParaRPr kumimoji="0" lang="en-US" sz="1800" b="0" i="0" u="none" strike="noStrike" kern="1200" cap="none" spc="0" normalizeH="0" baseline="0" noProof="0">
+              <a:ln>
+                <a:noFill/>
+              </a:ln>
+              <a:solidFill>
+                <a:prstClr val="white"/>
+              </a:solidFill>
+              <a:effectLst/>
+              <a:uLnTx/>
+              <a:uFillTx/>
+              <a:latin typeface="Neue Haas Grotesk Text Pro"/>
+              <a:ea typeface="+mn-ea"/>
+              <a:cs typeface="+mn-cs"/>
+            </a:endParaRPr>
+          </a:p>
+        </p:txBody>
+      </p:sp>
+      <p:sp>
+        <p:nvSpPr>
+          <p:cNvPr id="2" name="Title 1">
+            <a:extLst>
+              <a:ext uri="{FF2B5EF4-FFF2-40B4-BE49-F238E27FC236}">
+                <a16:creationId xmlns:a16="http://schemas.microsoft.com/office/drawing/2014/main" id="{D5804961-63B5-93ED-8B4A-8BAC56D0062C}"/>
               </a:ext>
             </a:extLst>
           </p:cNvPr>
@@ -4724,42 +4585,297 @@
         </p:nvSpPr>
         <p:spPr>
           <a:xfrm>
-            <a:off x="259080" y="548640"/>
-            <a:ext cx="11007146" cy="1132258"/>
+            <a:off x="770128" y="99695"/>
+            <a:ext cx="5019675" cy="1294374"/>
           </a:xfrm>
         </p:spPr>
         <p:txBody>
-          <a:bodyPr/>
+          <a:bodyPr vert="horz" lIns="91440" tIns="45720" rIns="91440" bIns="45720" rtlCol="0" anchor="t">
+            <a:normAutofit/>
+          </a:bodyPr>
           <a:lstStyle/>
           <a:p>
             <a:pPr algn="ctr"/>
             <a:r>
-              <a:rPr lang="en-US" altLang="en-US" dirty="0">
-                <a:solidFill>
-                  <a:srgbClr val="1B1C1D"/>
-                </a:solidFill>
-                <a:latin typeface="Google Sans"/>
-              </a:rPr>
-              <a:t>Heuristic-Based Hierarchical Optimization</a:t>
-            </a:r>
-            <a:br>
-              <a:rPr lang="en-US" altLang="en-US" dirty="0">
-                <a:solidFill>
-                  <a:srgbClr val="1B1C1D"/>
-                </a:solidFill>
-                <a:latin typeface="Google Sans"/>
-              </a:rPr>
-            </a:br>
-            <a:endParaRPr lang="en-IN" dirty="0"/>
-          </a:p>
-        </p:txBody>
-      </p:sp>
-      <p:sp>
-        <p:nvSpPr>
-          <p:cNvPr id="3" name="TextBox 2">
-            <a:extLst>
-              <a:ext uri="{FF2B5EF4-FFF2-40B4-BE49-F238E27FC236}">
-                <a16:creationId xmlns:a16="http://schemas.microsoft.com/office/drawing/2014/main" id="{CC6038F9-56EF-60A0-7E67-8A2DF37C052E}"/>
+              <a:rPr lang="en-US" sz="3300" b="1" kern="1200">
+                <a:solidFill>
+                  <a:schemeClr val="tx1"/>
+                </a:solidFill>
+                <a:latin typeface="+mj-lt"/>
+                <a:ea typeface="+mj-ea"/>
+                <a:cs typeface="+mj-cs"/>
+              </a:rPr>
+              <a:t>Implementation strategy</a:t>
+            </a:r>
+            <a:endParaRPr lang="en-US">
+              <a:ea typeface="+mj-ea"/>
+              <a:cs typeface="+mj-cs"/>
+            </a:endParaRPr>
+          </a:p>
+        </p:txBody>
+      </p:sp>
+      <p:sp>
+        <p:nvSpPr>
+          <p:cNvPr id="10" name="Rectangle 4">
+            <a:extLst>
+              <a:ext uri="{FF2B5EF4-FFF2-40B4-BE49-F238E27FC236}">
+                <a16:creationId xmlns:a16="http://schemas.microsoft.com/office/drawing/2014/main" id="{3D0627F6-953D-6BDE-B9EF-BDB50F5AE3B9}"/>
+              </a:ext>
+            </a:extLst>
+          </p:cNvPr>
+          <p:cNvSpPr>
+            <a:spLocks noChangeArrowheads="1"/>
+          </p:cNvSpPr>
+          <p:nvPr/>
+        </p:nvSpPr>
+        <p:spPr bwMode="auto">
+          <a:xfrm>
+            <a:off x="6936629" y="417827"/>
+            <a:ext cx="5514957" cy="2162698"/>
+          </a:xfrm>
+          <a:prstGeom prst="rect">
+            <a:avLst/>
+          </a:prstGeom>
+          <a:extLst>
+            <a:ext uri="{909E8E84-426E-40DD-AFC4-6F175D3DCCD1}">
+              <a14:hiddenFill xmlns:a14="http://schemas.microsoft.com/office/drawing/2010/main">
+                <a:solidFill>
+                  <a:schemeClr val="accent1"/>
+                </a:solidFill>
+              </a14:hiddenFill>
+            </a:ext>
+            <a:ext uri="{91240B29-F687-4F45-9708-019B960494DF}">
+              <a14:hiddenLine xmlns:a14="http://schemas.microsoft.com/office/drawing/2010/main" w="9525">
+                <a:solidFill>
+                  <a:schemeClr val="tx1"/>
+                </a:solidFill>
+                <a:miter lim="800000"/>
+                <a:headEnd/>
+                <a:tailEnd/>
+              </a14:hiddenLine>
+            </a:ext>
+            <a:ext uri="{AF507438-7753-43E0-B8FC-AC1667EBCBE1}">
+              <a14:hiddenEffects xmlns:a14="http://schemas.microsoft.com/office/drawing/2010/main">
+                <a:effectLst>
+                  <a:outerShdw dist="35921" dir="2700000" algn="ctr" rotWithShape="0">
+                    <a:schemeClr val="bg2"/>
+                  </a:outerShdw>
+                </a:effectLst>
+              </a14:hiddenEffects>
+            </a:ext>
+          </a:extLst>
+        </p:spPr>
+        <p:txBody>
+          <a:bodyPr vert="horz" lIns="91440" tIns="45720" rIns="91440" bIns="45720" numCol="1" rtlCol="0" anchor="t" anchorCtr="0" compatLnSpc="1">
+            <a:prstTxWarp prst="textNoShape">
+              <a:avLst/>
+            </a:prstTxWarp>
+            <a:normAutofit lnSpcReduction="10000"/>
+          </a:bodyPr>
+          <a:lstStyle/>
+          <a:p>
+            <a:pPr>
+              <a:buFont typeface="Arial" panose="020B0604020202020204" pitchFamily="34" charset="0"/>
+              <a:buChar char="•"/>
+            </a:pPr>
+            <a:r>
+              <a:rPr lang="en-US" b="1" dirty="0">
+                <a:ea typeface="+mn-lt"/>
+                <a:cs typeface="+mn-lt"/>
+              </a:rPr>
+              <a:t>Codebase</a:t>
+            </a:r>
+            <a:r>
+              <a:rPr kumimoji="0" lang="en-US" b="1" i="0" u="none" strike="noStrike" cap="none" normalizeH="0" baseline="0" dirty="0">
+                <a:ln>
+                  <a:noFill/>
+                </a:ln>
+                <a:effectLst/>
+                <a:ea typeface="+mn-lt"/>
+                <a:cs typeface="+mn-lt"/>
+              </a:rPr>
+              <a:t>:</a:t>
+            </a:r>
+            <a:r>
+              <a:rPr lang="en-US" b="1" dirty="0">
+                <a:ea typeface="+mn-lt"/>
+                <a:cs typeface="+mn-lt"/>
+              </a:rPr>
+              <a:t> </a:t>
+            </a:r>
+            <a:r>
+              <a:rPr kumimoji="0" lang="en-US" b="0" i="0" u="none" strike="noStrike" cap="none" normalizeH="0" baseline="0" dirty="0">
+                <a:ln>
+                  <a:noFill/>
+                </a:ln>
+                <a:effectLst/>
+                <a:ea typeface="+mn-lt"/>
+                <a:cs typeface="+mn-lt"/>
+              </a:rPr>
+              <a:t> </a:t>
+            </a:r>
+            <a:r>
+              <a:rPr lang="en-US" dirty="0">
+                <a:ea typeface="+mn-lt"/>
+                <a:cs typeface="+mn-lt"/>
+              </a:rPr>
+              <a:t>GitHub repository provided in the paper</a:t>
+            </a:r>
+          </a:p>
+          <a:p>
+            <a:pPr>
+              <a:buFont typeface="Arial" panose="020B0604020202020204" pitchFamily="34" charset="0"/>
+              <a:buChar char="•"/>
+            </a:pPr>
+            <a:endParaRPr lang="en-US">
+              <a:ea typeface="+mn-lt"/>
+              <a:cs typeface="+mn-lt"/>
+            </a:endParaRPr>
+          </a:p>
+          <a:p>
+            <a:pPr>
+              <a:buFont typeface="Arial" panose="020B0604020202020204" pitchFamily="34" charset="0"/>
+              <a:buChar char="•"/>
+            </a:pPr>
+            <a:r>
+              <a:rPr lang="en-US" b="1" dirty="0">
+                <a:ea typeface="+mn-lt"/>
+                <a:cs typeface="+mn-lt"/>
+              </a:rPr>
+              <a:t>Programming Language</a:t>
+            </a:r>
+            <a:r>
+              <a:rPr kumimoji="0" lang="en-US" b="1" i="0" u="none" strike="noStrike" cap="none" normalizeH="0" baseline="0" dirty="0">
+                <a:ln>
+                  <a:noFill/>
+                </a:ln>
+                <a:effectLst/>
+                <a:ea typeface="+mn-lt"/>
+                <a:cs typeface="+mn-lt"/>
+              </a:rPr>
+              <a:t>:</a:t>
+            </a:r>
+            <a:r>
+              <a:rPr lang="en-US" dirty="0">
+                <a:ea typeface="+mn-lt"/>
+                <a:cs typeface="+mn-lt"/>
+              </a:rPr>
+              <a:t> </a:t>
+            </a:r>
+            <a:r>
+              <a:rPr kumimoji="0" lang="en-US" b="0" i="0" u="none" strike="noStrike" cap="none" normalizeH="0" baseline="0" dirty="0">
+                <a:ln>
+                  <a:noFill/>
+                </a:ln>
+                <a:effectLst/>
+                <a:ea typeface="+mn-lt"/>
+                <a:cs typeface="+mn-lt"/>
+              </a:rPr>
+              <a:t> </a:t>
+            </a:r>
+            <a:r>
+              <a:rPr lang="en-US" dirty="0">
+                <a:ea typeface="+mn-lt"/>
+                <a:cs typeface="+mn-lt"/>
+              </a:rPr>
+              <a:t>Python</a:t>
+            </a:r>
+            <a:endParaRPr lang="en-US" dirty="0"/>
+          </a:p>
+          <a:p>
+            <a:pPr>
+              <a:buFont typeface="Arial" panose="020B0604020202020204" pitchFamily="34" charset="0"/>
+              <a:buChar char="•"/>
+            </a:pPr>
+            <a:endParaRPr lang="en-US">
+              <a:ea typeface="+mn-lt"/>
+              <a:cs typeface="+mn-lt"/>
+            </a:endParaRPr>
+          </a:p>
+          <a:p>
+            <a:pPr>
+              <a:buFont typeface="Arial" panose="020B0604020202020204" pitchFamily="34" charset="0"/>
+              <a:buChar char="•"/>
+            </a:pPr>
+            <a:r>
+              <a:rPr lang="en-US" b="1" dirty="0">
+                <a:ea typeface="+mn-lt"/>
+                <a:cs typeface="+mn-lt"/>
+              </a:rPr>
+              <a:t>Core Libraries:</a:t>
+            </a:r>
+            <a:r>
+              <a:rPr lang="en-US" dirty="0">
+                <a:ea typeface="+mn-lt"/>
+                <a:cs typeface="+mn-lt"/>
+              </a:rPr>
+              <a:t>  </a:t>
+            </a:r>
+            <a:r>
+              <a:rPr lang="en-US" dirty="0" err="1">
+                <a:ea typeface="+mn-lt"/>
+                <a:cs typeface="+mn-lt"/>
+              </a:rPr>
+              <a:t>PyTorch</a:t>
+            </a:r>
+            <a:r>
+              <a:rPr lang="en-US" dirty="0">
+                <a:ea typeface="+mn-lt"/>
+                <a:cs typeface="+mn-lt"/>
+              </a:rPr>
+              <a:t> </a:t>
+            </a:r>
+          </a:p>
+          <a:p>
+            <a:pPr marL="0" marR="0" lvl="0">
+              <a:buClrTx/>
+              <a:buSzTx/>
+              <a:buFont typeface="Arial" panose="020B0604020202020204" pitchFamily="34" charset="0"/>
+              <a:buChar char="•"/>
+              <a:tabLst/>
+            </a:pPr>
+            <a:endParaRPr lang="en-US" b="0" i="0" u="none" strike="noStrike" cap="none" normalizeH="0" baseline="0">
+              <a:ln>
+                <a:noFill/>
+              </a:ln>
+              <a:effectLst/>
+            </a:endParaRPr>
+          </a:p>
+          <a:p>
+            <a:r>
+              <a:rPr lang="en-US" b="1" dirty="0"/>
+              <a:t>Simulation Environment: </a:t>
+            </a:r>
+            <a:r>
+              <a:rPr lang="en-US" dirty="0" err="1"/>
+              <a:t>PyTorch</a:t>
+            </a:r>
+            <a:endParaRPr lang="en-US" dirty="0"/>
+          </a:p>
+          <a:p>
+            <a:pPr indent="-228600">
+              <a:lnSpc>
+                <a:spcPct val="120000"/>
+              </a:lnSpc>
+              <a:spcBef>
+                <a:spcPct val="0"/>
+              </a:spcBef>
+              <a:spcAft>
+                <a:spcPts val="600"/>
+              </a:spcAft>
+              <a:buFont typeface="Arial" panose="020B0604020202020204" pitchFamily="34" charset="0"/>
+              <a:buChar char="•"/>
+            </a:pPr>
+            <a:endParaRPr lang="en-US" altLang="en-US"/>
+          </a:p>
+        </p:txBody>
+      </p:sp>
+      <p:sp>
+        <p:nvSpPr>
+          <p:cNvPr id="4" name="TextBox 3">
+            <a:extLst>
+              <a:ext uri="{FF2B5EF4-FFF2-40B4-BE49-F238E27FC236}">
+                <a16:creationId xmlns:a16="http://schemas.microsoft.com/office/drawing/2014/main" id="{DE89C5C0-A273-D5B2-ADC9-DCEC97ED41FF}"/>
               </a:ext>
             </a:extLst>
           </p:cNvPr>
@@ -4768,8 +4884,8 @@
         </p:nvSpPr>
         <p:spPr>
           <a:xfrm>
-            <a:off x="259080" y="1341725"/>
-            <a:ext cx="11726120" cy="1200329"/>
+            <a:off x="6823941" y="2584161"/>
+            <a:ext cx="5364017" cy="4278094"/>
           </a:xfrm>
           <a:prstGeom prst="rect">
             <a:avLst/>
@@ -4777,63 +4893,165 @@
           <a:noFill/>
         </p:spPr>
         <p:txBody>
-          <a:bodyPr wrap="square">
+          <a:bodyPr rot="0" spcFirstLastPara="0" vertOverflow="overflow" horzOverflow="overflow" vert="horz" wrap="square" lIns="91440" tIns="45720" rIns="91440" bIns="45720" numCol="1" spcCol="0" rtlCol="0" fromWordArt="0" anchor="t" anchorCtr="0" forceAA="0" compatLnSpc="1">
+            <a:prstTxWarp prst="textNoShape">
+              <a:avLst/>
+            </a:prstTxWarp>
             <a:spAutoFit/>
           </a:bodyPr>
           <a:lstStyle/>
           <a:p>
+            <a:r>
+              <a:rPr lang="en-US" sz="1600" b="1" dirty="0"/>
+              <a:t>Performance Metrics:</a:t>
+            </a:r>
+          </a:p>
+          <a:p>
             <a:pPr>
-              <a:buNone/>
-            </a:pPr>
-            <a:r>
-              <a:rPr lang="en-US" b="1" dirty="0"/>
-              <a:t>General Use</a:t>
-            </a:r>
-          </a:p>
-          <a:p>
-            <a:pPr>
-              <a:buFont typeface="Arial" panose="020B0604020202020204" pitchFamily="34" charset="0"/>
+              <a:buFont typeface="Arial"/>
               <a:buChar char="•"/>
             </a:pPr>
             <a:r>
-              <a:rPr lang="en-US" b="1" dirty="0"/>
-              <a:t>What it is:</a:t>
-            </a:r>
-            <a:r>
-              <a:rPr lang="en-US" dirty="0"/>
-              <a:t> A strategy that breaks down a complex, difficult problem into smaller, more manageable sub-problems to find a quick, effective solution.</a:t>
+              <a:rPr lang="en-US" sz="1600" b="1" dirty="0">
+                <a:ea typeface="+mn-lt"/>
+                <a:cs typeface="+mn-lt"/>
+              </a:rPr>
+              <a:t>Average Task Processing Delay(</a:t>
+            </a:r>
+            <a:r>
+              <a:rPr lang="en-US" sz="1600" b="1" dirty="0" err="1">
+                <a:ea typeface="+mn-lt"/>
+                <a:cs typeface="+mn-lt"/>
+              </a:rPr>
+              <a:t>ms</a:t>
+            </a:r>
+            <a:r>
+              <a:rPr lang="en-US" sz="1600" b="1" dirty="0">
+                <a:ea typeface="+mn-lt"/>
+                <a:cs typeface="+mn-lt"/>
+              </a:rPr>
+              <a:t>):</a:t>
+            </a:r>
+            <a:r>
+              <a:rPr lang="en-US" sz="1600" dirty="0">
+                <a:ea typeface="+mn-lt"/>
+                <a:cs typeface="+mn-lt"/>
+              </a:rPr>
+              <a:t> Measures the quality of service by calculating the average time from task arrival to completion.</a:t>
             </a:r>
           </a:p>
           <a:p>
             <a:pPr>
-              <a:buFont typeface="Arial" panose="020B0604020202020204" pitchFamily="34" charset="0"/>
+              <a:buFont typeface="Arial"/>
               <a:buChar char="•"/>
             </a:pPr>
             <a:r>
-              <a:rPr lang="en-US" b="1" dirty="0"/>
-              <a:t>Why it's used:</a:t>
-            </a:r>
-            <a:r>
-              <a:rPr lang="en-US" dirty="0"/>
-              <a:t> It's a pragmatic way to solve </a:t>
-            </a:r>
-            <a:r>
-              <a:rPr lang="en-US" b="1" dirty="0"/>
-              <a:t>NP-hard problems</a:t>
-            </a:r>
-            <a:r>
-              <a:rPr lang="en-US" dirty="0"/>
-              <a:t>, which are too slow to solve perfectly.</a:t>
-            </a:r>
-          </a:p>
-        </p:txBody>
-      </p:sp>
-      <p:sp>
-        <p:nvSpPr>
-          <p:cNvPr id="6" name="TextBox 5">
-            <a:extLst>
-              <a:ext uri="{FF2B5EF4-FFF2-40B4-BE49-F238E27FC236}">
-                <a16:creationId xmlns:a16="http://schemas.microsoft.com/office/drawing/2014/main" id="{05CEFBF2-B7B7-8E31-49E2-7199CB6BB0CD}"/>
+              <a:rPr lang="en-US" sz="1600" b="1" dirty="0">
+                <a:ea typeface="+mn-lt"/>
+                <a:cs typeface="+mn-lt"/>
+              </a:rPr>
+              <a:t>Long-Term Average Task Processing Cost(J):</a:t>
+            </a:r>
+            <a:r>
+              <a:rPr lang="en-US" sz="1600" dirty="0">
+                <a:ea typeface="+mn-lt"/>
+                <a:cs typeface="+mn-lt"/>
+              </a:rPr>
+              <a:t> Measures the total operational cost over time to ensure adherence to the budget.</a:t>
+            </a:r>
+          </a:p>
+          <a:p>
+            <a:pPr>
+              <a:buFont typeface="Arial"/>
+              <a:buChar char="•"/>
+            </a:pPr>
+            <a:r>
+              <a:rPr lang="en-US" sz="1600" b="1" dirty="0">
+                <a:ea typeface="+mn-lt"/>
+                <a:cs typeface="+mn-lt"/>
+              </a:rPr>
+              <a:t>Computational Running Time(</a:t>
+            </a:r>
+            <a:r>
+              <a:rPr lang="en-US" sz="1600" b="1" err="1">
+                <a:ea typeface="+mn-lt"/>
+                <a:cs typeface="+mn-lt"/>
+              </a:rPr>
+              <a:t>ms</a:t>
+            </a:r>
+            <a:r>
+              <a:rPr lang="en-US" sz="1600" b="1" dirty="0">
+                <a:ea typeface="+mn-lt"/>
+                <a:cs typeface="+mn-lt"/>
+              </a:rPr>
+              <a:t>):</a:t>
+            </a:r>
+            <a:r>
+              <a:rPr lang="en-US" sz="1600" dirty="0">
+                <a:ea typeface="+mn-lt"/>
+                <a:cs typeface="+mn-lt"/>
+              </a:rPr>
+              <a:t> Evaluates the scalability and real-time feasibility of the algorithms as the network size changes.</a:t>
+            </a:r>
+            <a:endParaRPr lang="en-US" sz="1600" dirty="0"/>
+          </a:p>
+          <a:p>
+            <a:pPr>
+              <a:buFont typeface="Arial"/>
+              <a:buChar char="•"/>
+            </a:pPr>
+            <a:r>
+              <a:rPr lang="en-US" sz="1600" b="1" dirty="0">
+                <a:ea typeface="+mn-lt"/>
+                <a:cs typeface="+mn-lt"/>
+              </a:rPr>
+              <a:t>Virtual Queue Backlog(J):</a:t>
+            </a:r>
+            <a:r>
+              <a:rPr lang="en-US" sz="1600" dirty="0">
+                <a:ea typeface="+mn-lt"/>
+                <a:cs typeface="+mn-lt"/>
+              </a:rPr>
+              <a:t> Used to demonstrate the algorithm's stability and its ability to effectively control the long-term cost constraint.</a:t>
+            </a:r>
+            <a:endParaRPr lang="en-US" sz="1600" dirty="0"/>
+          </a:p>
+          <a:p>
+            <a:pPr>
+              <a:buFont typeface="Arial"/>
+              <a:buChar char="•"/>
+            </a:pPr>
+            <a:r>
+              <a:rPr lang="en-US" sz="1600" b="1" dirty="0">
+                <a:ea typeface="+mn-lt"/>
+                <a:cs typeface="+mn-lt"/>
+              </a:rPr>
+              <a:t>Weighted Sum of Normalized Delay and Overrun Cost:</a:t>
+            </a:r>
+            <a:r>
+              <a:rPr lang="en-US" sz="1600" dirty="0">
+                <a:ea typeface="+mn-lt"/>
+                <a:cs typeface="+mn-lt"/>
+              </a:rPr>
+              <a:t> A combined metric that shows the tunable balance between performance and cost.</a:t>
+            </a:r>
+            <a:endParaRPr lang="en-US" sz="1600" dirty="0"/>
+          </a:p>
+          <a:p>
+            <a:pPr marL="228600" indent="-228600">
+              <a:buFont typeface=""/>
+              <a:buChar char="•"/>
+            </a:pPr>
+            <a:endParaRPr lang="en-US" sz="1600"/>
+          </a:p>
+        </p:txBody>
+      </p:sp>
+      <p:sp>
+        <p:nvSpPr>
+          <p:cNvPr id="7" name="TextBox 6">
+            <a:extLst>
+              <a:ext uri="{FF2B5EF4-FFF2-40B4-BE49-F238E27FC236}">
+                <a16:creationId xmlns:a16="http://schemas.microsoft.com/office/drawing/2014/main" id="{C16CA635-D574-2039-85C3-95607FCDC879}"/>
               </a:ext>
             </a:extLst>
           </p:cNvPr>
@@ -4842,8 +5060,8 @@
         </p:nvSpPr>
         <p:spPr>
           <a:xfrm>
-            <a:off x="259081" y="3032070"/>
-            <a:ext cx="11007145" cy="2308324"/>
+            <a:off x="114300" y="1209040"/>
+            <a:ext cx="6705600" cy="5355312"/>
           </a:xfrm>
           <a:prstGeom prst="rect">
             <a:avLst/>
@@ -4851,121 +5069,305 @@
           <a:noFill/>
         </p:spPr>
         <p:txBody>
-          <a:bodyPr wrap="square">
+          <a:bodyPr rot="0" spcFirstLastPara="0" vertOverflow="overflow" horzOverflow="overflow" vert="horz" wrap="square" lIns="91440" tIns="45720" rIns="91440" bIns="45720" numCol="1" spcCol="0" rtlCol="0" fromWordArt="0" anchor="t" anchorCtr="0" forceAA="0" compatLnSpc="1">
+            <a:prstTxWarp prst="textNoShape">
+              <a:avLst/>
+            </a:prstTxWarp>
             <a:spAutoFit/>
           </a:bodyPr>
           <a:lstStyle/>
           <a:p>
-            <a:pPr>
-              <a:buNone/>
-            </a:pPr>
-            <a:r>
-              <a:rPr lang="en-US" b="1" dirty="0"/>
-              <a:t>Specific Use in this Research</a:t>
-            </a:r>
-          </a:p>
-          <a:p>
-            <a:pPr>
-              <a:buFont typeface="Arial" panose="020B0604020202020204" pitchFamily="34" charset="0"/>
+            <a:r>
+              <a:rPr lang="en-US" b="1" dirty="0">
+                <a:solidFill>
+                  <a:srgbClr val="1B1C1D"/>
+                </a:solidFill>
+                <a:latin typeface="Neue Haas Grotesk Text Pro"/>
+              </a:rPr>
+              <a:t>1. Environment Setup:</a:t>
+            </a:r>
+          </a:p>
+          <a:p>
+            <a:r>
+              <a:rPr lang="en-US" dirty="0">
+                <a:solidFill>
+                  <a:srgbClr val="1B1C1D"/>
+                </a:solidFill>
+                <a:latin typeface="Neue Haas Grotesk Text Pro"/>
+              </a:rPr>
+              <a:t>Setup the necessary python environment with </a:t>
+            </a:r>
+            <a:r>
+              <a:rPr lang="en-US" err="1">
+                <a:solidFill>
+                  <a:srgbClr val="1B1C1D"/>
+                </a:solidFill>
+                <a:latin typeface="Neue Haas Grotesk Text Pro"/>
+              </a:rPr>
+              <a:t>PyTorch</a:t>
+            </a:r>
+            <a:endParaRPr lang="en-US">
+              <a:solidFill>
+                <a:srgbClr val="1B1C1D"/>
+              </a:solidFill>
+              <a:latin typeface="Neue Haas Grotesk Text Pro"/>
+            </a:endParaRPr>
+          </a:p>
+          <a:p>
+            <a:endParaRPr lang="en-US" b="1" dirty="0">
+              <a:solidFill>
+                <a:srgbClr val="1B1C1D"/>
+              </a:solidFill>
+              <a:latin typeface="Neue Haas Grotesk Text Pro"/>
+            </a:endParaRPr>
+          </a:p>
+          <a:p>
+            <a:r>
+              <a:rPr lang="en-US" b="1" dirty="0">
+                <a:solidFill>
+                  <a:srgbClr val="1B1C1D"/>
+                </a:solidFill>
+                <a:latin typeface="Neue Haas Grotesk Text Pro"/>
+              </a:rPr>
+              <a:t>2. Scenario Formulation:</a:t>
+            </a:r>
+          </a:p>
+          <a:p>
+            <a:r>
+              <a:rPr lang="en-US" dirty="0">
+                <a:solidFill>
+                  <a:srgbClr val="1B1C1D"/>
+                </a:solidFill>
+                <a:latin typeface="Neue Haas Grotesk Text Pro"/>
+              </a:rPr>
+              <a:t>Simulations to be formulated to test the system's behavior, including:</a:t>
+            </a:r>
+          </a:p>
+          <a:p>
+            <a:pPr marL="228600" indent="-228600">
+              <a:buFont typeface=""/>
               <a:buChar char="•"/>
             </a:pPr>
             <a:r>
-              <a:rPr lang="en-US" b="1" dirty="0"/>
-              <a:t>How it's used here:</a:t>
-            </a:r>
-            <a:r>
-              <a:rPr lang="en-US" dirty="0"/>
-              <a:t> A two-step process to solve the NP-hard task scheduling problem:</a:t>
-            </a:r>
-          </a:p>
-          <a:p>
-            <a:pPr marL="742950" lvl="1" indent="-285750">
-              <a:buFont typeface="Arial" panose="020B0604020202020204" pitchFamily="34" charset="0"/>
+              <a:rPr lang="en-US" b="1" dirty="0">
+                <a:solidFill>
+                  <a:srgbClr val="1B1C1D"/>
+                </a:solidFill>
+                <a:latin typeface="Neue Haas Grotesk Text Pro"/>
+              </a:rPr>
+              <a:t>Trade-off Analysis:</a:t>
+            </a:r>
+            <a:r>
+              <a:rPr lang="en-US" dirty="0">
+                <a:solidFill>
+                  <a:srgbClr val="1B1C1D"/>
+                </a:solidFill>
+                <a:latin typeface="Neue Haas Grotesk Text Pro"/>
+              </a:rPr>
+              <a:t> We will vary the </a:t>
+            </a:r>
+            <a:r>
+              <a:rPr lang="en-US" b="1" dirty="0">
+                <a:solidFill>
+                  <a:srgbClr val="1B1C1D"/>
+                </a:solidFill>
+                <a:latin typeface="Neue Haas Grotesk Text Pro"/>
+              </a:rPr>
+              <a:t>V</a:t>
+            </a:r>
+            <a:r>
+              <a:rPr lang="en-US" dirty="0">
+                <a:solidFill>
+                  <a:srgbClr val="1B1C1D"/>
+                </a:solidFill>
+                <a:latin typeface="Neue Haas Grotesk Text Pro"/>
+              </a:rPr>
+              <a:t> parameter(prioritization between delay and cost) to demonstrate the balance between delay and cost.</a:t>
+            </a:r>
+            <a:endParaRPr lang="en-US" dirty="0">
+              <a:solidFill>
+                <a:srgbClr val="000000"/>
+              </a:solidFill>
+              <a:latin typeface="Neue Haas Grotesk Text Pro"/>
+              <a:ea typeface="+mn-lt"/>
+              <a:cs typeface="+mn-lt"/>
+            </a:endParaRPr>
+          </a:p>
+          <a:p>
+            <a:pPr marL="228600" indent="-228600">
+              <a:buFont typeface=""/>
               <a:buChar char="•"/>
             </a:pPr>
             <a:r>
-              <a:rPr lang="en-US" b="1" dirty="0"/>
-              <a:t>Step 1:</a:t>
-            </a:r>
-            <a:r>
-              <a:rPr lang="en-US" dirty="0"/>
-              <a:t> A </a:t>
-            </a:r>
-            <a:r>
-              <a:rPr lang="en-US" b="1" dirty="0"/>
-              <a:t>discrete particle swarm algorithm (PSO)</a:t>
-            </a:r>
-            <a:r>
-              <a:rPr lang="en-US" dirty="0"/>
-              <a:t> classifies factories as a </a:t>
-            </a:r>
-            <a:r>
-              <a:rPr lang="en-US" b="1" dirty="0"/>
-              <a:t>source</a:t>
-            </a:r>
-            <a:r>
-              <a:rPr lang="en-US" dirty="0"/>
-              <a:t>, </a:t>
-            </a:r>
-            <a:r>
-              <a:rPr lang="en-US" b="1" dirty="0"/>
-              <a:t>sink</a:t>
-            </a:r>
-            <a:r>
-              <a:rPr lang="en-US" dirty="0"/>
-              <a:t>, or </a:t>
-            </a:r>
-            <a:r>
-              <a:rPr lang="en-US" b="1" dirty="0"/>
-              <a:t>isolated node</a:t>
-            </a:r>
-            <a:r>
-              <a:rPr lang="en-US" dirty="0"/>
-              <a:t>. This dramatically simplifies the problem.</a:t>
-            </a:r>
-          </a:p>
-          <a:p>
-            <a:pPr marL="742950" lvl="1" indent="-285750">
-              <a:buFont typeface="Arial" panose="020B0604020202020204" pitchFamily="34" charset="0"/>
+              <a:rPr lang="en-US" b="1" dirty="0">
+                <a:solidFill>
+                  <a:srgbClr val="1B1C1D"/>
+                </a:solidFill>
+                <a:latin typeface="Neue Haas Grotesk Text Pro"/>
+                <a:ea typeface="+mn-lt"/>
+                <a:cs typeface="+mn-lt"/>
+              </a:rPr>
+              <a:t>Scalability Test:</a:t>
+            </a:r>
+            <a:r>
+              <a:rPr lang="en-US" dirty="0">
+                <a:solidFill>
+                  <a:srgbClr val="1B1C1D"/>
+                </a:solidFill>
+                <a:latin typeface="Neue Haas Grotesk Text Pro"/>
+                <a:ea typeface="+mn-lt"/>
+                <a:cs typeface="+mn-lt"/>
+              </a:rPr>
+              <a:t> Increase the number of factories to validate the scalability and runtime efficiency of both the </a:t>
+            </a:r>
+            <a:r>
+              <a:rPr lang="en-US" b="1" dirty="0">
+                <a:solidFill>
+                  <a:srgbClr val="1B1C1D"/>
+                </a:solidFill>
+                <a:latin typeface="Neue Haas Grotesk Text Pro"/>
+                <a:ea typeface="+mn-lt"/>
+                <a:cs typeface="+mn-lt"/>
+              </a:rPr>
+              <a:t>HH</a:t>
+            </a:r>
+            <a:r>
+              <a:rPr lang="en-US" dirty="0">
+                <a:solidFill>
+                  <a:srgbClr val="1B1C1D"/>
+                </a:solidFill>
+                <a:latin typeface="Neue Haas Grotesk Text Pro"/>
+                <a:ea typeface="+mn-lt"/>
+                <a:cs typeface="+mn-lt"/>
+              </a:rPr>
+              <a:t> and </a:t>
+            </a:r>
+            <a:r>
+              <a:rPr lang="en-US" b="1" dirty="0">
+                <a:solidFill>
+                  <a:srgbClr val="1B1C1D"/>
+                </a:solidFill>
+                <a:latin typeface="Neue Haas Grotesk Text Pro"/>
+                <a:ea typeface="+mn-lt"/>
+                <a:cs typeface="+mn-lt"/>
+              </a:rPr>
+              <a:t>IL</a:t>
+            </a:r>
+            <a:r>
+              <a:rPr lang="en-US" dirty="0">
+                <a:solidFill>
+                  <a:srgbClr val="1B1C1D"/>
+                </a:solidFill>
+                <a:latin typeface="Neue Haas Grotesk Text Pro"/>
+                <a:ea typeface="+mn-lt"/>
+                <a:cs typeface="+mn-lt"/>
+              </a:rPr>
+              <a:t> models, and to show where the IL model becomes more practical.</a:t>
+            </a:r>
+            <a:endParaRPr lang="en-US" dirty="0">
+              <a:solidFill>
+                <a:srgbClr val="000000"/>
+              </a:solidFill>
+              <a:latin typeface="Neue Haas Grotesk Text Pro"/>
+              <a:ea typeface="+mn-lt"/>
+              <a:cs typeface="+mn-lt"/>
+            </a:endParaRPr>
+          </a:p>
+          <a:p>
+            <a:pPr marL="228600" indent="-228600">
+              <a:buFont typeface=""/>
               <a:buChar char="•"/>
             </a:pPr>
             <a:r>
-              <a:rPr lang="en-US" b="1" dirty="0"/>
-              <a:t>Step 2:</a:t>
-            </a:r>
-            <a:r>
-              <a:rPr lang="en-US" dirty="0"/>
-              <a:t> A </a:t>
-            </a:r>
-            <a:r>
-              <a:rPr lang="en-US" b="1" dirty="0"/>
-              <a:t>harmony search (HS)</a:t>
-            </a:r>
-            <a:r>
-              <a:rPr lang="en-US" dirty="0"/>
-              <a:t> algorithm then determines the specific number of tasks to be forwarded between the classified nodes.</a:t>
-            </a:r>
-          </a:p>
-          <a:p>
-            <a:pPr>
-              <a:buFont typeface="Arial" panose="020B0604020202020204" pitchFamily="34" charset="0"/>
-              <a:buChar char="•"/>
-            </a:pPr>
-            <a:r>
-              <a:rPr lang="en-US" b="1" dirty="0"/>
-              <a:t>The result:</a:t>
-            </a:r>
-            <a:r>
-              <a:rPr lang="en-US" dirty="0"/>
-              <a:t> This approach finds an efficient, near-optimal scheduling decision in real time, making the problem solvable for practical </a:t>
-            </a:r>
-            <a:r>
-              <a:rPr lang="en-US" dirty="0" err="1"/>
-              <a:t>IIoT</a:t>
-            </a:r>
-            <a:r>
-              <a:rPr lang="en-US" dirty="0"/>
-              <a:t> deployments.</a:t>
+              <a:rPr lang="en-US" b="1" dirty="0">
+                <a:solidFill>
+                  <a:srgbClr val="1B1C1D"/>
+                </a:solidFill>
+                <a:latin typeface="Neue Haas Grotesk Text Pro"/>
+                <a:ea typeface="+mn-lt"/>
+                <a:cs typeface="+mn-lt"/>
+              </a:rPr>
+              <a:t>Comparative Analysis:</a:t>
+            </a:r>
+            <a:r>
+              <a:rPr lang="en-US" dirty="0">
+                <a:solidFill>
+                  <a:srgbClr val="1B1C1D"/>
+                </a:solidFill>
+                <a:latin typeface="Neue Haas Grotesk Text Pro"/>
+                <a:ea typeface="+mn-lt"/>
+                <a:cs typeface="+mn-lt"/>
+              </a:rPr>
+              <a:t> Run various benchmark algorithms to compare their performance against both the </a:t>
+            </a:r>
+            <a:r>
+              <a:rPr lang="en-US" b="1" dirty="0">
+                <a:solidFill>
+                  <a:srgbClr val="1B1C1D"/>
+                </a:solidFill>
+                <a:latin typeface="Neue Haas Grotesk Text Pro"/>
+                <a:ea typeface="+mn-lt"/>
+                <a:cs typeface="+mn-lt"/>
+              </a:rPr>
+              <a:t>HH</a:t>
+            </a:r>
+            <a:r>
+              <a:rPr lang="en-US" dirty="0">
+                <a:solidFill>
+                  <a:srgbClr val="1B1C1D"/>
+                </a:solidFill>
+                <a:latin typeface="Neue Haas Grotesk Text Pro"/>
+                <a:ea typeface="+mn-lt"/>
+                <a:cs typeface="+mn-lt"/>
+              </a:rPr>
+              <a:t> and </a:t>
+            </a:r>
+            <a:r>
+              <a:rPr lang="en-US" b="1" dirty="0">
+                <a:solidFill>
+                  <a:srgbClr val="1B1C1D"/>
+                </a:solidFill>
+                <a:latin typeface="Neue Haas Grotesk Text Pro"/>
+                <a:ea typeface="+mn-lt"/>
+                <a:cs typeface="+mn-lt"/>
+              </a:rPr>
+              <a:t>IL</a:t>
+            </a:r>
+            <a:r>
+              <a:rPr lang="en-US" dirty="0">
+                <a:solidFill>
+                  <a:srgbClr val="1B1C1D"/>
+                </a:solidFill>
+                <a:latin typeface="Neue Haas Grotesk Text Pro"/>
+                <a:ea typeface="+mn-lt"/>
+                <a:cs typeface="+mn-lt"/>
+              </a:rPr>
+              <a:t> models on metrics like delay, cost, and runtime.</a:t>
+            </a:r>
+            <a:endParaRPr lang="en-US">
+              <a:latin typeface="Neue Haas Grotesk Text Pro"/>
+            </a:endParaRPr>
+          </a:p>
+          <a:p>
+            <a:r>
+              <a:rPr lang="en-US" b="1" dirty="0">
+                <a:solidFill>
+                  <a:srgbClr val="1B1C1D"/>
+                </a:solidFill>
+                <a:latin typeface="Neue Haas Grotesk Text Pro"/>
+              </a:rPr>
+              <a:t>3. Simulation &amp; Validation :</a:t>
+            </a:r>
+          </a:p>
+          <a:p>
+            <a:r>
+              <a:rPr lang="en-US" dirty="0">
+                <a:solidFill>
+                  <a:srgbClr val="1B1C1D"/>
+                </a:solidFill>
+                <a:latin typeface="Neue Haas Grotesk Text Pro"/>
+              </a:rPr>
+              <a:t>The simulation will use the pre-trained models to execute the formulated scenarios. </a:t>
             </a:r>
           </a:p>
         </p:txBody>
@@ -4973,7 +5375,7 @@
     </p:spTree>
     <p:extLst>
       <p:ext uri="{BB962C8B-B14F-4D97-AF65-F5344CB8AC3E}">
-        <p14:creationId xmlns:p14="http://schemas.microsoft.com/office/powerpoint/2010/main" val="939039411"/>
+        <p14:creationId xmlns:p14="http://schemas.microsoft.com/office/powerpoint/2010/main" val="2023806948"/>
       </p:ext>
     </p:extLst>
   </p:cSld>
@@ -5008,12 +5410,12 @@
           <a:chExt cx="0" cy="0"/>
         </a:xfrm>
       </p:grpSpPr>
-      <p:sp>
-        <p:nvSpPr>
-          <p:cNvPr id="11" name="Rectangle 10">
-            <a:extLst>
-              <a:ext uri="{FF2B5EF4-FFF2-40B4-BE49-F238E27FC236}">
-                <a16:creationId xmlns:a16="http://schemas.microsoft.com/office/drawing/2014/main" id="{600DC1B0-7E1A-BD02-3F93-19E6B1B75075}"/>
+      <p:sp useBgFill="1">
+        <p:nvSpPr>
+          <p:cNvPr id="20" name="Rectangle 19">
+            <a:extLst>
+              <a:ext uri="{FF2B5EF4-FFF2-40B4-BE49-F238E27FC236}">
+                <a16:creationId xmlns:a16="http://schemas.microsoft.com/office/drawing/2014/main" id="{4AB9B8B4-6AA0-6EC2-5180-35BA3CFC286B}"/>
               </a:ext>
               <a:ext uri="{C183D7F6-B498-43B3-948B-1728B52AA6E4}">
                 <adec:decorative xmlns:adec="http://schemas.microsoft.com/office/drawing/2017/decorative" val="1"/>
@@ -5039,9 +5441,6 @@
           <a:prstGeom prst="rect">
             <a:avLst/>
           </a:prstGeom>
-          <a:solidFill>
-            <a:schemeClr val="bg1"/>
-          </a:solidFill>
           <a:ln w="12700" cap="flat" cmpd="sng" algn="ctr">
             <a:noFill/>
             <a:prstDash val="solid"/>
@@ -5092,7 +5491,7 @@
           <p:cNvPr id="2" name="Title 1">
             <a:extLst>
               <a:ext uri="{FF2B5EF4-FFF2-40B4-BE49-F238E27FC236}">
-                <a16:creationId xmlns:a16="http://schemas.microsoft.com/office/drawing/2014/main" id="{A0560CF8-55B7-1C43-753E-4A25CEC440E8}"/>
+                <a16:creationId xmlns:a16="http://schemas.microsoft.com/office/drawing/2014/main" id="{47232FFD-48EE-048F-B4D0-2AE4CA0DE56A}"/>
               </a:ext>
             </a:extLst>
           </p:cNvPr>
@@ -5105,278 +5504,156 @@
         </p:nvSpPr>
         <p:spPr>
           <a:xfrm>
-            <a:off x="303277" y="563878"/>
-            <a:ext cx="12376404" cy="792482"/>
+            <a:off x="4513632" y="139207"/>
+            <a:ext cx="3832245" cy="1155003"/>
           </a:xfrm>
         </p:spPr>
         <p:txBody>
-          <a:bodyPr anchor="ctr">
-            <a:normAutofit fontScale="90000"/>
+          <a:bodyPr>
+            <a:normAutofit/>
           </a:bodyPr>
           <a:lstStyle/>
           <a:p>
             <a:r>
-              <a:rPr lang="en-US" sz="4000" b="0" dirty="0">
-                <a:ea typeface="+mj-lt"/>
-                <a:cs typeface="+mj-lt"/>
-              </a:rPr>
-              <a:t> Low-Complexity Acceleration with Imitation Learning</a:t>
-            </a:r>
-            <a:endParaRPr lang="en-US" sz="4000" dirty="0">
-              <a:ea typeface="+mj-lt"/>
-              <a:cs typeface="+mj-lt"/>
-            </a:endParaRPr>
-          </a:p>
-          <a:p>
-            <a:endParaRPr lang="en-US" sz="4000" dirty="0"/>
-          </a:p>
-          <a:p>
-            <a:endParaRPr lang="en-US" sz="4000" dirty="0"/>
-          </a:p>
-        </p:txBody>
-      </p:sp>
-      <p:sp>
-        <p:nvSpPr>
-          <p:cNvPr id="5" name="Rectangle 1">
-            <a:extLst>
-              <a:ext uri="{FF2B5EF4-FFF2-40B4-BE49-F238E27FC236}">
-                <a16:creationId xmlns:a16="http://schemas.microsoft.com/office/drawing/2014/main" id="{000B4931-5CB5-2FEA-4666-6238F5D05C56}"/>
-              </a:ext>
-            </a:extLst>
-          </p:cNvPr>
-          <p:cNvSpPr>
-            <a:spLocks noChangeArrowheads="1"/>
-          </p:cNvSpPr>
+              <a:rPr lang="en-US" b="0" dirty="0"/>
+              <a:t>Phase two Plan</a:t>
+            </a:r>
+          </a:p>
+        </p:txBody>
+      </p:sp>
+      <p:pic>
+        <p:nvPicPr>
+          <p:cNvPr id="5" name="Picture 4" descr="Top view of cubes connected with black lines">
+            <a:extLst>
+              <a:ext uri="{FF2B5EF4-FFF2-40B4-BE49-F238E27FC236}">
+                <a16:creationId xmlns:a16="http://schemas.microsoft.com/office/drawing/2014/main" id="{BBB3767F-B0E9-DA60-385C-0185A6B92A7E}"/>
+              </a:ext>
+            </a:extLst>
+          </p:cNvPr>
+          <p:cNvPicPr>
+            <a:picLocks noChangeAspect="1"/>
+          </p:cNvPicPr>
           <p:nvPr/>
-        </p:nvSpPr>
-        <p:spPr bwMode="auto">
+        </p:nvPicPr>
+        <p:blipFill>
+          <a:blip r:embed="rId2"/>
+          <a:srcRect t="2431" r="2" b="2437"/>
+          <a:stretch>
+            <a:fillRect/>
+          </a:stretch>
+        </p:blipFill>
+        <p:spPr>
           <a:xfrm>
-            <a:off x="303277" y="1356360"/>
-            <a:ext cx="11945072" cy="4616648"/>
+            <a:off x="401699" y="1712460"/>
+            <a:ext cx="6355080" cy="4534348"/>
           </a:xfrm>
           <a:prstGeom prst="rect">
             <a:avLst/>
           </a:prstGeom>
-          <a:noFill/>
-          <a:ln>
-            <a:noFill/>
-          </a:ln>
-          <a:effectLst/>
-          <a:extLst>
-            <a:ext uri="{909E8E84-426E-40DD-AFC4-6F175D3DCCD1}">
-              <a14:hiddenFill xmlns:a14="http://schemas.microsoft.com/office/drawing/2010/main">
-                <a:solidFill>
-                  <a:schemeClr val="accent1"/>
-                </a:solidFill>
-              </a14:hiddenFill>
-            </a:ext>
-            <a:ext uri="{91240B29-F687-4F45-9708-019B960494DF}">
-              <a14:hiddenLine xmlns:a14="http://schemas.microsoft.com/office/drawing/2010/main" w="9525">
-                <a:solidFill>
-                  <a:schemeClr val="tx1"/>
-                </a:solidFill>
-                <a:miter lim="800000"/>
-                <a:headEnd/>
-                <a:tailEnd/>
-              </a14:hiddenLine>
-            </a:ext>
-            <a:ext uri="{AF507438-7753-43E0-B8FC-AC1667EBCBE1}">
-              <a14:hiddenEffects xmlns:a14="http://schemas.microsoft.com/office/drawing/2010/main">
-                <a:effectLst>
-                  <a:outerShdw dist="35921" dir="2700000" algn="ctr" rotWithShape="0">
-                    <a:schemeClr val="bg2"/>
-                  </a:outerShdw>
-                </a:effectLst>
-              </a14:hiddenEffects>
-            </a:ext>
-          </a:extLst>
         </p:spPr>
-        <p:txBody>
-          <a:bodyPr vert="horz" wrap="square" lIns="0" tIns="0" rIns="0" bIns="0" numCol="1" anchor="ctr" anchorCtr="0" compatLnSpc="1">
-            <a:prstTxWarp prst="textNoShape">
-              <a:avLst/>
-            </a:prstTxWarp>
-            <a:spAutoFit/>
+      </p:pic>
+      <p:sp>
+        <p:nvSpPr>
+          <p:cNvPr id="3" name="Content Placeholder 2">
+            <a:extLst>
+              <a:ext uri="{FF2B5EF4-FFF2-40B4-BE49-F238E27FC236}">
+                <a16:creationId xmlns:a16="http://schemas.microsoft.com/office/drawing/2014/main" id="{2DEFFC76-1591-93E0-59BA-F64A4CDD22E3}"/>
+              </a:ext>
+            </a:extLst>
+          </p:cNvPr>
+          <p:cNvSpPr>
+            <a:spLocks noGrp="1"/>
+          </p:cNvSpPr>
+          <p:nvPr>
+            <p:ph idx="1"/>
+          </p:nvPr>
+        </p:nvSpPr>
+        <p:spPr>
+          <a:xfrm>
+            <a:off x="7028329" y="1727387"/>
+            <a:ext cx="4456534" cy="4534348"/>
+          </a:xfrm>
+        </p:spPr>
+        <p:txBody>
+          <a:bodyPr vert="horz" lIns="91440" tIns="45720" rIns="91440" bIns="45720" rtlCol="0" anchor="t">
+            <a:normAutofit/>
           </a:bodyPr>
           <a:lstStyle/>
           <a:p>
-            <a:r>
-              <a:rPr lang="en-US" sz="2000" b="1" dirty="0"/>
-              <a:t>General Use</a:t>
-            </a:r>
-          </a:p>
-          <a:p>
-            <a:r>
-              <a:rPr lang="en-US" sz="2000" b="1" dirty="0"/>
-              <a:t>What it is:</a:t>
-            </a:r>
-            <a:r>
-              <a:rPr lang="en-US" sz="2000" dirty="0"/>
-              <a:t> A machine learning strategy where an agent learns to perform a task by </a:t>
-            </a:r>
-            <a:r>
-              <a:rPr lang="en-US" sz="2000" b="1" dirty="0"/>
-              <a:t>mimicking an expert's behavior</a:t>
-            </a:r>
-            <a:r>
-              <a:rPr lang="en-US" sz="2000" dirty="0"/>
-              <a:t>, rather than learning through trial and error.</a:t>
-            </a:r>
-          </a:p>
-          <a:p>
-            <a:r>
-              <a:rPr lang="en-US" sz="2000" b="1" dirty="0"/>
-              <a:t>Why it's used:</a:t>
-            </a:r>
-            <a:r>
-              <a:rPr lang="en-US" sz="2000" dirty="0"/>
-              <a:t> It is highly effective for reducing </a:t>
-            </a:r>
-            <a:r>
-              <a:rPr lang="en-US" sz="2000" b="1" dirty="0"/>
-              <a:t>computational complexity</a:t>
-            </a:r>
-            <a:r>
-              <a:rPr lang="en-US" sz="2000" dirty="0"/>
-              <a:t> and improving </a:t>
-            </a:r>
-            <a:r>
-              <a:rPr lang="en-US" sz="2000" b="1" dirty="0"/>
-              <a:t>scalability</a:t>
-            </a:r>
-            <a:r>
-              <a:rPr lang="en-US" sz="2000" dirty="0"/>
-              <a:t>, especially in systems where real-time decisions are critical and a slower, more complex "expert" algorithm already exists.</a:t>
-            </a:r>
-          </a:p>
-          <a:p>
-            <a:pPr marL="0" marR="0" lvl="0" indent="0" algn="l" defTabSz="914400" rtl="0" eaLnBrk="0" fontAlgn="base" latinLnBrk="0" hangingPunct="0">
+            <a:pPr>
               <a:lnSpc>
-                <a:spcPct val="100000"/>
+                <a:spcPct val="110000"/>
               </a:lnSpc>
-              <a:spcBef>
-                <a:spcPct val="0"/>
-              </a:spcBef>
-              <a:spcAft>
-                <a:spcPct val="0"/>
-              </a:spcAft>
-              <a:buClrTx/>
-              <a:buSzTx/>
-              <a:buFontTx/>
-              <a:buNone/>
-              <a:tabLst/>
             </a:pPr>
-            <a:endParaRPr kumimoji="0" lang="en-US" altLang="en-US" sz="2000" b="0" i="0" u="none" strike="noStrike" cap="none" normalizeH="0" baseline="0" dirty="0">
-              <a:ln>
-                <a:noFill/>
-              </a:ln>
-              <a:solidFill>
-                <a:schemeClr val="tx1"/>
-              </a:solidFill>
-              <a:effectLst/>
-              <a:latin typeface="Arial" panose="020B0604020202020204" pitchFamily="34" charset="0"/>
-            </a:endParaRPr>
-          </a:p>
-          <a:p>
-            <a:r>
-              <a:rPr lang="en-US" sz="2000" b="1" dirty="0"/>
-              <a:t>Specific Use in this Research</a:t>
-            </a:r>
-          </a:p>
-          <a:p>
-            <a:r>
-              <a:rPr lang="en-US" sz="2000" b="1" dirty="0"/>
-              <a:t>How it's used here:</a:t>
-            </a:r>
-            <a:r>
-              <a:rPr lang="en-US" sz="2000" dirty="0"/>
-              <a:t> The project's more complex </a:t>
-            </a:r>
-            <a:r>
-              <a:rPr lang="en-US" sz="2000" b="1" dirty="0"/>
-              <a:t>Heuristic-Based Hierarchical (HH)</a:t>
-            </a:r>
-            <a:r>
-              <a:rPr lang="en-US" sz="2000" dirty="0"/>
-              <a:t> algorithm acts as the "expert." An </a:t>
-            </a:r>
-            <a:r>
-              <a:rPr lang="en-US" sz="2000" b="1" dirty="0"/>
-              <a:t>Imitation Learning (IL)</a:t>
-            </a:r>
-            <a:r>
-              <a:rPr lang="en-US" sz="2000" dirty="0"/>
-              <a:t> model, built with a </a:t>
-            </a:r>
-            <a:r>
-              <a:rPr lang="en-US" sz="2000" b="1" dirty="0"/>
-              <a:t>Graph Neural Network (GNN)</a:t>
-            </a:r>
-            <a:r>
-              <a:rPr lang="en-US" sz="2000" dirty="0"/>
-              <a:t>, is trained to mimic the HH algorithm's high-level category assignment decisions.</a:t>
-            </a:r>
-          </a:p>
-          <a:p>
-            <a:r>
-              <a:rPr lang="en-US" sz="2000" b="1" dirty="0"/>
-              <a:t>The result:</a:t>
-            </a:r>
-            <a:r>
-              <a:rPr lang="en-US" sz="2000" dirty="0"/>
-              <a:t> This allows the system to make decisions with a significant </a:t>
-            </a:r>
-            <a:r>
-              <a:rPr lang="en-US" sz="2000" b="1" dirty="0"/>
-              <a:t>reduction in runtime</a:t>
-            </a:r>
-            <a:r>
-              <a:rPr lang="en-US" sz="2000" dirty="0"/>
-              <a:t>, making the solution practical and scalable for large-scale </a:t>
-            </a:r>
-            <a:r>
-              <a:rPr lang="en-US" sz="2000" dirty="0" err="1"/>
-              <a:t>IIoT</a:t>
-            </a:r>
-            <a:r>
-              <a:rPr lang="en-US" sz="2000" dirty="0"/>
-              <a:t> deployments where low-latency responsiveness is a priority.</a:t>
-            </a:r>
-          </a:p>
-          <a:p>
-            <a:pPr marL="0" marR="0" lvl="0" indent="0" algn="l" defTabSz="914400" rtl="0" eaLnBrk="0" fontAlgn="base" latinLnBrk="0" hangingPunct="0">
+            <a:r>
+              <a:rPr lang="en-US" b="1" dirty="0"/>
+              <a:t>Amrith</a:t>
+            </a:r>
+            <a:r>
+              <a:rPr lang="en-US" dirty="0"/>
+              <a:t>: Exploration of different practical use case of this paper,  &amp; study Heuristic based Search Algorithm </a:t>
+            </a:r>
+          </a:p>
+          <a:p>
+            <a:pPr>
               <a:lnSpc>
-                <a:spcPct val="100000"/>
+                <a:spcPct val="110000"/>
               </a:lnSpc>
-              <a:spcBef>
-                <a:spcPct val="0"/>
-              </a:spcBef>
-              <a:spcAft>
-                <a:spcPct val="0"/>
-              </a:spcAft>
-              <a:buClrTx/>
-              <a:buSzTx/>
-              <a:buFontTx/>
-              <a:buNone/>
-              <a:tabLst/>
             </a:pPr>
-            <a:endParaRPr kumimoji="0" lang="en-US" altLang="en-US" sz="2000" b="0" i="0" u="none" strike="noStrike" cap="none" normalizeH="0" baseline="0" dirty="0">
-              <a:ln>
-                <a:noFill/>
-              </a:ln>
-              <a:solidFill>
-                <a:schemeClr val="tx1"/>
-              </a:solidFill>
-              <a:effectLst/>
-              <a:latin typeface="Arial" panose="020B0604020202020204" pitchFamily="34" charset="0"/>
-            </a:endParaRPr>
+            <a:r>
+              <a:rPr lang="en-US" b="1" dirty="0"/>
+              <a:t>Varun</a:t>
+            </a:r>
+            <a:r>
+              <a:rPr lang="en-US" dirty="0"/>
+              <a:t>:  study of Lyapunov            </a:t>
+            </a:r>
+            <a:r>
+              <a:rPr lang="en-IN" dirty="0"/>
+              <a:t>Optimization Algorithm</a:t>
+            </a:r>
+            <a:r>
+              <a:rPr lang="en-US" dirty="0"/>
+              <a:t> </a:t>
+            </a:r>
+          </a:p>
+          <a:p>
+            <a:pPr>
+              <a:lnSpc>
+                <a:spcPct val="110000"/>
+              </a:lnSpc>
+            </a:pPr>
+            <a:r>
+              <a:rPr lang="en-US" b="1" dirty="0" err="1"/>
+              <a:t>Ajeth</a:t>
+            </a:r>
+            <a:r>
+              <a:rPr lang="en-US" dirty="0"/>
+              <a:t>: Simulator Setup</a:t>
+            </a:r>
+          </a:p>
+          <a:p>
+            <a:pPr>
+              <a:lnSpc>
+                <a:spcPct val="110000"/>
+              </a:lnSpc>
+            </a:pPr>
+            <a:r>
+              <a:rPr lang="en-US" b="1" dirty="0"/>
+              <a:t>Sarvesha</a:t>
+            </a:r>
+            <a:r>
+              <a:rPr lang="en-US" dirty="0"/>
+              <a:t>: Experiment Design and Analysis</a:t>
+            </a:r>
+            <a:endParaRPr lang="en-IN" dirty="0"/>
           </a:p>
         </p:txBody>
       </p:sp>
     </p:spTree>
     <p:extLst>
       <p:ext uri="{BB962C8B-B14F-4D97-AF65-F5344CB8AC3E}">
-        <p14:creationId xmlns:p14="http://schemas.microsoft.com/office/powerpoint/2010/main" val="3318851719"/>
+        <p14:creationId xmlns:p14="http://schemas.microsoft.com/office/powerpoint/2010/main" val="1666658376"/>
       </p:ext>
     </p:extLst>
   </p:cSld>
@@ -5386,7 +5663,7 @@
 </p:sld>
 </file>
 
-<file path=ppt/slides/slide13.xml><?xml version="1.0" encoding="utf-8"?>
+<file path=ppt/slides/slide2.xml><?xml version="1.0" encoding="utf-8"?>
 <p:sld xmlns:a="http://schemas.openxmlformats.org/drawingml/2006/main" xmlns:r="http://schemas.openxmlformats.org/officeDocument/2006/relationships" xmlns:p="http://schemas.openxmlformats.org/presentationml/2006/main">
   <p:cSld>
     <p:bg>
@@ -5413,10 +5690,10 @@
       </p:grpSpPr>
       <p:sp useBgFill="1">
         <p:nvSpPr>
-          <p:cNvPr id="19" name="Rectangle 18">
-            <a:extLst>
-              <a:ext uri="{FF2B5EF4-FFF2-40B4-BE49-F238E27FC236}">
-                <a16:creationId xmlns:a16="http://schemas.microsoft.com/office/drawing/2014/main" id="{064D2207-AA67-DAD1-D42E-7A07328CA8EF}"/>
+          <p:cNvPr id="16" name="Rectangle 15">
+            <a:extLst>
+              <a:ext uri="{FF2B5EF4-FFF2-40B4-BE49-F238E27FC236}">
+                <a16:creationId xmlns:a16="http://schemas.microsoft.com/office/drawing/2014/main" id="{92CC1E4F-F1F0-B945-BE50-C72A7103E8AC}"/>
               </a:ext>
               <a:ext uri="{C183D7F6-B498-43B3-948B-1728B52AA6E4}">
                 <adec:decorative xmlns:adec="http://schemas.microsoft.com/office/drawing/2017/decorative" val="1"/>
@@ -5482,88 +5759,17 @@
           <a:bodyPr rtlCol="0" anchor="ctr"/>
           <a:lstStyle/>
           <a:p>
-            <a:pPr marL="0" marR="0" lvl="0" indent="0" algn="ctr" defTabSz="914400" rtl="0" eaLnBrk="1" fontAlgn="auto" latinLnBrk="0" hangingPunct="1">
-              <a:lnSpc>
-                <a:spcPct val="100000"/>
-              </a:lnSpc>
-              <a:spcBef>
-                <a:spcPts val="0"/>
-              </a:spcBef>
-              <a:spcAft>
-                <a:spcPts val="0"/>
-              </a:spcAft>
-              <a:buClrTx/>
-              <a:buSzTx/>
-              <a:buFontTx/>
-              <a:buNone/>
-              <a:tabLst/>
-              <a:defRPr/>
-            </a:pPr>
-            <a:endParaRPr kumimoji="0" lang="en-US" sz="1800" b="0" i="0" u="none" strike="noStrike" kern="1200" cap="none" spc="0" normalizeH="0" baseline="0" noProof="0">
-              <a:ln>
-                <a:noFill/>
-              </a:ln>
-              <a:solidFill>
-                <a:prstClr val="white"/>
-              </a:solidFill>
-              <a:effectLst/>
-              <a:uLnTx/>
-              <a:uFillTx/>
-              <a:latin typeface="Neue Haas Grotesk Text Pro"/>
-              <a:ea typeface="+mn-ea"/>
-              <a:cs typeface="+mn-cs"/>
-            </a:endParaRPr>
-          </a:p>
-        </p:txBody>
-      </p:sp>
-      <p:sp>
-        <p:nvSpPr>
-          <p:cNvPr id="2" name="Title 1">
-            <a:extLst>
-              <a:ext uri="{FF2B5EF4-FFF2-40B4-BE49-F238E27FC236}">
-                <a16:creationId xmlns:a16="http://schemas.microsoft.com/office/drawing/2014/main" id="{D5804961-63B5-93ED-8B4A-8BAC56D0062C}"/>
-              </a:ext>
-            </a:extLst>
-          </p:cNvPr>
-          <p:cNvSpPr>
-            <a:spLocks noGrp="1"/>
-          </p:cNvSpPr>
-          <p:nvPr>
-            <p:ph type="title"/>
-          </p:nvPr>
-        </p:nvSpPr>
-        <p:spPr>
-          <a:xfrm>
-            <a:off x="612648" y="548640"/>
-            <a:ext cx="3657600" cy="1294374"/>
-          </a:xfrm>
-        </p:spPr>
-        <p:txBody>
-          <a:bodyPr vert="horz" lIns="91440" tIns="45720" rIns="91440" bIns="45720" rtlCol="0" anchor="t">
-            <a:normAutofit/>
-          </a:bodyPr>
-          <a:lstStyle/>
-          <a:p>
-            <a:r>
-              <a:rPr lang="en-US" sz="3300" b="1" kern="1200" dirty="0">
-                <a:solidFill>
-                  <a:schemeClr val="tx1"/>
-                </a:solidFill>
-                <a:latin typeface="+mj-lt"/>
-                <a:ea typeface="+mj-ea"/>
-                <a:cs typeface="+mj-cs"/>
-              </a:rPr>
-              <a:t>Implementation strategy</a:t>
-            </a:r>
-          </a:p>
-        </p:txBody>
-      </p:sp>
-      <p:sp>
-        <p:nvSpPr>
-          <p:cNvPr id="10" name="Rectangle 4">
-            <a:extLst>
-              <a:ext uri="{FF2B5EF4-FFF2-40B4-BE49-F238E27FC236}">
-                <a16:creationId xmlns:a16="http://schemas.microsoft.com/office/drawing/2014/main" id="{3D0627F6-953D-6BDE-B9EF-BDB50F5AE3B9}"/>
+            <a:pPr algn="ctr"/>
+            <a:endParaRPr lang="en-US"/>
+          </a:p>
+        </p:txBody>
+      </p:sp>
+      <p:sp>
+        <p:nvSpPr>
+          <p:cNvPr id="4" name="Rectangle 1">
+            <a:extLst>
+              <a:ext uri="{FF2B5EF4-FFF2-40B4-BE49-F238E27FC236}">
+                <a16:creationId xmlns:a16="http://schemas.microsoft.com/office/drawing/2014/main" id="{55476C8F-64A1-0D01-9D82-6C9326D57511}"/>
               </a:ext>
             </a:extLst>
           </p:cNvPr>
@@ -5574,8 +5780,8 @@
         </p:nvSpPr>
         <p:spPr bwMode="auto">
           <a:xfrm>
-            <a:off x="5013849" y="548637"/>
-            <a:ext cx="6561437" cy="2193178"/>
+            <a:off x="6725843" y="945246"/>
+            <a:ext cx="5465437" cy="852795"/>
           </a:xfrm>
           <a:prstGeom prst="rect">
             <a:avLst/>
@@ -5610,7 +5816,7 @@
           </a:extLst>
         </p:spPr>
         <p:txBody>
-          <a:bodyPr vert="horz" lIns="91440" tIns="45720" rIns="91440" bIns="45720" numCol="1" rtlCol="0" anchor="t" anchorCtr="0" compatLnSpc="1">
+          <a:bodyPr vert="horz" lIns="91440" tIns="45720" rIns="91440" bIns="45720" numCol="1" rtlCol="0" anchor="b" anchorCtr="0" compatLnSpc="1">
             <a:prstTxWarp prst="textNoShape">
               <a:avLst/>
             </a:prstTxWarp>
@@ -5619,187 +5825,8 @@
           <a:lstStyle/>
           <a:p>
             <a:pPr>
-              <a:buFont typeface="Arial" panose="020B0604020202020204" pitchFamily="34" charset="0"/>
-              <a:buChar char="•"/>
-            </a:pPr>
-            <a:r>
-              <a:rPr lang="en-US" b="1" dirty="0">
-                <a:ea typeface="+mn-lt"/>
-                <a:cs typeface="+mn-lt"/>
-              </a:rPr>
-              <a:t>Codebase</a:t>
-            </a:r>
-            <a:r>
-              <a:rPr kumimoji="0" lang="en-US" b="1" i="0" u="none" strike="noStrike" cap="none" normalizeH="0" baseline="0" dirty="0">
-                <a:ln>
-                  <a:noFill/>
-                </a:ln>
-                <a:effectLst/>
-                <a:ea typeface="+mn-lt"/>
-                <a:cs typeface="+mn-lt"/>
-              </a:rPr>
-              <a:t>:</a:t>
-            </a:r>
-            <a:r>
-              <a:rPr lang="en-US" b="1" dirty="0">
-                <a:ea typeface="+mn-lt"/>
-                <a:cs typeface="+mn-lt"/>
-              </a:rPr>
-              <a:t> </a:t>
-            </a:r>
-            <a:r>
-              <a:rPr kumimoji="0" lang="en-US" b="0" i="0" u="none" strike="noStrike" cap="none" normalizeH="0" baseline="0" dirty="0">
-                <a:ln>
-                  <a:noFill/>
-                </a:ln>
-                <a:effectLst/>
-                <a:ea typeface="+mn-lt"/>
-                <a:cs typeface="+mn-lt"/>
-              </a:rPr>
-              <a:t> </a:t>
-            </a:r>
-            <a:r>
-              <a:rPr lang="en-US" dirty="0">
-                <a:ea typeface="+mn-lt"/>
-                <a:cs typeface="+mn-lt"/>
-              </a:rPr>
-              <a:t>GitHub repository provided in the paper</a:t>
-            </a:r>
-          </a:p>
-          <a:p>
-            <a:pPr>
-              <a:buFont typeface="Arial" panose="020B0604020202020204" pitchFamily="34" charset="0"/>
-              <a:buChar char="•"/>
-            </a:pPr>
-            <a:endParaRPr lang="en-US" dirty="0">
-              <a:ea typeface="+mn-lt"/>
-              <a:cs typeface="+mn-lt"/>
-            </a:endParaRPr>
-          </a:p>
-          <a:p>
-            <a:pPr>
-              <a:buFont typeface="Arial" panose="020B0604020202020204" pitchFamily="34" charset="0"/>
-              <a:buChar char="•"/>
-            </a:pPr>
-            <a:r>
-              <a:rPr lang="en-US" b="1" dirty="0">
-                <a:ea typeface="+mn-lt"/>
-                <a:cs typeface="+mn-lt"/>
-              </a:rPr>
-              <a:t>Programming Language</a:t>
-            </a:r>
-            <a:r>
-              <a:rPr kumimoji="0" lang="en-US" b="1" i="0" u="none" strike="noStrike" cap="none" normalizeH="0" baseline="0" dirty="0">
-                <a:ln>
-                  <a:noFill/>
-                </a:ln>
-                <a:effectLst/>
-                <a:ea typeface="+mn-lt"/>
-                <a:cs typeface="+mn-lt"/>
-              </a:rPr>
-              <a:t>:</a:t>
-            </a:r>
-            <a:r>
-              <a:rPr lang="en-US" dirty="0">
-                <a:ea typeface="+mn-lt"/>
-                <a:cs typeface="+mn-lt"/>
-              </a:rPr>
-              <a:t> </a:t>
-            </a:r>
-            <a:r>
-              <a:rPr kumimoji="0" lang="en-US" b="0" i="0" u="none" strike="noStrike" cap="none" normalizeH="0" baseline="0" dirty="0">
-                <a:ln>
-                  <a:noFill/>
-                </a:ln>
-                <a:effectLst/>
-                <a:ea typeface="+mn-lt"/>
-                <a:cs typeface="+mn-lt"/>
-              </a:rPr>
-              <a:t> </a:t>
-            </a:r>
-            <a:r>
-              <a:rPr lang="en-US" dirty="0">
-                <a:ea typeface="+mn-lt"/>
-                <a:cs typeface="+mn-lt"/>
-              </a:rPr>
-              <a:t>Python</a:t>
-            </a:r>
-            <a:endParaRPr lang="en-US" dirty="0"/>
-          </a:p>
-          <a:p>
-            <a:pPr>
-              <a:buFont typeface="Arial" panose="020B0604020202020204" pitchFamily="34" charset="0"/>
-              <a:buChar char="•"/>
-            </a:pPr>
-            <a:endParaRPr lang="en-US" dirty="0">
-              <a:ea typeface="+mn-lt"/>
-              <a:cs typeface="+mn-lt"/>
-            </a:endParaRPr>
-          </a:p>
-          <a:p>
-            <a:pPr>
-              <a:buFont typeface="Arial" panose="020B0604020202020204" pitchFamily="34" charset="0"/>
-              <a:buChar char="•"/>
-            </a:pPr>
-            <a:r>
-              <a:rPr lang="en-US" b="1" dirty="0">
-                <a:ea typeface="+mn-lt"/>
-                <a:cs typeface="+mn-lt"/>
-              </a:rPr>
-              <a:t>Core Libraries:</a:t>
-            </a:r>
-            <a:r>
-              <a:rPr lang="en-US" dirty="0">
-                <a:ea typeface="+mn-lt"/>
-                <a:cs typeface="+mn-lt"/>
-              </a:rPr>
-              <a:t>  </a:t>
-            </a:r>
-            <a:r>
-              <a:rPr lang="en-US" dirty="0" err="1">
-                <a:ea typeface="+mn-lt"/>
-                <a:cs typeface="+mn-lt"/>
-              </a:rPr>
-              <a:t>PyTorch</a:t>
-            </a:r>
-            <a:r>
-              <a:rPr lang="en-US" dirty="0">
-                <a:ea typeface="+mn-lt"/>
-                <a:cs typeface="+mn-lt"/>
-              </a:rPr>
-              <a:t> </a:t>
-            </a:r>
-          </a:p>
-          <a:p>
-            <a:pPr marL="0" marR="0" lvl="0">
-              <a:buClrTx/>
-              <a:buSzTx/>
-              <a:buFont typeface="Arial" panose="020B0604020202020204" pitchFamily="34" charset="0"/>
-              <a:buChar char="•"/>
-              <a:tabLst/>
-            </a:pPr>
-            <a:endParaRPr lang="en-US" b="0" i="0" u="none" strike="noStrike" cap="none" normalizeH="0" baseline="0" dirty="0">
-              <a:ln>
-                <a:noFill/>
-              </a:ln>
-              <a:effectLst/>
-            </a:endParaRPr>
-          </a:p>
-          <a:p>
-            <a:r>
-              <a:rPr lang="en-US" b="1" dirty="0"/>
-              <a:t>Simulation Environment: </a:t>
-            </a:r>
-            <a:r>
-              <a:rPr lang="en-US" err="1"/>
-              <a:t>PyTorch</a:t>
-            </a:r>
-            <a:endParaRPr lang="en-US"/>
-          </a:p>
-          <a:p>
-            <a:pPr indent="-228600">
               <a:lnSpc>
-                <a:spcPct val="120000"/>
+                <a:spcPct val="90000"/>
               </a:lnSpc>
               <a:spcBef>
                 <a:spcPct val="0"/>
@@ -5807,474 +5834,35 @@
               <a:spcAft>
                 <a:spcPts val="600"/>
               </a:spcAft>
-              <a:buFont typeface="Arial" panose="020B0604020202020204" pitchFamily="34" charset="0"/>
-              <a:buChar char="•"/>
             </a:pPr>
-            <a:endParaRPr lang="en-US" altLang="en-US" dirty="0"/>
-          </a:p>
-        </p:txBody>
-      </p:sp>
-      <p:sp>
-        <p:nvSpPr>
-          <p:cNvPr id="3" name="TextBox 2">
-            <a:extLst>
-              <a:ext uri="{FF2B5EF4-FFF2-40B4-BE49-F238E27FC236}">
-                <a16:creationId xmlns:a16="http://schemas.microsoft.com/office/drawing/2014/main" id="{A70A6F80-2324-973B-CAE2-75117A97EDFA}"/>
-              </a:ext>
-            </a:extLst>
-          </p:cNvPr>
-          <p:cNvSpPr txBox="1"/>
-          <p:nvPr/>
-        </p:nvSpPr>
-        <p:spPr>
-          <a:xfrm>
-            <a:off x="175492" y="2727036"/>
-            <a:ext cx="6472381" cy="3970318"/>
-          </a:xfrm>
-          <a:prstGeom prst="rect">
-            <a:avLst/>
-          </a:prstGeom>
-          <a:noFill/>
-        </p:spPr>
-        <p:txBody>
-          <a:bodyPr rot="0" spcFirstLastPara="0" vertOverflow="overflow" horzOverflow="overflow" vert="horz" wrap="square" lIns="91440" tIns="45720" rIns="91440" bIns="45720" numCol="1" spcCol="0" rtlCol="0" fromWordArt="0" anchor="t" anchorCtr="0" forceAA="0" compatLnSpc="1">
-            <a:prstTxWarp prst="textNoShape">
-              <a:avLst/>
-            </a:prstTxWarp>
-            <a:spAutoFit/>
-          </a:bodyPr>
-          <a:lstStyle/>
-          <a:p>
-            <a:pPr marL="228600" indent="-228600">
-              <a:buFont typeface=""/>
-              <a:buAutoNum type="arabicPeriod"/>
-            </a:pPr>
-            <a:r>
-              <a:rPr lang="en-US" b="1"/>
-              <a:t>Code Setup:</a:t>
-            </a:r>
-            <a:r>
-              <a:rPr lang="en-US"/>
-              <a:t> Clone the repository and install all required Python libraries.</a:t>
-            </a:r>
-          </a:p>
-          <a:p>
-            <a:pPr marL="228600" indent="-228600">
-              <a:buFont typeface=""/>
-              <a:buAutoNum type="arabicPeriod"/>
-            </a:pPr>
-            <a:r>
-              <a:rPr lang="en-US" b="1"/>
-              <a:t>Expert Training:</a:t>
-            </a:r>
-            <a:r>
-              <a:rPr lang="en-US"/>
-              <a:t> Run the slower </a:t>
-            </a:r>
-            <a:r>
-              <a:rPr lang="en-US" b="1"/>
-              <a:t>Heuristic-Based Hierarchical (HH)</a:t>
-            </a:r>
-            <a:r>
-              <a:rPr lang="en-US"/>
-              <a:t> algorithm to generate a dataset of optimal decisions.</a:t>
-            </a:r>
-          </a:p>
-          <a:p>
-            <a:pPr marL="228600" indent="-228600">
-              <a:buFont typeface=""/>
-              <a:buAutoNum type="arabicPeriod"/>
-            </a:pPr>
-            <a:r>
-              <a:rPr lang="en-US" b="1"/>
-              <a:t>Model Training:</a:t>
-            </a:r>
-            <a:r>
-              <a:rPr lang="en-US"/>
-              <a:t> Use this dataset to train the fast </a:t>
-            </a:r>
-            <a:r>
-              <a:rPr lang="en-US" b="1"/>
-              <a:t>Imitation Learning (IL)</a:t>
-            </a:r>
-            <a:r>
-              <a:rPr lang="en-US"/>
-              <a:t> model (a GNN) to mimic the HH algorithm's decisions.</a:t>
-            </a:r>
-          </a:p>
-          <a:p>
-            <a:pPr marL="228600" indent="-228600">
-              <a:buFont typeface=""/>
-              <a:buAutoNum type="arabicPeriod"/>
-            </a:pPr>
-            <a:r>
-              <a:rPr lang="en-US" b="1"/>
-              <a:t>Scenario Simulation:</a:t>
-            </a:r>
-            <a:r>
-              <a:rPr lang="en-US"/>
-              <a:t> We'll test the trained model against various scenarios, including different values for the </a:t>
-            </a:r>
-            <a:r>
-              <a:rPr lang="en-US" b="1"/>
-              <a:t>V parameter</a:t>
-            </a:r>
-            <a:r>
-              <a:rPr lang="en-US"/>
-              <a:t> and varying numbers of factories.</a:t>
-            </a:r>
-          </a:p>
-          <a:p>
-            <a:pPr marL="228600" indent="-228600">
-              <a:buFont typeface=""/>
-              <a:buAutoNum type="arabicPeriod"/>
-            </a:pPr>
-            <a:r>
-              <a:rPr lang="en-US" b="1"/>
-              <a:t>Comparative Analysis:</a:t>
-            </a:r>
-            <a:r>
-              <a:rPr lang="en-US"/>
-              <a:t> We will compare our results against benchmark algorithms to validate the paper's claims of superior performance and scalability.</a:t>
-            </a:r>
-          </a:p>
-        </p:txBody>
-      </p:sp>
-      <p:sp>
-        <p:nvSpPr>
-          <p:cNvPr id="4" name="TextBox 3">
-            <a:extLst>
-              <a:ext uri="{FF2B5EF4-FFF2-40B4-BE49-F238E27FC236}">
-                <a16:creationId xmlns:a16="http://schemas.microsoft.com/office/drawing/2014/main" id="{DE89C5C0-A273-D5B2-ADC9-DCEC97ED41FF}"/>
-              </a:ext>
-            </a:extLst>
-          </p:cNvPr>
-          <p:cNvSpPr txBox="1"/>
-          <p:nvPr/>
-        </p:nvSpPr>
-        <p:spPr>
-          <a:xfrm>
-            <a:off x="6652491" y="2727036"/>
-            <a:ext cx="5364017" cy="4278094"/>
-          </a:xfrm>
-          <a:prstGeom prst="rect">
-            <a:avLst/>
-          </a:prstGeom>
-          <a:noFill/>
-        </p:spPr>
-        <p:txBody>
-          <a:bodyPr rot="0" spcFirstLastPara="0" vertOverflow="overflow" horzOverflow="overflow" vert="horz" wrap="square" lIns="91440" tIns="45720" rIns="91440" bIns="45720" numCol="1" spcCol="0" rtlCol="0" fromWordArt="0" anchor="t" anchorCtr="0" forceAA="0" compatLnSpc="1">
-            <a:prstTxWarp prst="textNoShape">
-              <a:avLst/>
-            </a:prstTxWarp>
-            <a:spAutoFit/>
-          </a:bodyPr>
-          <a:lstStyle/>
-          <a:p>
-            <a:r>
-              <a:rPr lang="en-US" sz="1600" b="1" dirty="0"/>
-              <a:t>Performance Metrics:</a:t>
-            </a:r>
-          </a:p>
-          <a:p>
-            <a:pPr>
-              <a:buFont typeface="Arial"/>
-              <a:buChar char="•"/>
-            </a:pPr>
-            <a:r>
-              <a:rPr lang="en-US" sz="1600" b="1" dirty="0">
-                <a:ea typeface="+mn-lt"/>
-                <a:cs typeface="+mn-lt"/>
-              </a:rPr>
-              <a:t>Average Task Processing Delay:</a:t>
-            </a:r>
-            <a:r>
-              <a:rPr lang="en-US" sz="1600" dirty="0">
-                <a:ea typeface="+mn-lt"/>
-                <a:cs typeface="+mn-lt"/>
-              </a:rPr>
-              <a:t> Measures the quality of service by calculating the average time from task arrival to completion.</a:t>
-            </a:r>
-          </a:p>
-          <a:p>
-            <a:pPr>
-              <a:buFont typeface="Arial"/>
-              <a:buChar char="•"/>
-            </a:pPr>
-            <a:r>
-              <a:rPr lang="en-US" sz="1600" b="1" dirty="0">
-                <a:ea typeface="+mn-lt"/>
-                <a:cs typeface="+mn-lt"/>
-              </a:rPr>
-              <a:t>Long-Term Average Task Processing Cost:</a:t>
-            </a:r>
-            <a:r>
-              <a:rPr lang="en-US" sz="1600" dirty="0">
-                <a:ea typeface="+mn-lt"/>
-                <a:cs typeface="+mn-lt"/>
-              </a:rPr>
-              <a:t> Measures the total operational cost over time to ensure adherence to the budget.</a:t>
-            </a:r>
-          </a:p>
-          <a:p>
-            <a:pPr>
-              <a:buFont typeface="Arial"/>
-              <a:buChar char="•"/>
-            </a:pPr>
-            <a:r>
-              <a:rPr lang="en-US" sz="1600" b="1" dirty="0">
-                <a:ea typeface="+mn-lt"/>
-                <a:cs typeface="+mn-lt"/>
-              </a:rPr>
-              <a:t>Computational Running Time:</a:t>
-            </a:r>
-            <a:r>
-              <a:rPr lang="en-US" sz="1600" dirty="0">
-                <a:ea typeface="+mn-lt"/>
-                <a:cs typeface="+mn-lt"/>
-              </a:rPr>
-              <a:t> Evaluates the </a:t>
-            </a:r>
-            <a:r>
-              <a:rPr lang="en-US" sz="1600" b="1" dirty="0">
-                <a:ea typeface="+mn-lt"/>
-                <a:cs typeface="+mn-lt"/>
-              </a:rPr>
-              <a:t>scalability</a:t>
-            </a:r>
-            <a:r>
-              <a:rPr lang="en-US" sz="1600" dirty="0">
-                <a:ea typeface="+mn-lt"/>
-                <a:cs typeface="+mn-lt"/>
-              </a:rPr>
-              <a:t> and real-time feasibility of the algorithms as the network size changes.</a:t>
-            </a:r>
-            <a:endParaRPr lang="en-US" sz="1600" dirty="0"/>
-          </a:p>
-          <a:p>
-            <a:pPr>
-              <a:buFont typeface="Arial"/>
-              <a:buChar char="•"/>
-            </a:pPr>
-            <a:r>
-              <a:rPr lang="en-US" sz="1600" b="1" dirty="0">
-                <a:ea typeface="+mn-lt"/>
-                <a:cs typeface="+mn-lt"/>
-              </a:rPr>
-              <a:t>Virtual Queue Backlog:</a:t>
-            </a:r>
-            <a:r>
-              <a:rPr lang="en-US" sz="1600" dirty="0">
-                <a:ea typeface="+mn-lt"/>
-                <a:cs typeface="+mn-lt"/>
-              </a:rPr>
-              <a:t> Used to demonstrate the algorithm's </a:t>
-            </a:r>
-            <a:r>
-              <a:rPr lang="en-US" sz="1600" b="1" dirty="0">
-                <a:ea typeface="+mn-lt"/>
-                <a:cs typeface="+mn-lt"/>
-              </a:rPr>
-              <a:t>stability</a:t>
-            </a:r>
-            <a:r>
-              <a:rPr lang="en-US" sz="1600" dirty="0">
-                <a:ea typeface="+mn-lt"/>
-                <a:cs typeface="+mn-lt"/>
-              </a:rPr>
-              <a:t> and its ability to effectively control the long-term cost constraint.</a:t>
-            </a:r>
-            <a:endParaRPr lang="en-US" sz="1600" dirty="0"/>
-          </a:p>
-          <a:p>
-            <a:pPr>
-              <a:buFont typeface="Arial"/>
-              <a:buChar char="•"/>
-            </a:pPr>
-            <a:r>
-              <a:rPr lang="en-US" sz="1600" b="1" dirty="0">
-                <a:ea typeface="+mn-lt"/>
-                <a:cs typeface="+mn-lt"/>
-              </a:rPr>
-              <a:t>Weighted Sum of Normalized Delay and Overrun Cost:</a:t>
-            </a:r>
-            <a:r>
-              <a:rPr lang="en-US" sz="1600" dirty="0">
-                <a:ea typeface="+mn-lt"/>
-                <a:cs typeface="+mn-lt"/>
-              </a:rPr>
-              <a:t> A combined metric that shows the tunable balance between performance and cost.</a:t>
-            </a:r>
-            <a:endParaRPr lang="en-US" sz="1600" dirty="0"/>
-          </a:p>
-          <a:p>
-            <a:pPr marL="228600" indent="-228600">
-              <a:buFont typeface=""/>
-              <a:buChar char="•"/>
-            </a:pPr>
-            <a:endParaRPr lang="en-US" sz="1600" dirty="0"/>
-          </a:p>
-        </p:txBody>
-      </p:sp>
-    </p:spTree>
-    <p:extLst>
-      <p:ext uri="{BB962C8B-B14F-4D97-AF65-F5344CB8AC3E}">
-        <p14:creationId xmlns:p14="http://schemas.microsoft.com/office/powerpoint/2010/main" val="2023806948"/>
-      </p:ext>
-    </p:extLst>
-  </p:cSld>
-  <p:clrMapOvr>
-    <a:masterClrMapping/>
-  </p:clrMapOvr>
-</p:sld>
-</file>
-
-<file path=ppt/slides/slide14.xml><?xml version="1.0" encoding="utf-8"?>
-<p:sld xmlns:a="http://schemas.openxmlformats.org/drawingml/2006/main" xmlns:r="http://schemas.openxmlformats.org/officeDocument/2006/relationships" xmlns:p="http://schemas.openxmlformats.org/presentationml/2006/main">
-  <p:cSld>
-    <p:bg>
-      <p:bgPr>
-        <a:solidFill>
-          <a:schemeClr val="bg1"/>
-        </a:solidFill>
-        <a:effectLst/>
-      </p:bgPr>
-    </p:bg>
-    <p:spTree>
-      <p:nvGrpSpPr>
-        <p:cNvPr id="1" name=""/>
-        <p:cNvGrpSpPr/>
-        <p:nvPr/>
-      </p:nvGrpSpPr>
-      <p:grpSpPr>
-        <a:xfrm>
-          <a:off x="0" y="0"/>
-          <a:ext cx="0" cy="0"/>
-          <a:chOff x="0" y="0"/>
-          <a:chExt cx="0" cy="0"/>
-        </a:xfrm>
-      </p:grpSpPr>
-      <p:sp useBgFill="1">
-        <p:nvSpPr>
-          <p:cNvPr id="20" name="Rectangle 19">
-            <a:extLst>
-              <a:ext uri="{FF2B5EF4-FFF2-40B4-BE49-F238E27FC236}">
-                <a16:creationId xmlns:a16="http://schemas.microsoft.com/office/drawing/2014/main" id="{4AB9B8B4-6AA0-6EC2-5180-35BA3CFC286B}"/>
-              </a:ext>
-              <a:ext uri="{C183D7F6-B498-43B3-948B-1728B52AA6E4}">
-                <adec:decorative xmlns:adec="http://schemas.microsoft.com/office/drawing/2017/decorative" val="1"/>
-              </a:ext>
-            </a:extLst>
-          </p:cNvPr>
-          <p:cNvSpPr>
-            <a:spLocks noGrp="1" noRot="1" noChangeAspect="1" noMove="1" noResize="1" noEditPoints="1" noAdjustHandles="1" noChangeArrowheads="1" noChangeShapeType="1" noTextEdit="1"/>
-          </p:cNvSpPr>
-          <p:nvPr>
-            <p:extLst>
-              <p:ext uri="{386F3935-93C4-4BCD-93E2-E3B085C9AB24}">
-                <p16:designElem xmlns:p16="http://schemas.microsoft.com/office/powerpoint/2015/main" val="1"/>
-              </p:ext>
-            </p:extLst>
-          </p:nvPr>
-        </p:nvSpPr>
-        <p:spPr>
-          <a:xfrm>
-            <a:off x="0" y="0"/>
-            <a:ext cx="12192000" cy="6858000"/>
-          </a:xfrm>
-          <a:prstGeom prst="rect">
-            <a:avLst/>
-          </a:prstGeom>
-          <a:ln w="12700" cap="flat" cmpd="sng" algn="ctr">
-            <a:noFill/>
-            <a:prstDash val="solid"/>
-            <a:miter lim="800000"/>
-          </a:ln>
-          <a:effectLst/>
-          <a:extLst>
-            <a:ext uri="{91240B29-F687-4F45-9708-019B960494DF}">
-              <a14:hiddenLine xmlns:a14="http://schemas.microsoft.com/office/drawing/2010/main" w="12700" cap="flat" cmpd="sng" algn="ctr">
-                <a:solidFill>
-                  <a:schemeClr val="accent1">
-                    <a:shade val="15000"/>
-                  </a:schemeClr>
-                </a:solidFill>
-                <a:prstDash val="solid"/>
-                <a:miter lim="800000"/>
-              </a14:hiddenLine>
-            </a:ext>
-          </a:extLst>
-        </p:spPr>
-        <p:style>
-          <a:lnRef idx="2">
-            <a:schemeClr val="accent1">
-              <a:shade val="15000"/>
-            </a:schemeClr>
-          </a:lnRef>
-          <a:fillRef idx="1">
-            <a:schemeClr val="accent1"/>
-          </a:fillRef>
-          <a:effectRef idx="0">
-            <a:schemeClr val="accent1"/>
-          </a:effectRef>
-          <a:fontRef idx="minor">
-            <a:schemeClr val="lt1"/>
-          </a:fontRef>
-        </p:style>
-        <p:txBody>
-          <a:bodyPr rtlCol="0" anchor="ctr"/>
-          <a:lstStyle/>
-          <a:p>
-            <a:pPr algn="ctr"/>
-            <a:endParaRPr lang="en-US"/>
-          </a:p>
-        </p:txBody>
-      </p:sp>
-      <p:sp>
-        <p:nvSpPr>
-          <p:cNvPr id="2" name="Title 1">
-            <a:extLst>
-              <a:ext uri="{FF2B5EF4-FFF2-40B4-BE49-F238E27FC236}">
-                <a16:creationId xmlns:a16="http://schemas.microsoft.com/office/drawing/2014/main" id="{47232FFD-48EE-048F-B4D0-2AE4CA0DE56A}"/>
-              </a:ext>
-            </a:extLst>
-          </p:cNvPr>
-          <p:cNvSpPr>
-            <a:spLocks noGrp="1"/>
-          </p:cNvSpPr>
-          <p:nvPr>
-            <p:ph type="title"/>
-          </p:nvPr>
-        </p:nvSpPr>
-        <p:spPr>
-          <a:xfrm>
-            <a:off x="612647" y="548640"/>
-            <a:ext cx="10872215" cy="1132258"/>
-          </a:xfrm>
-        </p:spPr>
-        <p:txBody>
-          <a:bodyPr>
-            <a:normAutofit/>
-          </a:bodyPr>
-          <a:lstStyle/>
-          <a:p>
-            <a:r>
-              <a:rPr lang="en-US" b="0">
-                <a:ea typeface="+mj-lt"/>
-                <a:cs typeface="+mj-lt"/>
-              </a:rPr>
-              <a:t>Team Roles and Contributions</a:t>
-            </a:r>
-            <a:endParaRPr lang="en-US"/>
+            <a:r>
+              <a:rPr lang="en-US" altLang="en-US" sz="3600" b="1" kern="1200">
+                <a:solidFill>
+                  <a:schemeClr val="tx1"/>
+                </a:solidFill>
+                <a:latin typeface="+mj-lt"/>
+                <a:ea typeface="+mj-ea"/>
+                <a:cs typeface="+mj-cs"/>
+              </a:rPr>
+              <a:t>Problem Understanding</a:t>
+            </a:r>
+            <a:endParaRPr lang="en-US" sz="3600" b="1" kern="1200">
+              <a:solidFill>
+                <a:schemeClr val="tx1"/>
+              </a:solidFill>
+              <a:latin typeface="+mj-lt"/>
+              <a:ea typeface="+mj-ea"/>
+              <a:cs typeface="+mj-cs"/>
+            </a:endParaRPr>
           </a:p>
         </p:txBody>
       </p:sp>
       <p:pic>
         <p:nvPicPr>
-          <p:cNvPr id="5" name="Picture 4" descr="Top view of cubes connected with black lines">
-            <a:extLst>
-              <a:ext uri="{FF2B5EF4-FFF2-40B4-BE49-F238E27FC236}">
-                <a16:creationId xmlns:a16="http://schemas.microsoft.com/office/drawing/2014/main" id="{BBB3767F-B0E9-DA60-385C-0185A6B92A7E}"/>
+          <p:cNvPr id="3" name="Picture 2" descr="Oil Factory Pictures | Download Free Images on Unsplash">
+            <a:extLst>
+              <a:ext uri="{FF2B5EF4-FFF2-40B4-BE49-F238E27FC236}">
+                <a16:creationId xmlns:a16="http://schemas.microsoft.com/office/drawing/2014/main" id="{2BA4FC89-CDBC-BDBE-7602-D852DF6D8554}"/>
               </a:ext>
             </a:extLst>
           </p:cNvPr>
@@ -6285,15 +5873,15 @@
         </p:nvPicPr>
         <p:blipFill>
           <a:blip r:embed="rId2"/>
-          <a:srcRect t="2431" r="2" b="2437"/>
+          <a:srcRect l="11726" r="26240" b="-1"/>
           <a:stretch>
             <a:fillRect/>
           </a:stretch>
         </p:blipFill>
         <p:spPr>
           <a:xfrm>
-            <a:off x="731520" y="1775012"/>
-            <a:ext cx="6355080" cy="4534348"/>
+            <a:off x="1" y="10"/>
+            <a:ext cx="6373368" cy="6857990"/>
           </a:xfrm>
           <a:prstGeom prst="rect">
             <a:avLst/>
@@ -6302,28 +5890,30 @@
       </p:pic>
       <p:sp>
         <p:nvSpPr>
-          <p:cNvPr id="3" name="Content Placeholder 2">
-            <a:extLst>
-              <a:ext uri="{FF2B5EF4-FFF2-40B4-BE49-F238E27FC236}">
-                <a16:creationId xmlns:a16="http://schemas.microsoft.com/office/drawing/2014/main" id="{2DEFFC76-1591-93E0-59BA-F64A4CDD22E3}"/>
-              </a:ext>
-            </a:extLst>
-          </p:cNvPr>
-          <p:cNvSpPr>
-            <a:spLocks noGrp="1"/>
-          </p:cNvSpPr>
-          <p:nvPr>
-            <p:ph idx="1"/>
-          </p:nvPr>
+          <p:cNvPr id="2" name="TextBox 1">
+            <a:extLst>
+              <a:ext uri="{FF2B5EF4-FFF2-40B4-BE49-F238E27FC236}">
+                <a16:creationId xmlns:a16="http://schemas.microsoft.com/office/drawing/2014/main" id="{C21584D7-59A8-9176-BE2F-134929EC03DA}"/>
+              </a:ext>
+            </a:extLst>
+          </p:cNvPr>
+          <p:cNvSpPr txBox="1"/>
+          <p:nvPr/>
         </p:nvSpPr>
         <p:spPr>
           <a:xfrm>
-            <a:off x="7485529" y="1775012"/>
-            <a:ext cx="3999334" cy="4534348"/>
+            <a:off x="7123007" y="2212846"/>
+            <a:ext cx="4361693" cy="4096514"/>
           </a:xfrm>
+          <a:prstGeom prst="rect">
+            <a:avLst/>
+          </a:prstGeom>
         </p:spPr>
         <p:txBody>
-          <a:bodyPr vert="horz" lIns="91440" tIns="45720" rIns="91440" bIns="45720" rtlCol="0" anchor="t">
+          <a:bodyPr rot="0" spcFirstLastPara="0" vertOverflow="overflow" horzOverflow="overflow" vert="horz" lIns="91440" tIns="45720" rIns="91440" bIns="45720" numCol="1" spcCol="0" rtlCol="0" fromWordArt="0" anchor="t" anchorCtr="0" forceAA="0" compatLnSpc="1">
+            <a:prstTxWarp prst="textNoShape">
+              <a:avLst/>
+            </a:prstTxWarp>
             <a:normAutofit/>
           </a:bodyPr>
           <a:lstStyle/>
@@ -6332,93 +5922,77 @@
               <a:lnSpc>
                 <a:spcPct val="110000"/>
               </a:lnSpc>
+              <a:spcAft>
+                <a:spcPts val="600"/>
+              </a:spcAft>
             </a:pPr>
             <a:r>
-              <a:rPr lang="en-US" dirty="0"/>
-              <a:t>Amrith: Implementation </a:t>
-            </a:r>
-            <a:r>
-              <a:rPr lang="en-IN" dirty="0"/>
-              <a:t>Optimization Algorithm from GitHub</a:t>
-            </a:r>
-            <a:endParaRPr lang="en-US" dirty="0"/>
-          </a:p>
-          <a:p>
-            <a:pPr>
+              <a:rPr lang="en-US" sz="1500"/>
+              <a:t>Imagine an oil factory with multiple units, each having multiple pipelines and an edge server. Normally, sensor readings are taken every 10 seconds. However, if an anomaly is detected, the frequency of data collection from a specific pipeline is dramatically increased.</a:t>
+            </a:r>
+            <a:endParaRPr lang="en-US"/>
+          </a:p>
+          <a:p>
+            <a:pPr marL="285750" indent="-228600">
               <a:lnSpc>
                 <a:spcPct val="110000"/>
               </a:lnSpc>
+              <a:spcAft>
+                <a:spcPts val="600"/>
+              </a:spcAft>
+              <a:buFont typeface="Arial" panose="020B0604020202020204" pitchFamily="34" charset="0"/>
+              <a:buChar char="•"/>
             </a:pPr>
             <a:r>
-              <a:rPr lang="en-US" dirty="0"/>
-              <a:t>Varun: Implementation of Heuristic based Search Algorithm from GitHub</a:t>
-            </a:r>
-          </a:p>
-          <a:p>
-            <a:pPr>
+              <a:rPr lang="en-US" sz="1500" b="1"/>
+              <a:t>Temporal Non-Uniformity:</a:t>
+            </a:r>
+            <a:r>
+              <a:rPr lang="en-US" sz="1500"/>
+              <a:t> A sudden, high-frequency data burst from one unit (change over time).</a:t>
+            </a:r>
+          </a:p>
+          <a:p>
+            <a:pPr marL="285750" indent="-228600">
               <a:lnSpc>
                 <a:spcPct val="110000"/>
               </a:lnSpc>
+              <a:spcAft>
+                <a:spcPts val="600"/>
+              </a:spcAft>
+              <a:buFont typeface="Arial" panose="020B0604020202020204" pitchFamily="34" charset="0"/>
+              <a:buChar char="•"/>
             </a:pPr>
             <a:r>
-              <a:rPr lang="en-US" dirty="0" err="1"/>
-              <a:t>Ajeth</a:t>
-            </a:r>
-            <a:r>
-              <a:rPr lang="en-US" dirty="0"/>
-              <a:t>: Simulator Setup</a:t>
-            </a:r>
-          </a:p>
-          <a:p>
-            <a:pPr>
+              <a:rPr lang="en-US" sz="1500" b="1"/>
+              <a:t>Spatial Non-Uniformity:</a:t>
+            </a:r>
+            <a:r>
+              <a:rPr lang="en-US" sz="1500"/>
+              <a:t> An overloaded edge server in the leaking unit, while others are underutilized (uneven distribution across locations).</a:t>
+            </a:r>
+          </a:p>
+          <a:p>
+            <a:pPr indent="-228600">
               <a:lnSpc>
                 <a:spcPct val="110000"/>
               </a:lnSpc>
+              <a:spcAft>
+                <a:spcPts val="600"/>
+              </a:spcAft>
+              <a:buFont typeface="Arial" panose="020B0604020202020204" pitchFamily="34" charset="0"/>
+              <a:buChar char="•"/>
             </a:pPr>
-            <a:r>
-              <a:rPr lang="en-US" dirty="0"/>
-              <a:t>Sarvesha: Experiment Design and Analysis</a:t>
-            </a:r>
-            <a:endParaRPr lang="en-IN" dirty="0"/>
-          </a:p>
-        </p:txBody>
-      </p:sp>
-    </p:spTree>
-    <p:extLst>
-      <p:ext uri="{BB962C8B-B14F-4D97-AF65-F5344CB8AC3E}">
-        <p14:creationId xmlns:p14="http://schemas.microsoft.com/office/powerpoint/2010/main" val="1666658376"/>
-      </p:ext>
-    </p:extLst>
-  </p:cSld>
-  <p:clrMapOvr>
-    <a:masterClrMapping/>
-  </p:clrMapOvr>
-</p:sld>
-</file>
-
-<file path=ppt/slides/slide2.xml><?xml version="1.0" encoding="utf-8"?>
-<p:sld xmlns:a="http://schemas.openxmlformats.org/drawingml/2006/main" xmlns:r="http://schemas.openxmlformats.org/officeDocument/2006/relationships" xmlns:p="http://schemas.openxmlformats.org/presentationml/2006/main">
-  <p:cSld>
-    <p:spTree>
-      <p:nvGrpSpPr>
-        <p:cNvPr id="1" name=""/>
-        <p:cNvGrpSpPr/>
-        <p:nvPr/>
-      </p:nvGrpSpPr>
-      <p:grpSpPr>
-        <a:xfrm>
-          <a:off x="0" y="0"/>
-          <a:ext cx="0" cy="0"/>
-          <a:chOff x="0" y="0"/>
-          <a:chExt cx="0" cy="0"/>
-        </a:xfrm>
-      </p:grpSpPr>
-      <p:sp>
-        <p:nvSpPr>
-          <p:cNvPr id="4" name="Rectangle 1">
-            <a:extLst>
-              <a:ext uri="{FF2B5EF4-FFF2-40B4-BE49-F238E27FC236}">
-                <a16:creationId xmlns:a16="http://schemas.microsoft.com/office/drawing/2014/main" id="{55476C8F-64A1-0D01-9D82-6C9326D57511}"/>
+            <a:endParaRPr lang="en-US" sz="1500"/>
+          </a:p>
+        </p:txBody>
+      </p:sp>
+      <p:sp>
+        <p:nvSpPr>
+          <p:cNvPr id="6" name="Rectangle 3">
+            <a:extLst>
+              <a:ext uri="{FF2B5EF4-FFF2-40B4-BE49-F238E27FC236}">
+                <a16:creationId xmlns:a16="http://schemas.microsoft.com/office/drawing/2014/main" id="{F1C15D71-FABB-FDE9-FED9-59CD1DE9D392}"/>
               </a:ext>
             </a:extLst>
           </p:cNvPr>
@@ -6429,8 +6003,8 @@
         </p:nvSpPr>
         <p:spPr bwMode="auto">
           <a:xfrm>
-            <a:off x="-597877" y="463908"/>
-            <a:ext cx="13387754" cy="543722"/>
+            <a:off x="106679" y="3739147"/>
+            <a:ext cx="12085321" cy="630942"/>
           </a:xfrm>
           <a:prstGeom prst="rect">
             <a:avLst/>
@@ -6470,103 +6044,6 @@
           </a:extLst>
         </p:spPr>
         <p:txBody>
-          <a:bodyPr vert="horz" wrap="square" lIns="0" tIns="0" rIns="0" bIns="50784" numCol="1" anchor="ctr" anchorCtr="0" compatLnSpc="1">
-            <a:prstTxWarp prst="textNoShape">
-              <a:avLst/>
-            </a:prstTxWarp>
-            <a:spAutoFit/>
-          </a:bodyPr>
-          <a:lstStyle/>
-          <a:p>
-            <a:pPr marL="0" marR="0" lvl="0" indent="0" algn="ctr" defTabSz="914400" rtl="0" eaLnBrk="0" fontAlgn="base" latinLnBrk="0" hangingPunct="0">
-              <a:lnSpc>
-                <a:spcPct val="100000"/>
-              </a:lnSpc>
-              <a:spcBef>
-                <a:spcPct val="0"/>
-              </a:spcBef>
-              <a:spcAft>
-                <a:spcPct val="0"/>
-              </a:spcAft>
-              <a:buClrTx/>
-              <a:buSzTx/>
-              <a:buFontTx/>
-              <a:buNone/>
-              <a:tabLst/>
-            </a:pPr>
-            <a:r>
-              <a:rPr kumimoji="0" lang="en-US" altLang="en-US" sz="3200" b="1" i="0" u="none" strike="noStrike" cap="none" normalizeH="0" baseline="0" dirty="0">
-                <a:ln>
-                  <a:noFill/>
-                </a:ln>
-                <a:solidFill>
-                  <a:srgbClr val="1B1C1D"/>
-                </a:solidFill>
-                <a:effectLst/>
-                <a:latin typeface="Google Sans"/>
-              </a:rPr>
-              <a:t>Motivation</a:t>
-            </a:r>
-          </a:p>
-        </p:txBody>
-      </p:sp>
-      <p:sp>
-        <p:nvSpPr>
-          <p:cNvPr id="6" name="Rectangle 3">
-            <a:extLst>
-              <a:ext uri="{FF2B5EF4-FFF2-40B4-BE49-F238E27FC236}">
-                <a16:creationId xmlns:a16="http://schemas.microsoft.com/office/drawing/2014/main" id="{F1C15D71-FABB-FDE9-FED9-59CD1DE9D392}"/>
-              </a:ext>
-            </a:extLst>
-          </p:cNvPr>
-          <p:cNvSpPr>
-            <a:spLocks noChangeArrowheads="1"/>
-          </p:cNvSpPr>
-          <p:nvPr/>
-        </p:nvSpPr>
-        <p:spPr bwMode="auto">
-          <a:xfrm>
-            <a:off x="106679" y="1007630"/>
-            <a:ext cx="12085321" cy="5816977"/>
-          </a:xfrm>
-          <a:prstGeom prst="rect">
-            <a:avLst/>
-          </a:prstGeom>
-          <a:noFill/>
-          <a:ln>
-            <a:noFill/>
-          </a:ln>
-          <a:effectLst/>
-          <a:extLst>
-            <a:ext uri="{909E8E84-426E-40DD-AFC4-6F175D3DCCD1}">
-              <a14:hiddenFill xmlns:a14="http://schemas.microsoft.com/office/drawing/2010/main">
-                <a:solidFill>
-                  <a:schemeClr val="accent1"/>
-                </a:solidFill>
-              </a14:hiddenFill>
-            </a:ext>
-            <a:ext uri="{91240B29-F687-4F45-9708-019B960494DF}">
-              <a14:hiddenLine xmlns:a14="http://schemas.microsoft.com/office/drawing/2010/main" w="9525">
-                <a:solidFill>
-                  <a:schemeClr val="tx1"/>
-                </a:solidFill>
-                <a:miter lim="800000"/>
-                <a:headEnd/>
-                <a:tailEnd/>
-              </a14:hiddenLine>
-            </a:ext>
-            <a:ext uri="{AF507438-7753-43E0-B8FC-AC1667EBCBE1}">
-              <a14:hiddenEffects xmlns:a14="http://schemas.microsoft.com/office/drawing/2010/main">
-                <a:effectLst>
-                  <a:outerShdw dist="35921" dir="2700000" algn="ctr" rotWithShape="0">
-                    <a:schemeClr val="bg2"/>
-                  </a:outerShdw>
-                </a:effectLst>
-              </a14:hiddenEffects>
-            </a:ext>
-          </a:extLst>
-        </p:spPr>
-        <p:txBody>
           <a:bodyPr vert="horz" wrap="square" lIns="0" tIns="0" rIns="0" bIns="0" numCol="1" anchor="ctr" anchorCtr="0" compatLnSpc="1">
             <a:prstTxWarp prst="textNoShape">
               <a:avLst/>
@@ -6576,14 +6053,11 @@
           <a:lstStyle/>
           <a:p>
             <a:pPr marL="0" marR="0" lvl="0" indent="0" algn="l" defTabSz="914400" rtl="0" eaLnBrk="0" fontAlgn="base" latinLnBrk="0" hangingPunct="0">
-              <a:lnSpc>
-                <a:spcPct val="100000"/>
-              </a:lnSpc>
               <a:spcBef>
                 <a:spcPct val="0"/>
               </a:spcBef>
               <a:spcAft>
-                <a:spcPct val="0"/>
+                <a:spcPts val="600"/>
               </a:spcAft>
               <a:buClrTx/>
               <a:buSzTx/>
@@ -6591,7 +6065,7 @@
               <a:buNone/>
               <a:tabLst/>
             </a:pPr>
-            <a:endParaRPr kumimoji="0" lang="en-US" altLang="en-US" b="1" i="0" u="none" strike="noStrike" cap="none" normalizeH="0" baseline="0" dirty="0">
+            <a:endParaRPr kumimoji="0" lang="en-US" altLang="en-US" b="1" i="0" u="none" strike="noStrike" cap="none" normalizeH="0" baseline="0">
               <a:ln>
                 <a:noFill/>
               </a:ln>
@@ -6604,14 +6078,11 @@
           </a:p>
           <a:p>
             <a:pPr marL="0" marR="0" lvl="0" indent="0" algn="l" defTabSz="914400" rtl="0" eaLnBrk="0" fontAlgn="base" latinLnBrk="0" hangingPunct="0">
-              <a:lnSpc>
-                <a:spcPct val="100000"/>
-              </a:lnSpc>
               <a:spcBef>
                 <a:spcPct val="0"/>
               </a:spcBef>
               <a:spcAft>
-                <a:spcPct val="0"/>
+                <a:spcPts val="600"/>
               </a:spcAft>
               <a:buClrTx/>
               <a:buSzTx/>
@@ -6619,126 +6090,7 @@
               <a:buNone/>
               <a:tabLst/>
             </a:pPr>
-            <a:r>
-              <a:rPr kumimoji="0" lang="en-US" altLang="en-US" b="1" i="0" u="none" strike="noStrike" cap="none" normalizeH="0" baseline="0" dirty="0">
-                <a:ln>
-                  <a:noFill/>
-                </a:ln>
-                <a:solidFill>
-                  <a:srgbClr val="1B1C1D"/>
-                </a:solidFill>
-                <a:effectLst/>
-                <a:latin typeface="Google Sans"/>
-              </a:rPr>
-              <a:t>The Challenge with Cloud Computing</a:t>
-            </a:r>
-          </a:p>
-          <a:p>
-            <a:pPr marL="0" marR="0" lvl="0" indent="0" algn="l" defTabSz="914400" rtl="0" eaLnBrk="0" fontAlgn="base" latinLnBrk="0" hangingPunct="0">
-              <a:lnSpc>
-                <a:spcPct val="100000"/>
-              </a:lnSpc>
-              <a:spcBef>
-                <a:spcPct val="0"/>
-              </a:spcBef>
-              <a:spcAft>
-                <a:spcPct val="0"/>
-              </a:spcAft>
-              <a:buClrTx/>
-              <a:buSzTx/>
-              <a:buFontTx/>
-              <a:buChar char="•"/>
-              <a:tabLst/>
-            </a:pPr>
-            <a:r>
-              <a:rPr kumimoji="0" lang="en-US" altLang="en-US" b="1" i="0" u="none" strike="noStrike" cap="none" normalizeH="0" baseline="0" dirty="0">
-                <a:ln>
-                  <a:noFill/>
-                </a:ln>
-                <a:solidFill>
-                  <a:srgbClr val="1B1C1D"/>
-                </a:solidFill>
-                <a:effectLst/>
-                <a:latin typeface="Google Sans Text"/>
-              </a:rPr>
-              <a:t>High Latency:</a:t>
-            </a:r>
-            <a:r>
-              <a:rPr kumimoji="0" lang="en-US" altLang="en-US" b="0" i="0" u="none" strike="noStrike" cap="none" normalizeH="0" baseline="0" dirty="0">
-                <a:ln>
-                  <a:noFill/>
-                </a:ln>
-                <a:solidFill>
-                  <a:srgbClr val="1B1C1D"/>
-                </a:solidFill>
-                <a:effectLst/>
-                <a:latin typeface="Google Sans Text"/>
-              </a:rPr>
-              <a:t> For critical industrial applications, sending data to a distant cloud server introduces unpredictable delays that are unacceptable for real-time control and monitoring.</a:t>
-            </a:r>
-          </a:p>
-          <a:p>
-            <a:pPr marL="0" marR="0" lvl="0" indent="0" algn="l" defTabSz="914400" rtl="0" eaLnBrk="0" fontAlgn="base" latinLnBrk="0" hangingPunct="0">
-              <a:lnSpc>
-                <a:spcPct val="100000"/>
-              </a:lnSpc>
-              <a:spcBef>
-                <a:spcPct val="0"/>
-              </a:spcBef>
-              <a:spcAft>
-                <a:spcPct val="0"/>
-              </a:spcAft>
-              <a:buClrTx/>
-              <a:buSzTx/>
-              <a:buFontTx/>
-              <a:buChar char="•"/>
-              <a:tabLst/>
-            </a:pPr>
-            <a:r>
-              <a:rPr kumimoji="0" lang="en-US" altLang="en-US" b="1" i="0" u="none" strike="noStrike" cap="none" normalizeH="0" baseline="0" dirty="0">
-                <a:ln>
-                  <a:noFill/>
-                </a:ln>
-                <a:solidFill>
-                  <a:srgbClr val="1B1C1D"/>
-                </a:solidFill>
-                <a:effectLst/>
-                <a:latin typeface="Google Sans Text"/>
-              </a:rPr>
-              <a:t>Privacy Concerns:</a:t>
-            </a:r>
-            <a:r>
-              <a:rPr kumimoji="0" lang="en-US" altLang="en-US" b="0" i="0" u="none" strike="noStrike" cap="none" normalizeH="0" baseline="0" dirty="0">
-                <a:ln>
-                  <a:noFill/>
-                </a:ln>
-                <a:solidFill>
-                  <a:srgbClr val="1B1C1D"/>
-                </a:solidFill>
-                <a:effectLst/>
-                <a:latin typeface="Google Sans Text"/>
-              </a:rPr>
-              <a:t> Sensitive factory data and intellectual property are often legally required to remain within a private, local network, which traditional cloud computing cannot guarantee.</a:t>
-            </a:r>
-          </a:p>
-          <a:p>
-            <a:pPr marL="0" marR="0" lvl="0" indent="0" algn="l" defTabSz="914400" rtl="0" eaLnBrk="0" fontAlgn="base" latinLnBrk="0" hangingPunct="0">
-              <a:lnSpc>
-                <a:spcPct val="100000"/>
-              </a:lnSpc>
-              <a:spcBef>
-                <a:spcPct val="0"/>
-              </a:spcBef>
-              <a:spcAft>
-                <a:spcPct val="0"/>
-              </a:spcAft>
-              <a:buClrTx/>
-              <a:buSzTx/>
-              <a:buFontTx/>
-              <a:buNone/>
-              <a:tabLst/>
-            </a:pPr>
-            <a:endParaRPr kumimoji="0" lang="en-US" altLang="en-US" b="1" i="0" u="none" strike="noStrike" cap="none" normalizeH="0" baseline="0" dirty="0">
+            <a:endParaRPr lang="en-US" altLang="en-US" b="0" i="0" u="none" strike="noStrike" cap="none" normalizeH="0" baseline="0">
               <a:ln>
                 <a:noFill/>
               </a:ln>
@@ -6746,475 +6098,7 @@
                 <a:srgbClr val="1B1C1D"/>
               </a:solidFill>
               <a:effectLst/>
-              <a:latin typeface="Google Sans"/>
-            </a:endParaRPr>
-          </a:p>
-          <a:p>
-            <a:pPr marL="0" marR="0" lvl="0" indent="0" algn="l" defTabSz="914400" rtl="0" eaLnBrk="0" fontAlgn="base" latinLnBrk="0" hangingPunct="0">
-              <a:lnSpc>
-                <a:spcPct val="100000"/>
-              </a:lnSpc>
-              <a:spcBef>
-                <a:spcPct val="0"/>
-              </a:spcBef>
-              <a:spcAft>
-                <a:spcPct val="0"/>
-              </a:spcAft>
-              <a:buClrTx/>
-              <a:buSzTx/>
-              <a:buFontTx/>
-              <a:buNone/>
-              <a:tabLst/>
-            </a:pPr>
-            <a:r>
-              <a:rPr kumimoji="0" lang="en-US" altLang="en-US" b="1" i="0" u="none" strike="noStrike" cap="none" normalizeH="0" baseline="0" dirty="0">
-                <a:ln>
-                  <a:noFill/>
-                </a:ln>
-                <a:solidFill>
-                  <a:srgbClr val="1B1C1D"/>
-                </a:solidFill>
-                <a:effectLst/>
-                <a:latin typeface="Google Sans"/>
-              </a:rPr>
-              <a:t>The Rise of Mobile Edge Computing (MEC)</a:t>
-            </a:r>
-          </a:p>
-          <a:p>
-            <a:pPr marL="0" marR="0" lvl="0" indent="0" algn="l" defTabSz="914400" rtl="0" eaLnBrk="0" fontAlgn="base" latinLnBrk="0" hangingPunct="0">
-              <a:lnSpc>
-                <a:spcPct val="100000"/>
-              </a:lnSpc>
-              <a:spcBef>
-                <a:spcPct val="0"/>
-              </a:spcBef>
-              <a:spcAft>
-                <a:spcPct val="0"/>
-              </a:spcAft>
-              <a:buClrTx/>
-              <a:buSzTx/>
-              <a:buFontTx/>
-              <a:buChar char="•"/>
-              <a:tabLst/>
-            </a:pPr>
-            <a:r>
-              <a:rPr kumimoji="0" lang="en-US" altLang="en-US" b="1" i="0" u="none" strike="noStrike" cap="none" normalizeH="0" baseline="0" dirty="0">
-                <a:ln>
-                  <a:noFill/>
-                </a:ln>
-                <a:solidFill>
-                  <a:srgbClr val="1B1C1D"/>
-                </a:solidFill>
-                <a:effectLst/>
-                <a:latin typeface="Google Sans Text"/>
-              </a:rPr>
-              <a:t>Proximity:</a:t>
-            </a:r>
-            <a:r>
-              <a:rPr kumimoji="0" lang="en-US" altLang="en-US" b="0" i="0" u="none" strike="noStrike" cap="none" normalizeH="0" baseline="0" dirty="0">
-                <a:ln>
-                  <a:noFill/>
-                </a:ln>
-                <a:solidFill>
-                  <a:srgbClr val="1B1C1D"/>
-                </a:solidFill>
-                <a:effectLst/>
-                <a:latin typeface="Google Sans Text"/>
-              </a:rPr>
-              <a:t> MEC places computing resources close to the data source, directly addressing the latency problem.</a:t>
-            </a:r>
-          </a:p>
-          <a:p>
-            <a:pPr marL="0" marR="0" lvl="0" indent="0" algn="l" defTabSz="914400" rtl="0" eaLnBrk="0" fontAlgn="base" latinLnBrk="0" hangingPunct="0">
-              <a:lnSpc>
-                <a:spcPct val="100000"/>
-              </a:lnSpc>
-              <a:spcBef>
-                <a:spcPct val="0"/>
-              </a:spcBef>
-              <a:spcAft>
-                <a:spcPct val="0"/>
-              </a:spcAft>
-              <a:buClrTx/>
-              <a:buSzTx/>
-              <a:buFontTx/>
-              <a:buChar char="•"/>
-              <a:tabLst/>
-            </a:pPr>
-            <a:r>
-              <a:rPr kumimoji="0" lang="en-US" altLang="en-US" b="1" i="0" u="none" strike="noStrike" cap="none" normalizeH="0" baseline="0" dirty="0">
-                <a:ln>
-                  <a:noFill/>
-                </a:ln>
-                <a:solidFill>
-                  <a:srgbClr val="1B1C1D"/>
-                </a:solidFill>
-                <a:effectLst/>
-                <a:latin typeface="Google Sans Text"/>
-              </a:rPr>
-              <a:t>Resource Limitations:</a:t>
-            </a:r>
-            <a:r>
-              <a:rPr kumimoji="0" lang="en-US" altLang="en-US" b="0" i="0" u="none" strike="noStrike" cap="none" normalizeH="0" baseline="0" dirty="0">
-                <a:ln>
-                  <a:noFill/>
-                </a:ln>
-                <a:solidFill>
-                  <a:srgbClr val="1B1C1D"/>
-                </a:solidFill>
-                <a:effectLst/>
-                <a:latin typeface="Google Sans Text"/>
-              </a:rPr>
-              <a:t> However, individual edge servers have limited capacity compared to the vast resources of the cloud. This leads to them becoming easily overloaded as the number of </a:t>
-            </a:r>
-            <a:r>
-              <a:rPr kumimoji="0" lang="en-US" altLang="en-US" b="0" i="0" u="none" strike="noStrike" cap="none" normalizeH="0" baseline="0" dirty="0" err="1">
-                <a:ln>
-                  <a:noFill/>
-                </a:ln>
-                <a:solidFill>
-                  <a:srgbClr val="1B1C1D"/>
-                </a:solidFill>
-                <a:effectLst/>
-                <a:latin typeface="Google Sans Text"/>
-              </a:rPr>
-              <a:t>IIoT</a:t>
-            </a:r>
-            <a:r>
-              <a:rPr kumimoji="0" lang="en-US" altLang="en-US" b="0" i="0" u="none" strike="noStrike" cap="none" normalizeH="0" baseline="0" dirty="0">
-                <a:ln>
-                  <a:noFill/>
-                </a:ln>
-                <a:solidFill>
-                  <a:srgbClr val="1B1C1D"/>
-                </a:solidFill>
-                <a:effectLst/>
-                <a:latin typeface="Google Sans Text"/>
-              </a:rPr>
-              <a:t> devices and data streams increases.</a:t>
-            </a:r>
-          </a:p>
-          <a:p>
-            <a:pPr marL="0" marR="0" lvl="0" indent="0" algn="l" defTabSz="914400" rtl="0" eaLnBrk="0" fontAlgn="base" latinLnBrk="0" hangingPunct="0">
-              <a:lnSpc>
-                <a:spcPct val="100000"/>
-              </a:lnSpc>
-              <a:spcBef>
-                <a:spcPct val="0"/>
-              </a:spcBef>
-              <a:spcAft>
-                <a:spcPct val="0"/>
-              </a:spcAft>
-              <a:buClrTx/>
-              <a:buSzTx/>
-              <a:buFontTx/>
-              <a:buNone/>
-              <a:tabLst/>
-            </a:pPr>
-            <a:endParaRPr kumimoji="0" lang="en-US" altLang="en-US" b="1" i="0" u="none" strike="noStrike" cap="none" normalizeH="0" baseline="0" dirty="0">
-              <a:ln>
-                <a:noFill/>
-              </a:ln>
-              <a:solidFill>
-                <a:srgbClr val="1B1C1D"/>
-              </a:solidFill>
-              <a:effectLst/>
-              <a:latin typeface="Google Sans"/>
-            </a:endParaRPr>
-          </a:p>
-          <a:p>
-            <a:pPr marL="0" marR="0" lvl="0" indent="0" algn="l" defTabSz="914400" rtl="0" eaLnBrk="0" fontAlgn="base" latinLnBrk="0" hangingPunct="0">
-              <a:lnSpc>
-                <a:spcPct val="100000"/>
-              </a:lnSpc>
-              <a:spcBef>
-                <a:spcPct val="0"/>
-              </a:spcBef>
-              <a:spcAft>
-                <a:spcPct val="0"/>
-              </a:spcAft>
-              <a:buClrTx/>
-              <a:buSzTx/>
-              <a:buFontTx/>
-              <a:buNone/>
-              <a:tabLst/>
-            </a:pPr>
-            <a:r>
-              <a:rPr kumimoji="0" lang="en-US" altLang="en-US" b="1" i="0" u="none" strike="noStrike" cap="none" normalizeH="0" baseline="0" dirty="0">
-                <a:ln>
-                  <a:noFill/>
-                </a:ln>
-                <a:solidFill>
-                  <a:srgbClr val="1B1C1D"/>
-                </a:solidFill>
-                <a:effectLst/>
-                <a:latin typeface="Google Sans"/>
-              </a:rPr>
-              <a:t>The Problem this Research Solves </a:t>
-            </a:r>
-          </a:p>
-          <a:p>
-            <a:pPr marL="0" marR="0" lvl="0" indent="0" algn="l" defTabSz="914400" rtl="0" eaLnBrk="0" fontAlgn="base" latinLnBrk="0" hangingPunct="0">
-              <a:lnSpc>
-                <a:spcPct val="100000"/>
-              </a:lnSpc>
-              <a:spcBef>
-                <a:spcPct val="0"/>
-              </a:spcBef>
-              <a:spcAft>
-                <a:spcPct val="0"/>
-              </a:spcAft>
-              <a:buClrTx/>
-              <a:buSzTx/>
-              <a:buFontTx/>
-              <a:buChar char="•"/>
-              <a:tabLst/>
-            </a:pPr>
-            <a:r>
-              <a:rPr kumimoji="0" lang="en-US" altLang="en-US" b="1" i="0" u="none" strike="noStrike" cap="none" normalizeH="0" baseline="0" dirty="0">
-                <a:ln>
-                  <a:noFill/>
-                </a:ln>
-                <a:solidFill>
-                  <a:srgbClr val="1B1C1D"/>
-                </a:solidFill>
-                <a:effectLst/>
-                <a:latin typeface="Google Sans Text"/>
-              </a:rPr>
-              <a:t>Collaborative Need:</a:t>
-            </a:r>
-            <a:r>
-              <a:rPr kumimoji="0" lang="en-US" altLang="en-US" b="0" i="0" u="none" strike="noStrike" cap="none" normalizeH="0" baseline="0" dirty="0">
-                <a:ln>
-                  <a:noFill/>
-                </a:ln>
-                <a:solidFill>
-                  <a:srgbClr val="1B1C1D"/>
-                </a:solidFill>
-                <a:effectLst/>
-                <a:latin typeface="Google Sans Text"/>
-              </a:rPr>
-              <a:t> The limitations of individual edge servers necessitate a </a:t>
-            </a:r>
-            <a:r>
-              <a:rPr kumimoji="0" lang="en-US" altLang="en-US" b="1" i="0" u="none" strike="noStrike" cap="none" normalizeH="0" baseline="0" dirty="0">
-                <a:ln>
-                  <a:noFill/>
-                </a:ln>
-                <a:solidFill>
-                  <a:srgbClr val="1B1C1D"/>
-                </a:solidFill>
-                <a:effectLst/>
-                <a:latin typeface="Google Sans Text"/>
-              </a:rPr>
-              <a:t>collaborative edge computing</a:t>
-            </a:r>
-            <a:r>
-              <a:rPr kumimoji="0" lang="en-US" altLang="en-US" b="0" i="0" u="none" strike="noStrike" cap="none" normalizeH="0" baseline="0" dirty="0">
-                <a:ln>
-                  <a:noFill/>
-                </a:ln>
-                <a:solidFill>
-                  <a:srgbClr val="1B1C1D"/>
-                </a:solidFill>
-                <a:effectLst/>
-                <a:latin typeface="Google Sans Text"/>
-              </a:rPr>
-              <a:t> framework, where multiple edge nodes work together to share the workload.</a:t>
-            </a:r>
-          </a:p>
-          <a:p>
-            <a:pPr marL="0" marR="0" lvl="0" indent="0" algn="l" defTabSz="914400" rtl="0" eaLnBrk="0" fontAlgn="base" latinLnBrk="0" hangingPunct="0">
-              <a:lnSpc>
-                <a:spcPct val="100000"/>
-              </a:lnSpc>
-              <a:spcBef>
-                <a:spcPct val="0"/>
-              </a:spcBef>
-              <a:spcAft>
-                <a:spcPct val="0"/>
-              </a:spcAft>
-              <a:buClrTx/>
-              <a:buSzTx/>
-              <a:buFontTx/>
-              <a:buChar char="•"/>
-              <a:tabLst/>
-            </a:pPr>
-            <a:r>
-              <a:rPr kumimoji="0" lang="en-US" altLang="en-US" b="1" i="0" u="none" strike="noStrike" cap="none" normalizeH="0" baseline="0" dirty="0">
-                <a:ln>
-                  <a:noFill/>
-                </a:ln>
-                <a:solidFill>
-                  <a:srgbClr val="1B1C1D"/>
-                </a:solidFill>
-                <a:effectLst/>
-                <a:latin typeface="Google Sans Text"/>
-              </a:rPr>
-              <a:t>Spatiotemporal Non-Uniformity:</a:t>
-            </a:r>
-            <a:r>
-              <a:rPr kumimoji="0" lang="en-US" altLang="en-US" b="0" i="0" u="none" strike="noStrike" cap="none" normalizeH="0" baseline="0" dirty="0">
-                <a:ln>
-                  <a:noFill/>
-                </a:ln>
-                <a:solidFill>
-                  <a:srgbClr val="1B1C1D"/>
-                </a:solidFill>
-                <a:effectLst/>
-                <a:latin typeface="Google Sans Text"/>
-              </a:rPr>
-              <a:t> The main problem is that task requests from different factories are </a:t>
-            </a:r>
-            <a:r>
-              <a:rPr kumimoji="0" lang="en-US" altLang="en-US" b="1" i="0" u="none" strike="noStrike" cap="none" normalizeH="0" baseline="0" dirty="0">
-                <a:ln>
-                  <a:noFill/>
-                </a:ln>
-                <a:solidFill>
-                  <a:srgbClr val="1B1C1D"/>
-                </a:solidFill>
-                <a:effectLst/>
-                <a:latin typeface="Google Sans Text"/>
-              </a:rPr>
-              <a:t>unevenly distributed over both time and location</a:t>
-            </a:r>
-            <a:r>
-              <a:rPr kumimoji="0" lang="en-US" altLang="en-US" b="0" i="0" u="none" strike="noStrike" cap="none" normalizeH="0" baseline="0" dirty="0">
-                <a:ln>
-                  <a:noFill/>
-                </a:ln>
-                <a:solidFill>
-                  <a:srgbClr val="1B1C1D"/>
-                </a:solidFill>
-                <a:effectLst/>
-                <a:latin typeface="Google Sans Text"/>
-              </a:rPr>
-              <a:t>. This unpredictable nature makes efficient scheduling incredibly complex.</a:t>
-            </a:r>
-          </a:p>
-          <a:p>
-            <a:pPr marL="0" marR="0" lvl="0" indent="0" algn="l" defTabSz="914400" rtl="0" eaLnBrk="0" fontAlgn="base" latinLnBrk="0" hangingPunct="0">
-              <a:lnSpc>
-                <a:spcPct val="100000"/>
-              </a:lnSpc>
-              <a:spcBef>
-                <a:spcPct val="0"/>
-              </a:spcBef>
-              <a:spcAft>
-                <a:spcPct val="0"/>
-              </a:spcAft>
-              <a:buClrTx/>
-              <a:buSzTx/>
-              <a:buFontTx/>
-              <a:buChar char="•"/>
-              <a:tabLst/>
-            </a:pPr>
-            <a:r>
-              <a:rPr kumimoji="0" lang="en-US" altLang="en-US" b="1" i="0" u="none" strike="noStrike" cap="none" normalizeH="0" baseline="0" dirty="0">
-                <a:ln>
-                  <a:noFill/>
-                </a:ln>
-                <a:solidFill>
-                  <a:srgbClr val="1B1C1D"/>
-                </a:solidFill>
-                <a:effectLst/>
-                <a:latin typeface="Google Sans Text"/>
-              </a:rPr>
-              <a:t>The Core Goal:</a:t>
-            </a:r>
-            <a:r>
-              <a:rPr kumimoji="0" lang="en-US" altLang="en-US" b="0" i="0" u="none" strike="noStrike" cap="none" normalizeH="0" baseline="0" dirty="0">
-                <a:ln>
-                  <a:noFill/>
-                </a:ln>
-                <a:solidFill>
-                  <a:srgbClr val="1B1C1D"/>
-                </a:solidFill>
-                <a:effectLst/>
-                <a:latin typeface="Google Sans Text"/>
-              </a:rPr>
-              <a:t> The research is motivated by the need to create a smart, real-time task scheduling system that can handle this dynamic unpredictability while simultaneously </a:t>
-            </a:r>
-            <a:r>
-              <a:rPr kumimoji="0" lang="en-US" altLang="en-US" b="1" i="0" u="none" strike="noStrike" cap="none" normalizeH="0" baseline="0" dirty="0">
-                <a:ln>
-                  <a:noFill/>
-                </a:ln>
-                <a:solidFill>
-                  <a:srgbClr val="1B1C1D"/>
-                </a:solidFill>
-                <a:effectLst/>
-                <a:latin typeface="Google Sans Text"/>
-              </a:rPr>
-              <a:t>minimizing long-term delays</a:t>
-            </a:r>
-            <a:r>
-              <a:rPr kumimoji="0" lang="en-US" altLang="en-US" b="0" i="0" u="none" strike="noStrike" cap="none" normalizeH="0" baseline="0" dirty="0">
-                <a:ln>
-                  <a:noFill/>
-                </a:ln>
-                <a:solidFill>
-                  <a:srgbClr val="1B1C1D"/>
-                </a:solidFill>
-                <a:effectLst/>
-                <a:latin typeface="Google Sans Text"/>
-              </a:rPr>
-              <a:t> and adhering to a strict </a:t>
-            </a:r>
-            <a:r>
-              <a:rPr kumimoji="0" lang="en-US" altLang="en-US" b="1" i="0" u="none" strike="noStrike" cap="none" normalizeH="0" baseline="0" dirty="0">
-                <a:ln>
-                  <a:noFill/>
-                </a:ln>
-                <a:solidFill>
-                  <a:srgbClr val="1B1C1D"/>
-                </a:solidFill>
-                <a:effectLst/>
-                <a:latin typeface="Google Sans Text"/>
-              </a:rPr>
-              <a:t>long-term operational cost budget</a:t>
-            </a:r>
-            <a:r>
-              <a:rPr kumimoji="0" lang="en-US" altLang="en-US" b="0" i="0" u="none" strike="noStrike" cap="none" normalizeH="0" baseline="0" dirty="0">
-                <a:ln>
-                  <a:noFill/>
-                </a:ln>
-                <a:solidFill>
-                  <a:srgbClr val="1B1C1D"/>
-                </a:solidFill>
-                <a:effectLst/>
-                <a:latin typeface="Google Sans Text"/>
-              </a:rPr>
-              <a:t>.</a:t>
-            </a:r>
-          </a:p>
-          <a:p>
-            <a:pPr marL="0" marR="0" lvl="0" indent="0" algn="l" defTabSz="914400" rtl="0" eaLnBrk="0" fontAlgn="base" latinLnBrk="0" hangingPunct="0">
-              <a:lnSpc>
-                <a:spcPct val="100000"/>
-              </a:lnSpc>
-              <a:spcBef>
-                <a:spcPct val="0"/>
-              </a:spcBef>
-              <a:spcAft>
-                <a:spcPct val="0"/>
-              </a:spcAft>
-              <a:buClrTx/>
-              <a:buSzTx/>
-              <a:buFontTx/>
-              <a:buNone/>
-              <a:tabLst/>
-            </a:pPr>
-            <a:endParaRPr kumimoji="0" lang="en-US" altLang="en-US" b="0" i="0" u="none" strike="noStrike" cap="none" normalizeH="0" baseline="0" dirty="0">
-              <a:ln>
-                <a:noFill/>
-              </a:ln>
-              <a:solidFill>
-                <a:schemeClr val="tx1"/>
-              </a:solidFill>
-              <a:effectLst/>
-              <a:latin typeface="Arial" panose="020B0604020202020204" pitchFamily="34" charset="0"/>
+              <a:latin typeface="Google Sans Text"/>
             </a:endParaRPr>
           </a:p>
         </p:txBody>
@@ -7262,7 +6146,7 @@
           <p:cNvPr id="9" name="Rectangle 8">
             <a:extLst>
               <a:ext uri="{FF2B5EF4-FFF2-40B4-BE49-F238E27FC236}">
-                <a16:creationId xmlns:a16="http://schemas.microsoft.com/office/drawing/2014/main" id="{2961259D-605E-E200-FF9F-7C8C71D7C8E4}"/>
+                <a16:creationId xmlns:a16="http://schemas.microsoft.com/office/drawing/2014/main" id="{5E8D3B17-7638-DFD3-18E4-8A6D611749CF}"/>
               </a:ext>
               <a:ext uri="{C183D7F6-B498-43B3-948B-1728B52AA6E4}">
                 <adec:decorative xmlns:adec="http://schemas.microsoft.com/office/drawing/2017/decorative" val="1"/>
@@ -7338,7 +6222,7 @@
           <p:cNvPr id="2" name="Title 1">
             <a:extLst>
               <a:ext uri="{FF2B5EF4-FFF2-40B4-BE49-F238E27FC236}">
-                <a16:creationId xmlns:a16="http://schemas.microsoft.com/office/drawing/2014/main" id="{27EE5C73-CB59-E9AF-D9ED-19C0649856C8}"/>
+                <a16:creationId xmlns:a16="http://schemas.microsoft.com/office/drawing/2014/main" id="{FB73F61A-7244-55F7-0B18-D75C1D32D244}"/>
               </a:ext>
             </a:extLst>
           </p:cNvPr>
@@ -7351,206 +6235,29 @@
         </p:nvSpPr>
         <p:spPr>
           <a:xfrm>
-            <a:off x="612648" y="600074"/>
-            <a:ext cx="6035040" cy="1529932"/>
+            <a:off x="5568534" y="222504"/>
+            <a:ext cx="5916169" cy="660273"/>
           </a:xfrm>
         </p:spPr>
         <p:txBody>
           <a:bodyPr anchor="b">
-            <a:normAutofit/>
+            <a:normAutofit fontScale="90000"/>
           </a:bodyPr>
           <a:lstStyle/>
           <a:p>
             <a:r>
-              <a:rPr lang="en-US" b="0" dirty="0">
-                <a:ea typeface="+mj-lt"/>
-                <a:cs typeface="+mj-lt"/>
-              </a:rPr>
-              <a:t>Core Problem Statement and Unique Challenges</a:t>
-            </a:r>
-            <a:endParaRPr lang="en-US" dirty="0"/>
-          </a:p>
-        </p:txBody>
-      </p:sp>
-      <p:sp>
-        <p:nvSpPr>
-          <p:cNvPr id="3" name="Content Placeholder 2">
-            <a:extLst>
-              <a:ext uri="{FF2B5EF4-FFF2-40B4-BE49-F238E27FC236}">
-                <a16:creationId xmlns:a16="http://schemas.microsoft.com/office/drawing/2014/main" id="{FDEF4FB6-69FE-7D6C-CED3-0364F7E8A93C}"/>
-              </a:ext>
-            </a:extLst>
-          </p:cNvPr>
-          <p:cNvSpPr>
-            <a:spLocks noGrp="1"/>
-          </p:cNvSpPr>
-          <p:nvPr>
-            <p:ph idx="1"/>
-          </p:nvPr>
-        </p:nvSpPr>
-        <p:spPr>
-          <a:xfrm>
-            <a:off x="612647" y="2212848"/>
-            <a:ext cx="6035041" cy="4096512"/>
-          </a:xfrm>
-        </p:spPr>
-        <p:txBody>
-          <a:bodyPr vert="horz" lIns="91440" tIns="45720" rIns="91440" bIns="45720" rtlCol="0">
-            <a:normAutofit/>
-          </a:bodyPr>
-          <a:lstStyle/>
-          <a:p>
-            <a:pPr marL="0" indent="0">
-              <a:lnSpc>
-                <a:spcPct val="110000"/>
-              </a:lnSpc>
-              <a:buNone/>
-            </a:pPr>
-            <a:r>
-              <a:rPr lang="en-US" sz="1100" b="1" dirty="0">
-                <a:ea typeface="+mn-lt"/>
-                <a:cs typeface="+mn-lt"/>
-              </a:rPr>
-              <a:t>The Core Problem</a:t>
-            </a:r>
-            <a:r>
-              <a:rPr lang="en-US" sz="1100" dirty="0">
-                <a:ea typeface="+mn-lt"/>
-                <a:cs typeface="+mn-lt"/>
-              </a:rPr>
-              <a:t>: The central objective is to develop a task scheduling framework that minimizes long-term average task processing delay while strictly adhering to a long-term operational cost budget. </a:t>
-            </a:r>
-          </a:p>
-          <a:p>
-            <a:pPr marL="0" indent="0">
-              <a:lnSpc>
-                <a:spcPct val="110000"/>
-              </a:lnSpc>
-              <a:buNone/>
-            </a:pPr>
-            <a:r>
-              <a:rPr lang="en-US" sz="1100" b="1" dirty="0">
-                <a:ea typeface="+mn-lt"/>
-                <a:cs typeface="+mn-lt"/>
-              </a:rPr>
-              <a:t>Unique </a:t>
-            </a:r>
-            <a:r>
-              <a:rPr lang="en-US" sz="1100" b="1" dirty="0" err="1">
-                <a:ea typeface="+mn-lt"/>
-                <a:cs typeface="+mn-lt"/>
-              </a:rPr>
-              <a:t>IIoT</a:t>
-            </a:r>
-            <a:r>
-              <a:rPr lang="en-US" sz="1100" b="1" dirty="0">
-                <a:ea typeface="+mn-lt"/>
-                <a:cs typeface="+mn-lt"/>
-              </a:rPr>
-              <a:t> Challenges:</a:t>
-            </a:r>
-            <a:endParaRPr lang="en-US" sz="1100" b="1" dirty="0"/>
-          </a:p>
-          <a:p>
-            <a:pPr marL="0" indent="0">
-              <a:lnSpc>
-                <a:spcPct val="110000"/>
-              </a:lnSpc>
-              <a:buNone/>
-            </a:pPr>
-            <a:r>
-              <a:rPr lang="en-US" sz="1100" dirty="0">
-                <a:ea typeface="+mn-lt"/>
-                <a:cs typeface="+mn-lt"/>
-              </a:rPr>
-              <a:t>        1.  Horizontal Collaboration: Due to privacy-sensitive data, </a:t>
-            </a:r>
-            <a:r>
-              <a:rPr lang="en-US" sz="1100" dirty="0" err="1">
-                <a:ea typeface="+mn-lt"/>
-                <a:cs typeface="+mn-lt"/>
-              </a:rPr>
-              <a:t>IIoT</a:t>
-            </a:r>
-            <a:r>
-              <a:rPr lang="en-US" sz="1100" dirty="0">
-                <a:ea typeface="+mn-lt"/>
-                <a:cs typeface="+mn-lt"/>
-              </a:rPr>
-              <a:t> applications often restrict task processing to a local, trusted network. This forces horizontal collaboration between edge nodes in different factories, rather than vertical offloading to the cloud.</a:t>
-            </a:r>
-            <a:endParaRPr lang="en-US" sz="1100" dirty="0"/>
-          </a:p>
-          <a:p>
-            <a:pPr marL="0" indent="0">
-              <a:lnSpc>
-                <a:spcPct val="110000"/>
-              </a:lnSpc>
-              <a:buNone/>
-            </a:pPr>
-            <a:r>
-              <a:rPr lang="en-US" sz="1100" dirty="0">
-                <a:ea typeface="+mn-lt"/>
-                <a:cs typeface="+mn-lt"/>
-              </a:rPr>
-              <a:t>        2.  Spatiotemporal Non-Uniformity: Service requests from </a:t>
-            </a:r>
-            <a:r>
-              <a:rPr lang="en-US" sz="1100" dirty="0" err="1">
-                <a:ea typeface="+mn-lt"/>
-                <a:cs typeface="+mn-lt"/>
-              </a:rPr>
-              <a:t>IIoT</a:t>
-            </a:r>
-            <a:r>
-              <a:rPr lang="en-US" sz="1100" dirty="0">
-                <a:ea typeface="+mn-lt"/>
-                <a:cs typeface="+mn-lt"/>
-              </a:rPr>
-              <a:t> devices are not only unevenly distributed geographically (spatial non-uniformity) but also fluctuate significantly over time (temporal non-uniformity).</a:t>
-            </a:r>
-            <a:endParaRPr lang="en-US" sz="1100" dirty="0"/>
-          </a:p>
-          <a:p>
-            <a:pPr marL="0" indent="0">
-              <a:lnSpc>
-                <a:spcPct val="110000"/>
-              </a:lnSpc>
-              <a:buNone/>
-            </a:pPr>
-            <a:r>
-              <a:rPr lang="en-US" sz="1100" dirty="0">
-                <a:ea typeface="+mn-lt"/>
-                <a:cs typeface="+mn-lt"/>
-              </a:rPr>
-              <a:t>        3.  Dynamic System State: The system is constantly in a state of flux. This makes it impossible to rely on traditional methods that require prior knowledge of future request distributions or network states.</a:t>
-            </a:r>
-            <a:endParaRPr lang="en-US" sz="1100" dirty="0"/>
-          </a:p>
-          <a:p>
-            <a:pPr marL="0" indent="0">
-              <a:lnSpc>
-                <a:spcPct val="110000"/>
-              </a:lnSpc>
-              <a:buNone/>
-            </a:pPr>
-            <a:r>
-              <a:rPr lang="en-US" sz="1100" dirty="0">
-                <a:ea typeface="+mn-lt"/>
-                <a:cs typeface="+mn-lt"/>
-              </a:rPr>
-              <a:t>        4.  NP-Hard Nature: The combination of these factors creates a problem that is computationally infeasible to solve for a globally optimal solution in polynomial time, establishing it as an NP-hard problem. This directly justifies the need for efficient heuristic algorithms.</a:t>
-            </a:r>
-            <a:endParaRPr lang="en-US" sz="1100" dirty="0"/>
+              <a:rPr lang="en-US"/>
+              <a:t>Why it is an Edge Problem</a:t>
+            </a:r>
           </a:p>
         </p:txBody>
       </p:sp>
       <p:pic>
         <p:nvPicPr>
-          <p:cNvPr id="5" name="Picture 4" descr="Magnifying glass showing decling performance">
-            <a:extLst>
-              <a:ext uri="{FF2B5EF4-FFF2-40B4-BE49-F238E27FC236}">
-                <a16:creationId xmlns:a16="http://schemas.microsoft.com/office/drawing/2014/main" id="{FF02B8DA-2B06-767A-2AB7-F871EE2AF9E0}"/>
+          <p:cNvPr id="5" name="Picture 4" descr="Geometric white clouds on a blue sky">
+            <a:extLst>
+              <a:ext uri="{FF2B5EF4-FFF2-40B4-BE49-F238E27FC236}">
+                <a16:creationId xmlns:a16="http://schemas.microsoft.com/office/drawing/2014/main" id="{C01DAB42-AA34-AC02-E1A1-58570FB441D1}"/>
               </a:ext>
             </a:extLst>
           </p:cNvPr>
@@ -7561,15 +6268,328 @@
         </p:nvPicPr>
         <p:blipFill>
           <a:blip r:embed="rId2"/>
-          <a:srcRect l="33303" r="19596" b="-3"/>
+          <a:srcRect l="10421" r="35881" b="4"/>
           <a:stretch>
             <a:fillRect/>
           </a:stretch>
         </p:blipFill>
         <p:spPr>
           <a:xfrm>
-            <a:off x="7345680" y="10"/>
-            <a:ext cx="4846320" cy="6857990"/>
+            <a:off x="20" y="10"/>
+            <a:ext cx="4910308" cy="6857990"/>
+          </a:xfrm>
+          <a:prstGeom prst="rect">
+            <a:avLst/>
+          </a:prstGeom>
+        </p:spPr>
+      </p:pic>
+      <p:sp>
+        <p:nvSpPr>
+          <p:cNvPr id="3" name="Content Placeholder 2">
+            <a:extLst>
+              <a:ext uri="{FF2B5EF4-FFF2-40B4-BE49-F238E27FC236}">
+                <a16:creationId xmlns:a16="http://schemas.microsoft.com/office/drawing/2014/main" id="{74209608-8B90-265F-5404-06D693C771D6}"/>
+              </a:ext>
+            </a:extLst>
+          </p:cNvPr>
+          <p:cNvSpPr>
+            <a:spLocks noGrp="1"/>
+          </p:cNvSpPr>
+          <p:nvPr>
+            <p:ph idx="1"/>
+          </p:nvPr>
+        </p:nvSpPr>
+        <p:spPr>
+          <a:xfrm>
+            <a:off x="5035133" y="890307"/>
+            <a:ext cx="6992494" cy="5838153"/>
+          </a:xfrm>
+        </p:spPr>
+        <p:txBody>
+          <a:bodyPr vert="horz" lIns="91440" tIns="45720" rIns="91440" bIns="45720" rtlCol="0" anchor="t">
+            <a:normAutofit fontScale="85000" lnSpcReduction="20000"/>
+          </a:bodyPr>
+          <a:lstStyle/>
+          <a:p>
+            <a:pPr marL="0" indent="0">
+              <a:lnSpc>
+                <a:spcPct val="110000"/>
+              </a:lnSpc>
+              <a:buNone/>
+            </a:pPr>
+            <a:endParaRPr lang="en-US" sz="1500" b="1"/>
+          </a:p>
+          <a:p>
+            <a:pPr marL="0" indent="0">
+              <a:lnSpc>
+                <a:spcPct val="110000"/>
+              </a:lnSpc>
+              <a:buNone/>
+            </a:pPr>
+            <a:r>
+              <a:rPr lang="en-US" sz="1500" b="1"/>
+              <a:t>Starting with the Cloud</a:t>
+            </a:r>
+          </a:p>
+          <a:p>
+            <a:pPr>
+              <a:lnSpc>
+                <a:spcPct val="110000"/>
+              </a:lnSpc>
+            </a:pPr>
+            <a:r>
+              <a:rPr lang="en-US" sz="1500" b="1">
+                <a:ea typeface="+mn-lt"/>
+                <a:cs typeface="+mn-lt"/>
+              </a:rPr>
+              <a:t>The Initial Thought:</a:t>
+            </a:r>
+            <a:r>
+              <a:rPr lang="en-US" sz="1500">
+                <a:ea typeface="+mn-lt"/>
+                <a:cs typeface="+mn-lt"/>
+              </a:rPr>
+              <a:t> The cloud seems like an obvious solution due to its vast, seemingly infinite resources for computation and storage.</a:t>
+            </a:r>
+            <a:endParaRPr lang="en-US" sz="1500"/>
+          </a:p>
+          <a:p>
+            <a:pPr>
+              <a:lnSpc>
+                <a:spcPct val="110000"/>
+              </a:lnSpc>
+            </a:pPr>
+            <a:r>
+              <a:rPr lang="en-US" sz="1500" b="1">
+                <a:ea typeface="+mn-lt"/>
+                <a:cs typeface="+mn-lt"/>
+              </a:rPr>
+              <a:t>Benefits:</a:t>
+            </a:r>
+            <a:r>
+              <a:rPr lang="en-US" sz="1500">
+                <a:ea typeface="+mn-lt"/>
+                <a:cs typeface="+mn-lt"/>
+              </a:rPr>
+              <a:t> It's great for tasks that aren't time-sensitive, like long-term data analysis, training large AI models, and acting as a robust backup for the entire system.</a:t>
+            </a:r>
+            <a:endParaRPr lang="en-US" sz="1500"/>
+          </a:p>
+          <a:p>
+            <a:pPr>
+              <a:lnSpc>
+                <a:spcPct val="110000"/>
+              </a:lnSpc>
+            </a:pPr>
+            <a:endParaRPr lang="en-US" sz="500"/>
+          </a:p>
+          <a:p>
+            <a:pPr marL="0" indent="0">
+              <a:lnSpc>
+                <a:spcPct val="110000"/>
+              </a:lnSpc>
+              <a:buNone/>
+            </a:pPr>
+            <a:r>
+              <a:rPr lang="en-US" sz="1500" b="1"/>
+              <a:t>Why Cloud Isn't Feasible for Real-Time Tasks</a:t>
+            </a:r>
+          </a:p>
+          <a:p>
+            <a:pPr>
+              <a:lnSpc>
+                <a:spcPct val="110000"/>
+              </a:lnSpc>
+            </a:pPr>
+            <a:r>
+              <a:rPr lang="en-US" sz="1500" b="1">
+                <a:ea typeface="+mn-lt"/>
+                <a:cs typeface="+mn-lt"/>
+              </a:rPr>
+              <a:t>High Latency:</a:t>
+            </a:r>
+            <a:r>
+              <a:rPr lang="en-US" sz="1500">
+                <a:ea typeface="+mn-lt"/>
+                <a:cs typeface="+mn-lt"/>
+              </a:rPr>
+              <a:t> For critical, real-time tasks like anomaly detection, the delay in sending data to a distant cloud server is simply too long and could lead to significant operational failures.</a:t>
+            </a:r>
+            <a:endParaRPr lang="en-US" sz="1500"/>
+          </a:p>
+          <a:p>
+            <a:pPr>
+              <a:lnSpc>
+                <a:spcPct val="110000"/>
+              </a:lnSpc>
+            </a:pPr>
+            <a:r>
+              <a:rPr lang="en-US" sz="1500" b="1">
+                <a:ea typeface="+mn-lt"/>
+                <a:cs typeface="+mn-lt"/>
+              </a:rPr>
+              <a:t>Privacy &amp; Security:</a:t>
+            </a:r>
+            <a:r>
+              <a:rPr lang="en-US" sz="1500">
+                <a:ea typeface="+mn-lt"/>
+                <a:cs typeface="+mn-lt"/>
+              </a:rPr>
+              <a:t> Many industrial applications have strict regulations that prevent sensitive data from leaving the local factory network.</a:t>
+            </a:r>
+            <a:endParaRPr lang="en-US" sz="1500"/>
+          </a:p>
+          <a:p>
+            <a:pPr>
+              <a:lnSpc>
+                <a:spcPct val="110000"/>
+              </a:lnSpc>
+            </a:pPr>
+            <a:r>
+              <a:rPr lang="en-US" sz="1500" b="1">
+                <a:ea typeface="+mn-lt"/>
+                <a:cs typeface="+mn-lt"/>
+              </a:rPr>
+              <a:t>Cost &amp; Bandwidth:</a:t>
+            </a:r>
+            <a:r>
+              <a:rPr lang="en-US" sz="1500">
+                <a:ea typeface="+mn-lt"/>
+                <a:cs typeface="+mn-lt"/>
+              </a:rPr>
+              <a:t> Continuously sending the massive volume of data generated by </a:t>
+            </a:r>
+            <a:r>
+              <a:rPr lang="en-US" sz="1500" err="1">
+                <a:ea typeface="+mn-lt"/>
+                <a:cs typeface="+mn-lt"/>
+              </a:rPr>
+              <a:t>IIoT</a:t>
+            </a:r>
+            <a:r>
+              <a:rPr lang="en-US" sz="1500">
+                <a:ea typeface="+mn-lt"/>
+                <a:cs typeface="+mn-lt"/>
+              </a:rPr>
+              <a:t> devices to the cloud can be very expensive and strain network bandwidth.</a:t>
+            </a:r>
+            <a:br>
+              <a:rPr lang="en-US" sz="1500"/>
+            </a:br>
+            <a:endParaRPr lang="en-US" sz="1500" b="1"/>
+          </a:p>
+          <a:p>
+            <a:pPr marL="0" indent="0">
+              <a:lnSpc>
+                <a:spcPct val="110000"/>
+              </a:lnSpc>
+              <a:buNone/>
+            </a:pPr>
+            <a:r>
+              <a:rPr lang="en-US" sz="1500" b="1"/>
+              <a:t>Why Edge Is the Perfect Solution</a:t>
+            </a:r>
+          </a:p>
+          <a:p>
+            <a:pPr>
+              <a:lnSpc>
+                <a:spcPct val="110000"/>
+              </a:lnSpc>
+            </a:pPr>
+            <a:r>
+              <a:rPr lang="en-US" sz="1500" b="1">
+                <a:ea typeface="+mn-lt"/>
+                <a:cs typeface="+mn-lt"/>
+              </a:rPr>
+              <a:t>Low Latency:</a:t>
+            </a:r>
+            <a:r>
+              <a:rPr lang="en-US" sz="1500">
+                <a:ea typeface="+mn-lt"/>
+                <a:cs typeface="+mn-lt"/>
+              </a:rPr>
+              <a:t> Edge servers are located on-site, allowing for near-instantaneous data processing. This enables real-time decisions and automated responses critical for safety and efficiency.</a:t>
+            </a:r>
+            <a:endParaRPr lang="en-US" sz="1500"/>
+          </a:p>
+          <a:p>
+            <a:pPr>
+              <a:lnSpc>
+                <a:spcPct val="110000"/>
+              </a:lnSpc>
+            </a:pPr>
+            <a:r>
+              <a:rPr lang="en-US" sz="1500" b="1">
+                <a:ea typeface="+mn-lt"/>
+                <a:cs typeface="+mn-lt"/>
+              </a:rPr>
+              <a:t>Data Security:</a:t>
+            </a:r>
+            <a:r>
+              <a:rPr lang="en-US" sz="1500">
+                <a:ea typeface="+mn-lt"/>
+                <a:cs typeface="+mn-lt"/>
+              </a:rPr>
+              <a:t> Data processing remains within the private, local network, satisfying all privacy and security requirements.</a:t>
+            </a:r>
+            <a:endParaRPr lang="en-US" sz="1500"/>
+          </a:p>
+          <a:p>
+            <a:pPr>
+              <a:lnSpc>
+                <a:spcPct val="110000"/>
+              </a:lnSpc>
+            </a:pPr>
+            <a:r>
+              <a:rPr lang="en-US" sz="1500" b="1">
+                <a:ea typeface="+mn-lt"/>
+                <a:cs typeface="+mn-lt"/>
+              </a:rPr>
+              <a:t>Cost-Effective:</a:t>
+            </a:r>
+            <a:r>
+              <a:rPr lang="en-US" sz="1500">
+                <a:ea typeface="+mn-lt"/>
+                <a:cs typeface="+mn-lt"/>
+              </a:rPr>
+              <a:t> Edge computing handles the bulk of the data locally, reducing the need for costly and bandwidth-intensive data transfers to the cloud.</a:t>
+            </a:r>
+            <a:endParaRPr lang="en-US" sz="1500"/>
+          </a:p>
+          <a:p>
+            <a:pPr>
+              <a:lnSpc>
+                <a:spcPct val="110000"/>
+              </a:lnSpc>
+            </a:pPr>
+            <a:endParaRPr lang="en-US" sz="1500"/>
+          </a:p>
+        </p:txBody>
+      </p:sp>
+      <p:pic>
+        <p:nvPicPr>
+          <p:cNvPr id="4" name="Picture 3" descr="Cross PNG Transparent Images Free Download | Vector Files ...">
+            <a:extLst>
+              <a:ext uri="{FF2B5EF4-FFF2-40B4-BE49-F238E27FC236}">
+                <a16:creationId xmlns:a16="http://schemas.microsoft.com/office/drawing/2014/main" id="{3EB8A822-36A0-01D9-7D3D-824DF0026B8A}"/>
+              </a:ext>
+            </a:extLst>
+          </p:cNvPr>
+          <p:cNvPicPr>
+            <a:picLocks noChangeAspect="1"/>
+          </p:cNvPicPr>
+          <p:nvPr/>
+        </p:nvPicPr>
+        <p:blipFill>
+          <a:blip r:embed="rId3"/>
+          <a:stretch>
+            <a:fillRect/>
+          </a:stretch>
+        </p:blipFill>
+        <p:spPr>
+          <a:xfrm>
+            <a:off x="276225" y="323850"/>
+            <a:ext cx="3981450" cy="3981450"/>
           </a:xfrm>
           <a:prstGeom prst="rect">
             <a:avLst/>
@@ -7579,7 +6599,7 @@
     </p:spTree>
     <p:extLst>
       <p:ext uri="{BB962C8B-B14F-4D97-AF65-F5344CB8AC3E}">
-        <p14:creationId xmlns:p14="http://schemas.microsoft.com/office/powerpoint/2010/main" val="2717588432"/>
+        <p14:creationId xmlns:p14="http://schemas.microsoft.com/office/powerpoint/2010/main" val="2771179096"/>
       </p:ext>
     </p:extLst>
   </p:cSld>
@@ -7708,8 +6728,8 @@
         </p:nvSpPr>
         <p:spPr>
           <a:xfrm>
-            <a:off x="5951950" y="-658672"/>
-            <a:ext cx="6083029" cy="2289380"/>
+            <a:off x="1427575" y="170003"/>
+            <a:ext cx="9331054" cy="622505"/>
           </a:xfrm>
         </p:spPr>
         <p:txBody>
@@ -7718,10 +6738,12 @@
           </a:bodyPr>
           <a:lstStyle/>
           <a:p>
-            <a:r>
-              <a:rPr lang="en-US" sz="4000" dirty="0"/>
+            <a:pPr algn="ctr"/>
+            <a:r>
+              <a:rPr lang="en-US" sz="3100"/>
               <a:t>State of Art Literature Survey</a:t>
             </a:r>
+            <a:endParaRPr lang="en-US" sz="2700"/>
           </a:p>
         </p:txBody>
       </p:sp>
@@ -7749,8 +6771,8 @@
         </p:blipFill>
         <p:spPr>
           <a:xfrm>
-            <a:off x="2807539" y="1703107"/>
-            <a:ext cx="5774891" cy="4593828"/>
+            <a:off x="2941158" y="997047"/>
+            <a:ext cx="6879791" cy="5470128"/>
           </a:xfrm>
           <a:prstGeom prst="rect">
             <a:avLst/>
@@ -7780,8 +6802,8 @@
         </p:blipFill>
         <p:spPr>
           <a:xfrm>
-            <a:off x="241325" y="414635"/>
-            <a:ext cx="2572119" cy="5900740"/>
+            <a:off x="765200" y="786110"/>
+            <a:ext cx="2172069" cy="4929190"/>
           </a:xfrm>
           <a:prstGeom prst="rect">
             <a:avLst/>
@@ -7810,8 +6832,8 @@
         </p:blipFill>
         <p:spPr>
           <a:xfrm>
-            <a:off x="2975789" y="358681"/>
-            <a:ext cx="2700338" cy="1133475"/>
+            <a:off x="756464" y="5711731"/>
+            <a:ext cx="2176463" cy="885825"/>
           </a:xfrm>
           <a:prstGeom prst="rect">
             <a:avLst/>
@@ -7950,8 +6972,8 @@
         </p:nvSpPr>
         <p:spPr>
           <a:xfrm>
-            <a:off x="5568534" y="355854"/>
-            <a:ext cx="5916169" cy="1527048"/>
+            <a:off x="5446614" y="254"/>
+            <a:ext cx="5916169" cy="1110488"/>
           </a:xfrm>
         </p:spPr>
         <p:txBody>
@@ -7961,7 +6983,7 @@
           <a:lstStyle/>
           <a:p>
             <a:r>
-              <a:rPr lang="en-US" b="0" dirty="0"/>
+              <a:rPr lang="en-US" b="0"/>
               <a:t>State of the Art Literature Survey Contd.</a:t>
             </a:r>
           </a:p>
@@ -8016,13 +7038,13 @@
         </p:nvSpPr>
         <p:spPr>
           <a:xfrm>
-            <a:off x="5568533" y="2214282"/>
-            <a:ext cx="5916169" cy="4095078"/>
+            <a:off x="5082238" y="1098067"/>
+            <a:ext cx="7104889" cy="5578438"/>
           </a:xfrm>
         </p:spPr>
         <p:txBody>
           <a:bodyPr vert="horz" lIns="91440" tIns="45720" rIns="91440" bIns="45720" rtlCol="0" anchor="t">
-            <a:normAutofit/>
+            <a:noAutofit/>
           </a:bodyPr>
           <a:lstStyle/>
           <a:p>
@@ -8033,13 +7055,13 @@
               <a:buNone/>
             </a:pPr>
             <a:r>
-              <a:rPr lang="en-US" sz="1000" dirty="0">
-                <a:ea typeface="+mn-lt"/>
-                <a:cs typeface="+mn-lt"/>
-              </a:rPr>
-              <a:t> Single-Node Focus: Many existing studies assume end devices can offload tasks directly to all edge nodes, neglecting the reality that tasks must be redistributed via the network between collaborating edge nodes.</a:t>
-            </a:r>
-            <a:endParaRPr lang="en-US" sz="1000" dirty="0"/>
+              <a:rPr lang="en-US" sz="1450" dirty="0">
+                <a:ea typeface="+mn-lt"/>
+                <a:cs typeface="+mn-lt"/>
+              </a:rPr>
+              <a:t> Single-Node Focus: Many existing studies assume end devices can offload tasks directly to all edge nodes, neglecting the reality that tasks must be redistributed via the network between collaborating edge nodes.  - [15][16][17]</a:t>
+            </a:r>
+            <a:endParaRPr lang="en-US" sz="1450"/>
           </a:p>
           <a:p>
             <a:pPr>
@@ -8049,13 +7071,13 @@
               <a:buNone/>
             </a:pPr>
             <a:r>
-              <a:rPr lang="en-US" sz="1000" dirty="0">
-                <a:ea typeface="+mn-lt"/>
-                <a:cs typeface="+mn-lt"/>
-              </a:rPr>
-              <a:t>     Short-Term Performance: Research on collaborative offloading often focuses on short-term gains, ignoring the long-term effects of time-varying request distributions on overall costs and performance.</a:t>
-            </a:r>
-            <a:endParaRPr lang="en-US" sz="1000" dirty="0"/>
+              <a:rPr lang="en-US" sz="1450" dirty="0">
+                <a:ea typeface="+mn-lt"/>
+                <a:cs typeface="+mn-lt"/>
+              </a:rPr>
+              <a:t>     Short-Term Performance: Research on collaborative offloading often focuses on short-term gains, ignoring the long-term effects of time-varying request distributions on overall costs and performance. - [18][19]</a:t>
+            </a:r>
+            <a:endParaRPr lang="en-US" sz="1450"/>
           </a:p>
           <a:p>
             <a:pPr>
@@ -8065,27 +7087,27 @@
               <a:buNone/>
             </a:pPr>
             <a:r>
-              <a:rPr lang="en-US" sz="1000" dirty="0">
+              <a:rPr lang="en-US" sz="1450" dirty="0">
                 <a:ea typeface="+mn-lt"/>
                 <a:cs typeface="+mn-lt"/>
               </a:rPr>
               <a:t>     DRL Drawbacks: While Deep Reinforcement Learning (DRL) is a popular approach, it suffers from significant issues for critical </a:t>
             </a:r>
             <a:r>
-              <a:rPr lang="en-US" sz="1000" dirty="0" err="1">
+              <a:rPr lang="en-US" sz="1450" err="1">
                 <a:ea typeface="+mn-lt"/>
                 <a:cs typeface="+mn-lt"/>
               </a:rPr>
               <a:t>IIoT</a:t>
             </a:r>
             <a:r>
-              <a:rPr lang="en-US" sz="1000" dirty="0">
-                <a:ea typeface="+mn-lt"/>
-                <a:cs typeface="+mn-lt"/>
-              </a:rPr>
-              <a:t> applications. Its training process is prone to instability and oscillations, and as a "black box" model, it lacks strict performance guarantees.</a:t>
-            </a:r>
-            <a:endParaRPr lang="en-US" sz="1000" dirty="0"/>
+              <a:rPr lang="en-US" sz="1450" dirty="0">
+                <a:ea typeface="+mn-lt"/>
+                <a:cs typeface="+mn-lt"/>
+              </a:rPr>
+              <a:t> applications. Its training process is prone to instability and oscillations, and as a "black box" model, it lacks strict performance guarantees. -[20][21][23]</a:t>
+            </a:r>
+            <a:endParaRPr lang="en-US" sz="1450"/>
           </a:p>
           <a:p>
             <a:pPr>
@@ -8095,27 +7117,27 @@
               <a:buNone/>
             </a:pPr>
             <a:r>
-              <a:rPr lang="en-US" sz="1000" dirty="0">
+              <a:rPr lang="en-US" sz="1450" dirty="0">
                 <a:ea typeface="+mn-lt"/>
                 <a:cs typeface="+mn-lt"/>
               </a:rPr>
               <a:t>     Lyapunov Limitations: Existing Lyapunov-based methods primarily focus on either spatial or temporal respectively and cannot be directly applied to problems with the coupled spatial and temporal dimensions present in </a:t>
             </a:r>
             <a:r>
-              <a:rPr lang="en-US" sz="1000" dirty="0" err="1">
+              <a:rPr lang="en-US" sz="1450" err="1">
                 <a:ea typeface="+mn-lt"/>
                 <a:cs typeface="+mn-lt"/>
               </a:rPr>
               <a:t>IIoT</a:t>
             </a:r>
             <a:r>
-              <a:rPr lang="en-US" sz="1000" dirty="0">
-                <a:ea typeface="+mn-lt"/>
-                <a:cs typeface="+mn-lt"/>
-              </a:rPr>
-              <a:t>.</a:t>
-            </a:r>
-            <a:endParaRPr lang="en-US" sz="1000" dirty="0"/>
+              <a:rPr lang="en-US" sz="1450" dirty="0">
+                <a:ea typeface="+mn-lt"/>
+                <a:cs typeface="+mn-lt"/>
+              </a:rPr>
+              <a:t>.- [25][26][27]</a:t>
+            </a:r>
+            <a:endParaRPr lang="en-US" sz="1450"/>
           </a:p>
           <a:p>
             <a:pPr>
@@ -8125,27 +7147,27 @@
               <a:buNone/>
             </a:pPr>
             <a:r>
-              <a:rPr lang="en-US" sz="1000" dirty="0">
+              <a:rPr lang="en-US" sz="1450" dirty="0">
                 <a:ea typeface="+mn-lt"/>
                 <a:cs typeface="+mn-lt"/>
               </a:rPr>
               <a:t>     Computational Cost: Other approaches, particularly those using graph models, often suffer from high computational costs that make them impractical for large-scale, real-time </a:t>
             </a:r>
             <a:r>
-              <a:rPr lang="en-US" sz="1000" dirty="0" err="1">
+              <a:rPr lang="en-US" sz="1450" err="1">
                 <a:ea typeface="+mn-lt"/>
                 <a:cs typeface="+mn-lt"/>
               </a:rPr>
               <a:t>IIoT</a:t>
             </a:r>
             <a:r>
-              <a:rPr lang="en-US" sz="1000" dirty="0">
-                <a:ea typeface="+mn-lt"/>
-                <a:cs typeface="+mn-lt"/>
-              </a:rPr>
-              <a:t> environments.</a:t>
-            </a:r>
-            <a:endParaRPr lang="en-US" sz="1000" dirty="0"/>
+              <a:rPr lang="en-US" sz="1450" dirty="0">
+                <a:ea typeface="+mn-lt"/>
+                <a:cs typeface="+mn-lt"/>
+              </a:rPr>
+              <a:t> environments. - [31][33]</a:t>
+            </a:r>
+            <a:endParaRPr lang="en-US" sz="1450"/>
           </a:p>
           <a:p>
             <a:pPr>
@@ -8155,13 +7177,13 @@
               <a:buNone/>
             </a:pPr>
             <a:r>
-              <a:rPr lang="en-US" sz="1000" dirty="0">
+              <a:rPr lang="en-US" sz="1450" dirty="0">
                 <a:ea typeface="+mn-lt"/>
                 <a:cs typeface="+mn-lt"/>
               </a:rPr>
               <a:t>     Lack of Real-World Validation: A critical gap is the absence of demonstrated superior performance in real engineering applications, as many solutions are difficult to implement in practice.</a:t>
             </a:r>
-            <a:endParaRPr lang="en-US" sz="1000" dirty="0"/>
+            <a:endParaRPr lang="en-US" sz="1450"/>
           </a:p>
         </p:txBody>
       </p:sp>
@@ -8186,6 +7208,14 @@
 <file path=ppt/slides/slide6.xml><?xml version="1.0" encoding="utf-8"?>
 <p:sld xmlns:a="http://schemas.openxmlformats.org/drawingml/2006/main" xmlns:r="http://schemas.openxmlformats.org/officeDocument/2006/relationships" xmlns:p="http://schemas.openxmlformats.org/presentationml/2006/main">
   <p:cSld>
+    <p:bg>
+      <p:bgPr>
+        <a:solidFill>
+          <a:schemeClr val="bg1"/>
+        </a:solidFill>
+        <a:effectLst/>
+      </p:bgPr>
+    </p:bg>
     <p:spTree>
       <p:nvGrpSpPr>
         <p:cNvPr id="1" name=""/>
@@ -8200,12 +7230,88 @@
           <a:chExt cx="0" cy="0"/>
         </a:xfrm>
       </p:grpSpPr>
-      <p:sp>
-        <p:nvSpPr>
-          <p:cNvPr id="7" name="Title 6">
-            <a:extLst>
-              <a:ext uri="{FF2B5EF4-FFF2-40B4-BE49-F238E27FC236}">
-                <a16:creationId xmlns:a16="http://schemas.microsoft.com/office/drawing/2014/main" id="{3D6F8B22-F64B-A8CC-5A68-E951398488FD}"/>
+      <p:sp useBgFill="1">
+        <p:nvSpPr>
+          <p:cNvPr id="10" name="Rectangle 9">
+            <a:extLst>
+              <a:ext uri="{FF2B5EF4-FFF2-40B4-BE49-F238E27FC236}">
+                <a16:creationId xmlns:a16="http://schemas.microsoft.com/office/drawing/2014/main" id="{37B65277-82C6-6D08-6DCA-4A7DCC3B7136}"/>
+              </a:ext>
+              <a:ext uri="{C183D7F6-B498-43B3-948B-1728B52AA6E4}">
+                <adec:decorative xmlns:adec="http://schemas.microsoft.com/office/drawing/2017/decorative" val="1"/>
+              </a:ext>
+            </a:extLst>
+          </p:cNvPr>
+          <p:cNvSpPr>
+            <a:spLocks noGrp="1" noRot="1" noChangeAspect="1" noMove="1" noResize="1" noEditPoints="1" noAdjustHandles="1" noChangeArrowheads="1" noChangeShapeType="1" noTextEdit="1"/>
+          </p:cNvSpPr>
+          <p:nvPr>
+            <p:extLst>
+              <p:ext uri="{386F3935-93C4-4BCD-93E2-E3B085C9AB24}">
+                <p16:designElem xmlns:p16="http://schemas.microsoft.com/office/powerpoint/2015/main" val="1"/>
+              </p:ext>
+            </p:extLst>
+          </p:nvPr>
+        </p:nvSpPr>
+        <p:spPr>
+          <a:xfrm>
+            <a:off x="0" y="0"/>
+            <a:ext cx="12192000" cy="6858000"/>
+          </a:xfrm>
+          <a:prstGeom prst="rect">
+            <a:avLst/>
+          </a:prstGeom>
+          <a:ln w="12700" cap="flat" cmpd="sng" algn="ctr">
+            <a:noFill/>
+            <a:prstDash val="solid"/>
+            <a:miter lim="800000"/>
+          </a:ln>
+          <a:effectLst/>
+          <a:extLst>
+            <a:ext uri="{91240B29-F687-4F45-9708-019B960494DF}">
+              <a14:hiddenLine xmlns:a14="http://schemas.microsoft.com/office/drawing/2010/main" w="12700" cap="flat" cmpd="sng" algn="ctr">
+                <a:solidFill>
+                  <a:schemeClr val="accent1">
+                    <a:shade val="15000"/>
+                  </a:schemeClr>
+                </a:solidFill>
+                <a:prstDash val="solid"/>
+                <a:miter lim="800000"/>
+              </a14:hiddenLine>
+            </a:ext>
+          </a:extLst>
+        </p:spPr>
+        <p:style>
+          <a:lnRef idx="2">
+            <a:schemeClr val="accent1">
+              <a:shade val="15000"/>
+            </a:schemeClr>
+          </a:lnRef>
+          <a:fillRef idx="1">
+            <a:schemeClr val="accent1"/>
+          </a:fillRef>
+          <a:effectRef idx="0">
+            <a:schemeClr val="accent1"/>
+          </a:effectRef>
+          <a:fontRef idx="minor">
+            <a:schemeClr val="lt1"/>
+          </a:fontRef>
+        </p:style>
+        <p:txBody>
+          <a:bodyPr rtlCol="0" anchor="ctr"/>
+          <a:lstStyle/>
+          <a:p>
+            <a:pPr algn="ctr"/>
+            <a:endParaRPr lang="en-US"/>
+          </a:p>
+        </p:txBody>
+      </p:sp>
+      <p:sp>
+        <p:nvSpPr>
+          <p:cNvPr id="2" name="Title 1">
+            <a:extLst>
+              <a:ext uri="{FF2B5EF4-FFF2-40B4-BE49-F238E27FC236}">
+                <a16:creationId xmlns:a16="http://schemas.microsoft.com/office/drawing/2014/main" id="{6875C310-5769-FAF7-3F3C-853C7FAF9202}"/>
               </a:ext>
             </a:extLst>
           </p:cNvPr>
@@ -8216,116 +7322,326 @@
             <p:ph type="title"/>
           </p:nvPr>
         </p:nvSpPr>
-        <p:spPr/>
-        <p:txBody>
-          <a:bodyPr/>
-          <a:lstStyle/>
-          <a:p>
-            <a:r>
-              <a:rPr lang="en-US" dirty="0"/>
-              <a:t>Contribution of this paper</a:t>
-            </a:r>
-            <a:endParaRPr lang="en-IN" dirty="0"/>
-          </a:p>
-        </p:txBody>
-      </p:sp>
-      <p:sp>
-        <p:nvSpPr>
-          <p:cNvPr id="8" name="Content Placeholder 7">
-            <a:extLst>
-              <a:ext uri="{FF2B5EF4-FFF2-40B4-BE49-F238E27FC236}">
-                <a16:creationId xmlns:a16="http://schemas.microsoft.com/office/drawing/2014/main" id="{7729EF1E-4A3A-B7A6-5832-348627EE7950}"/>
-              </a:ext>
-            </a:extLst>
-          </p:cNvPr>
-          <p:cNvSpPr>
-            <a:spLocks noGrp="1"/>
-          </p:cNvSpPr>
-          <p:nvPr>
-            <p:ph idx="1"/>
-          </p:nvPr>
-        </p:nvSpPr>
-        <p:spPr/>
-        <p:txBody>
-          <a:bodyPr>
-            <a:normAutofit fontScale="85000" lnSpcReduction="10000"/>
+        <p:spPr>
+          <a:xfrm>
+            <a:off x="3889248" y="546354"/>
+            <a:ext cx="5862396" cy="612648"/>
+          </a:xfrm>
+        </p:spPr>
+        <p:txBody>
+          <a:bodyPr anchor="b">
+            <a:normAutofit/>
           </a:bodyPr>
           <a:lstStyle/>
           <a:p>
-            <a:pPr marL="0" indent="0">
+            <a:r>
+              <a:rPr lang="en-US"/>
+              <a:t>Architecture Overview</a:t>
+            </a:r>
+            <a:endParaRPr lang="en-IN"/>
+          </a:p>
+        </p:txBody>
+      </p:sp>
+      <p:sp>
+        <p:nvSpPr>
+          <p:cNvPr id="3" name="Content Placeholder 2">
+            <a:extLst>
+              <a:ext uri="{FF2B5EF4-FFF2-40B4-BE49-F238E27FC236}">
+                <a16:creationId xmlns:a16="http://schemas.microsoft.com/office/drawing/2014/main" id="{D9137E4A-1A00-503C-D89C-DC5C3B818EC4}"/>
+              </a:ext>
+            </a:extLst>
+          </p:cNvPr>
+          <p:cNvSpPr>
+            <a:spLocks noGrp="1"/>
+          </p:cNvSpPr>
+          <p:nvPr>
+            <p:ph idx="1"/>
+          </p:nvPr>
+        </p:nvSpPr>
+        <p:spPr>
+          <a:xfrm>
+            <a:off x="220103" y="1511173"/>
+            <a:ext cx="6767271" cy="5019859"/>
+          </a:xfrm>
+        </p:spPr>
+        <p:txBody>
+          <a:bodyPr vert="horz" lIns="91440" tIns="45720" rIns="91440" bIns="45720" rtlCol="0" anchor="t">
+            <a:normAutofit fontScale="62500" lnSpcReduction="20000"/>
+          </a:bodyPr>
+          <a:lstStyle/>
+          <a:p>
+            <a:pPr>
               <a:buNone/>
             </a:pPr>
             <a:r>
-              <a:rPr lang="en-IN" dirty="0"/>
-              <a:t>A Novel Integrated Framework:</a:t>
-            </a:r>
-            <a:endParaRPr lang="en-US" b="1" dirty="0"/>
-          </a:p>
-          <a:p>
-            <a:r>
-              <a:rPr lang="en-US" b="1" dirty="0"/>
-              <a:t>Lyapunov Optimization + Graph Models:</a:t>
-            </a:r>
-            <a:r>
-              <a:rPr lang="en-US" dirty="0"/>
-              <a:t> The paper's primary contribution is a unique, integrated framework that combines Lyapunov optimization (to manage long-term costs) with a graph-based model (to handle spatial non-uniformity). This is the first approach to effectively address both the time-varying and geographically distributed nature of the </a:t>
-            </a:r>
-            <a:r>
-              <a:rPr lang="en-US" dirty="0" err="1"/>
+              <a:rPr lang="en-US" sz="2800" b="1" dirty="0">
+                <a:ea typeface="+mn-lt"/>
+                <a:cs typeface="+mn-lt"/>
+              </a:rPr>
+              <a:t>1. User Plane: </a:t>
+            </a:r>
+            <a:r>
+              <a:rPr lang="en-US" sz="2800" b="1" dirty="0" err="1">
+                <a:ea typeface="+mn-lt"/>
+                <a:cs typeface="+mn-lt"/>
+              </a:rPr>
               <a:t>IIoT</a:t>
             </a:r>
             <a:r>
-              <a:rPr lang="en-US" dirty="0"/>
-              <a:t> task scheduling problem.</a:t>
-            </a:r>
-          </a:p>
-          <a:p>
-            <a:pPr marL="0" indent="0">
+              <a:rPr lang="en-US" sz="2800" b="1" dirty="0">
+                <a:ea typeface="+mn-lt"/>
+                <a:cs typeface="+mn-lt"/>
+              </a:rPr>
+              <a:t> Devices</a:t>
+            </a:r>
+            <a:br>
+              <a:rPr lang="en-US" sz="2800" b="1" dirty="0">
+                <a:ea typeface="+mn-lt"/>
+                <a:cs typeface="+mn-lt"/>
+              </a:rPr>
+            </a:br>
+            <a:r>
+              <a:rPr lang="en-US" sz="2800" b="1" dirty="0">
+                <a:ea typeface="+mn-lt"/>
+                <a:cs typeface="+mn-lt"/>
+              </a:rPr>
+              <a:t> </a:t>
+            </a:r>
+            <a:r>
+              <a:rPr lang="en-US" sz="2800" i="1" dirty="0">
+                <a:ea typeface="+mn-lt"/>
+                <a:cs typeface="+mn-lt"/>
+              </a:rPr>
+              <a:t>What it is:</a:t>
+            </a:r>
+            <a:r>
+              <a:rPr lang="en-US" sz="2800" dirty="0">
+                <a:ea typeface="+mn-lt"/>
+                <a:cs typeface="+mn-lt"/>
+              </a:rPr>
+              <a:t> Data sources like sensors, robots, and smart machines in factories.</a:t>
+            </a:r>
+            <a:br>
+              <a:rPr lang="en-US" sz="2800" dirty="0">
+                <a:ea typeface="+mn-lt"/>
+                <a:cs typeface="+mn-lt"/>
+              </a:rPr>
+            </a:br>
+            <a:r>
+              <a:rPr lang="en-US" sz="2800" dirty="0">
+                <a:ea typeface="+mn-lt"/>
+                <a:cs typeface="+mn-lt"/>
+              </a:rPr>
+              <a:t> </a:t>
+            </a:r>
+            <a:r>
+              <a:rPr lang="en-US" sz="2800" i="1" dirty="0">
+                <a:ea typeface="+mn-lt"/>
+                <a:cs typeface="+mn-lt"/>
+              </a:rPr>
+              <a:t>What it does:</a:t>
+            </a:r>
+            <a:r>
+              <a:rPr lang="en-US" sz="2800" dirty="0">
+                <a:ea typeface="+mn-lt"/>
+                <a:cs typeface="+mn-lt"/>
+              </a:rPr>
+              <a:t> Generate real-time data and send service requests to the nearest Access Point (AP).</a:t>
+            </a:r>
+            <a:endParaRPr lang="en-US" dirty="0"/>
+          </a:p>
+          <a:p>
+            <a:pPr>
               <a:buNone/>
             </a:pPr>
             <a:r>
-              <a:rPr lang="en-IN" dirty="0"/>
-              <a:t>Enhanced Scalability and Efficiency:</a:t>
-            </a:r>
-          </a:p>
-          <a:p>
-            <a:r>
-              <a:rPr lang="en-US" b="1" dirty="0"/>
-              <a:t>Heuristic-Based Hierarchical Optimization:</a:t>
-            </a:r>
-            <a:r>
-              <a:rPr lang="en-US" dirty="0"/>
-              <a:t> To tackle the computationally complex (NP-hard) nature of the problem, the paper introduces a two-stage heuristic approach. This breaks the problem into a simpler category assignment and a task scheduling sub-problem, significantly improving efficiency.</a:t>
-            </a:r>
-          </a:p>
-          <a:p>
-            <a:r>
-              <a:rPr lang="en-US" b="1" dirty="0"/>
-              <a:t>Imitation Learning for Acceleration:</a:t>
-            </a:r>
-            <a:r>
-              <a:rPr lang="en-US" dirty="0"/>
-              <a:t> For large-scale systems, an imitation learning-based scheme is introduced. This trains a neural network to mimic the heuristic's decisions, providing a significant reduction in runtime and making the solution practical for very large networks.</a:t>
-            </a:r>
-          </a:p>
-          <a:p>
-            <a:pPr marL="0" indent="0">
+              <a:rPr lang="en-US" sz="2800" b="1" dirty="0">
+                <a:ea typeface="+mn-lt"/>
+                <a:cs typeface="+mn-lt"/>
+              </a:rPr>
+              <a:t>2. Edge Computing Plane: Local Network</a:t>
+            </a:r>
+            <a:br>
+              <a:rPr lang="en-US" sz="2800" b="1" dirty="0">
+                <a:ea typeface="+mn-lt"/>
+                <a:cs typeface="+mn-lt"/>
+              </a:rPr>
+            </a:br>
+            <a:r>
+              <a:rPr lang="en-US" sz="2800" b="1" dirty="0">
+                <a:ea typeface="+mn-lt"/>
+                <a:cs typeface="+mn-lt"/>
+              </a:rPr>
+              <a:t> </a:t>
+            </a:r>
+            <a:r>
+              <a:rPr lang="en-US" sz="2800" i="1" dirty="0">
+                <a:ea typeface="+mn-lt"/>
+                <a:cs typeface="+mn-lt"/>
+              </a:rPr>
+              <a:t>What it is:</a:t>
+            </a:r>
+            <a:r>
+              <a:rPr lang="en-US" sz="2800" dirty="0">
+                <a:ea typeface="+mn-lt"/>
+                <a:cs typeface="+mn-lt"/>
+              </a:rPr>
+              <a:t> Each factory’s AP and Edge Server (ES), connected to other factories.</a:t>
+            </a:r>
+            <a:br>
+              <a:rPr lang="en-US" sz="2800" dirty="0">
+                <a:ea typeface="+mn-lt"/>
+                <a:cs typeface="+mn-lt"/>
+              </a:rPr>
+            </a:br>
+            <a:r>
+              <a:rPr lang="en-US" sz="2800" dirty="0">
+                <a:ea typeface="+mn-lt"/>
+                <a:cs typeface="+mn-lt"/>
+              </a:rPr>
+              <a:t> </a:t>
+            </a:r>
+            <a:r>
+              <a:rPr lang="en-US" sz="2800" i="1" dirty="0">
+                <a:ea typeface="+mn-lt"/>
+                <a:cs typeface="+mn-lt"/>
+              </a:rPr>
+              <a:t>What it does:</a:t>
+            </a:r>
+            <a:r>
+              <a:rPr lang="en-US" sz="2800" dirty="0">
+                <a:ea typeface="+mn-lt"/>
+                <a:cs typeface="+mn-lt"/>
+              </a:rPr>
+              <a:t> AP handles requests; With the help of </a:t>
+            </a:r>
+            <a:r>
+              <a:rPr lang="en-US" sz="2900" dirty="0">
+                <a:ea typeface="+mn-lt"/>
+                <a:cs typeface="+mn-lt"/>
+              </a:rPr>
+              <a:t>Central Controller, decision is made to process the request in the same ES or offload it elsewhere</a:t>
+            </a:r>
+            <a:endParaRPr lang="en-US" sz="2800" dirty="0">
+              <a:ea typeface="+mn-lt"/>
+              <a:cs typeface="+mn-lt"/>
+            </a:endParaRPr>
+          </a:p>
+          <a:p>
+            <a:pPr>
               <a:buNone/>
             </a:pPr>
-            <a:endParaRPr lang="en-US" dirty="0"/>
-          </a:p>
-          <a:p>
-            <a:pPr marL="0" indent="0">
+            <a:r>
+              <a:rPr lang="en-US" sz="2800" b="1" dirty="0">
+                <a:ea typeface="+mn-lt"/>
+                <a:cs typeface="+mn-lt"/>
+              </a:rPr>
+              <a:t>3. Central Controller: The Brain</a:t>
+            </a:r>
+            <a:br>
+              <a:rPr lang="en-US" sz="2800" b="1" dirty="0">
+                <a:ea typeface="+mn-lt"/>
+                <a:cs typeface="+mn-lt"/>
+              </a:rPr>
+            </a:br>
+            <a:r>
+              <a:rPr lang="en-US" sz="2800" b="1" dirty="0">
+                <a:ea typeface="+mn-lt"/>
+                <a:cs typeface="+mn-lt"/>
+              </a:rPr>
+              <a:t> </a:t>
+            </a:r>
+            <a:r>
+              <a:rPr lang="en-US" sz="2800" i="1" dirty="0">
+                <a:ea typeface="+mn-lt"/>
+                <a:cs typeface="+mn-lt"/>
+              </a:rPr>
+              <a:t>What it is:</a:t>
+            </a:r>
+            <a:r>
+              <a:rPr lang="en-US" sz="2800" dirty="0">
+                <a:ea typeface="+mn-lt"/>
+                <a:cs typeface="+mn-lt"/>
+              </a:rPr>
+              <a:t> The system’s decision-making core.</a:t>
+            </a:r>
+            <a:br>
+              <a:rPr lang="en-US" sz="2800" dirty="0">
+                <a:ea typeface="+mn-lt"/>
+                <a:cs typeface="+mn-lt"/>
+              </a:rPr>
+            </a:br>
+            <a:r>
+              <a:rPr lang="en-US" sz="2800" dirty="0">
+                <a:ea typeface="+mn-lt"/>
+                <a:cs typeface="+mn-lt"/>
+              </a:rPr>
+              <a:t> </a:t>
+            </a:r>
+            <a:r>
+              <a:rPr lang="en-US" sz="2800" i="1" dirty="0">
+                <a:ea typeface="+mn-lt"/>
+                <a:cs typeface="+mn-lt"/>
+              </a:rPr>
+              <a:t>What it does:</a:t>
+            </a:r>
+            <a:r>
+              <a:rPr lang="en-US" sz="2800" dirty="0">
+                <a:ea typeface="+mn-lt"/>
+                <a:cs typeface="+mn-lt"/>
+              </a:rPr>
+              <a:t> Monitors system status and adjusts task scheduling in real time, instructing APs where to route tasks—separating resource allocation from scheduling.</a:t>
+            </a:r>
+            <a:endParaRPr lang="en-US" dirty="0">
+              <a:ea typeface="+mn-lt"/>
+              <a:cs typeface="+mn-lt"/>
+            </a:endParaRPr>
+          </a:p>
+          <a:p>
+            <a:pPr>
+              <a:lnSpc>
+                <a:spcPct val="110000"/>
+              </a:lnSpc>
               <a:buNone/>
             </a:pPr>
-            <a:endParaRPr lang="en-IN" dirty="0"/>
-          </a:p>
-        </p:txBody>
-      </p:sp>
+            <a:endParaRPr lang="en-US" sz="2800"/>
+          </a:p>
+        </p:txBody>
+      </p:sp>
+      <p:pic>
+        <p:nvPicPr>
+          <p:cNvPr id="5" name="Content Placeholder 3" descr="A diagram of a computer network&#10;&#10;AI-generated content may be incorrect.">
+            <a:extLst>
+              <a:ext uri="{FF2B5EF4-FFF2-40B4-BE49-F238E27FC236}">
+                <a16:creationId xmlns:a16="http://schemas.microsoft.com/office/drawing/2014/main" id="{2E18BCC4-16BB-8983-1B18-3DF009422E7D}"/>
+              </a:ext>
+            </a:extLst>
+          </p:cNvPr>
+          <p:cNvPicPr>
+            <a:picLocks noChangeAspect="1"/>
+          </p:cNvPicPr>
+          <p:nvPr/>
+        </p:nvPicPr>
+        <p:blipFill>
+          <a:blip r:embed="rId2"/>
+          <a:stretch>
+            <a:fillRect/>
+          </a:stretch>
+        </p:blipFill>
+        <p:spPr>
+          <a:xfrm>
+            <a:off x="7195881" y="1806425"/>
+            <a:ext cx="4681506" cy="3955872"/>
+          </a:xfrm>
+          <a:prstGeom prst="rect">
+            <a:avLst/>
+          </a:prstGeom>
+        </p:spPr>
+      </p:pic>
     </p:spTree>
     <p:extLst>
       <p:ext uri="{BB962C8B-B14F-4D97-AF65-F5344CB8AC3E}">
-        <p14:creationId xmlns:p14="http://schemas.microsoft.com/office/powerpoint/2010/main" val="1152254446"/>
+        <p14:creationId xmlns:p14="http://schemas.microsoft.com/office/powerpoint/2010/main" val="2613395124"/>
       </p:ext>
     </p:extLst>
   </p:cSld>
@@ -8354,10 +7670,10 @@
       </p:grpSpPr>
       <p:sp>
         <p:nvSpPr>
-          <p:cNvPr id="2" name="Title 1">
-            <a:extLst>
-              <a:ext uri="{FF2B5EF4-FFF2-40B4-BE49-F238E27FC236}">
-                <a16:creationId xmlns:a16="http://schemas.microsoft.com/office/drawing/2014/main" id="{6875C310-5769-FAF7-3F3C-853C7FAF9202}"/>
+          <p:cNvPr id="7" name="Title 6">
+            <a:extLst>
+              <a:ext uri="{FF2B5EF4-FFF2-40B4-BE49-F238E27FC236}">
+                <a16:creationId xmlns:a16="http://schemas.microsoft.com/office/drawing/2014/main" id="{3D6F8B22-F64B-A8CC-5A68-E951398488FD}"/>
               </a:ext>
             </a:extLst>
           </p:cNvPr>
@@ -8373,21 +7689,20 @@
           <a:bodyPr/>
           <a:lstStyle/>
           <a:p>
-            <a:pPr algn="ctr"/>
-            <a:r>
-              <a:rPr lang="en-US" dirty="0"/>
-              <a:t>Architecture Overview</a:t>
-            </a:r>
-            <a:endParaRPr lang="en-IN" dirty="0"/>
-          </a:p>
-        </p:txBody>
-      </p:sp>
-      <p:sp>
-        <p:nvSpPr>
-          <p:cNvPr id="3" name="Content Placeholder 2">
-            <a:extLst>
-              <a:ext uri="{FF2B5EF4-FFF2-40B4-BE49-F238E27FC236}">
-                <a16:creationId xmlns:a16="http://schemas.microsoft.com/office/drawing/2014/main" id="{D9137E4A-1A00-503C-D89C-DC5C3B818EC4}"/>
+            <a:r>
+              <a:rPr lang="en-US"/>
+              <a:t>Contribution of this paper</a:t>
+            </a:r>
+            <a:endParaRPr lang="en-IN"/>
+          </a:p>
+        </p:txBody>
+      </p:sp>
+      <p:sp>
+        <p:nvSpPr>
+          <p:cNvPr id="8" name="Content Placeholder 7">
+            <a:extLst>
+              <a:ext uri="{FF2B5EF4-FFF2-40B4-BE49-F238E27FC236}">
+                <a16:creationId xmlns:a16="http://schemas.microsoft.com/office/drawing/2014/main" id="{7729EF1E-4A3A-B7A6-5832-348627EE7950}"/>
               </a:ext>
             </a:extLst>
           </p:cNvPr>
@@ -8400,222 +7715,223 @@
         </p:nvSpPr>
         <p:spPr/>
         <p:txBody>
-          <a:bodyPr>
-            <a:normAutofit fontScale="55000" lnSpcReduction="20000"/>
+          <a:bodyPr vert="horz" lIns="91440" tIns="45720" rIns="91440" bIns="45720" rtlCol="0" anchor="t">
+            <a:normAutofit fontScale="77500" lnSpcReduction="20000"/>
           </a:bodyPr>
           <a:lstStyle/>
           <a:p>
+            <a:pPr>
+              <a:buNone/>
+            </a:pPr>
+            <a:r>
+              <a:rPr lang="en-IN"/>
+              <a:t>1. Problem Formulation &amp; Online Optimization</a:t>
+            </a:r>
+            <a:endParaRPr lang="en-US"/>
+          </a:p>
+          <a:p>
+            <a:pPr>
+              <a:buFont typeface="Arial"/>
+              <a:buChar char="•"/>
+            </a:pPr>
+            <a:r>
+              <a:rPr lang="en-IN" b="1">
+                <a:ea typeface="+mn-lt"/>
+                <a:cs typeface="+mn-lt"/>
+              </a:rPr>
+              <a:t>Dynamic Task Scheduling:</a:t>
+            </a:r>
+            <a:r>
+              <a:rPr lang="en-IN">
+                <a:ea typeface="+mn-lt"/>
+                <a:cs typeface="+mn-lt"/>
+              </a:rPr>
+              <a:t> The paper formulates the dynamic task scheduling in collaborative edge computing as a </a:t>
+            </a:r>
+            <a:r>
+              <a:rPr lang="en-IN" b="1">
+                <a:ea typeface="+mn-lt"/>
+                <a:cs typeface="+mn-lt"/>
+              </a:rPr>
+              <a:t>stochastic optimization problem</a:t>
+            </a:r>
+            <a:r>
+              <a:rPr lang="en-IN">
+                <a:ea typeface="+mn-lt"/>
+                <a:cs typeface="+mn-lt"/>
+              </a:rPr>
+              <a:t>.</a:t>
+            </a:r>
+            <a:endParaRPr lang="en-IN"/>
+          </a:p>
+          <a:p>
+            <a:pPr>
+              <a:buFont typeface="Arial"/>
+              <a:buChar char="•"/>
+            </a:pPr>
+            <a:r>
+              <a:rPr lang="en-IN" b="1">
+                <a:ea typeface="+mn-lt"/>
+                <a:cs typeface="+mn-lt"/>
+              </a:rPr>
+              <a:t>Long-Term Goals:</a:t>
+            </a:r>
+            <a:r>
+              <a:rPr lang="en-IN">
+                <a:ea typeface="+mn-lt"/>
+                <a:cs typeface="+mn-lt"/>
+              </a:rPr>
+              <a:t> It aims to optimize </a:t>
+            </a:r>
+            <a:r>
+              <a:rPr lang="en-IN" b="1">
+                <a:ea typeface="+mn-lt"/>
+                <a:cs typeface="+mn-lt"/>
+              </a:rPr>
+              <a:t>long-term average task processing delay</a:t>
+            </a:r>
+            <a:r>
+              <a:rPr lang="en-IN">
+                <a:ea typeface="+mn-lt"/>
+                <a:cs typeface="+mn-lt"/>
+              </a:rPr>
+              <a:t> under a constraint of </a:t>
+            </a:r>
+            <a:r>
+              <a:rPr lang="en-IN" b="1">
+                <a:ea typeface="+mn-lt"/>
+                <a:cs typeface="+mn-lt"/>
+              </a:rPr>
+              <a:t>long-term operational cost</a:t>
+            </a:r>
+            <a:r>
+              <a:rPr lang="en-IN">
+                <a:ea typeface="+mn-lt"/>
+                <a:cs typeface="+mn-lt"/>
+              </a:rPr>
+              <a:t>.</a:t>
+            </a:r>
+            <a:endParaRPr lang="en-IN"/>
+          </a:p>
+          <a:p>
+            <a:pPr>
+              <a:buFont typeface="Arial"/>
+              <a:buChar char="•"/>
+            </a:pPr>
+            <a:r>
+              <a:rPr lang="en-IN" b="1">
+                <a:ea typeface="+mn-lt"/>
+                <a:cs typeface="+mn-lt"/>
+              </a:rPr>
+              <a:t>Online Decision-Making:</a:t>
+            </a:r>
+            <a:r>
+              <a:rPr lang="en-IN">
+                <a:ea typeface="+mn-lt"/>
+                <a:cs typeface="+mn-lt"/>
+              </a:rPr>
+              <a:t> It employs </a:t>
+            </a:r>
+            <a:r>
+              <a:rPr lang="en-IN" b="1">
+                <a:ea typeface="+mn-lt"/>
+                <a:cs typeface="+mn-lt"/>
+              </a:rPr>
+              <a:t>Lyapunov optimization</a:t>
+            </a:r>
+            <a:r>
+              <a:rPr lang="en-IN">
+                <a:ea typeface="+mn-lt"/>
+                <a:cs typeface="+mn-lt"/>
+              </a:rPr>
+              <a:t> to make real-time scheduling decisions without needing prior knowledge of future system states.</a:t>
+            </a:r>
+            <a:endParaRPr lang="en-IN"/>
+          </a:p>
+          <a:p>
+            <a:pPr>
+              <a:buNone/>
+            </a:pPr>
+            <a:r>
+              <a:rPr lang="en-IN"/>
+              <a:t>2. Novel Solution Approach</a:t>
+            </a:r>
+          </a:p>
+          <a:p>
+            <a:pPr>
+              <a:buFont typeface="Arial"/>
+              <a:buChar char="•"/>
+            </a:pPr>
+            <a:r>
+              <a:rPr lang="en-IN" b="1">
+                <a:ea typeface="+mn-lt"/>
+                <a:cs typeface="+mn-lt"/>
+              </a:rPr>
+              <a:t>Graph Model Integration:</a:t>
+            </a:r>
+            <a:r>
+              <a:rPr lang="en-IN">
+                <a:ea typeface="+mn-lt"/>
+                <a:cs typeface="+mn-lt"/>
+              </a:rPr>
+              <a:t> A graph model is introduced to guide optimal task scheduling decisions, especially for the NP-hard subproblems derived from Lyapunov optimization.</a:t>
+            </a:r>
+            <a:endParaRPr lang="en-IN"/>
+          </a:p>
+          <a:p>
+            <a:pPr>
+              <a:buFont typeface="Arial"/>
+              <a:buChar char="•"/>
+            </a:pPr>
+            <a:r>
+              <a:rPr lang="en-IN" b="1">
+                <a:ea typeface="+mn-lt"/>
+                <a:cs typeface="+mn-lt"/>
+              </a:rPr>
+              <a:t>Two-Stage Heuristic Algorithm:</a:t>
+            </a:r>
+            <a:r>
+              <a:rPr lang="en-IN">
+                <a:ea typeface="+mn-lt"/>
+                <a:cs typeface="+mn-lt"/>
+              </a:rPr>
+              <a:t> A two-stage heuristic algorithm is developed to find near-optimal solutions efficiently.</a:t>
+            </a:r>
+            <a:endParaRPr lang="en-IN"/>
+          </a:p>
+          <a:p>
+            <a:pPr>
+              <a:buFont typeface="Arial"/>
+              <a:buChar char="•"/>
+            </a:pPr>
+            <a:r>
+              <a:rPr lang="en-IN" b="1">
+                <a:ea typeface="+mn-lt"/>
+                <a:cs typeface="+mn-lt"/>
+              </a:rPr>
+              <a:t>Imitation Learning for Acceleration:</a:t>
+            </a:r>
+            <a:r>
+              <a:rPr lang="en-IN">
+                <a:ea typeface="+mn-lt"/>
+                <a:cs typeface="+mn-lt"/>
+              </a:rPr>
+              <a:t> An imitation learning-based scheme is developed to further reduce the algorithm's execution time, enhancing scalability.</a:t>
+            </a:r>
+            <a:endParaRPr lang="en-IN"/>
+          </a:p>
+          <a:p>
             <a:pPr marL="0" indent="0">
               <a:buNone/>
             </a:pPr>
-            <a:r>
-              <a:rPr lang="en-US" b="1" dirty="0"/>
-              <a:t>1. User Plane: </a:t>
-            </a:r>
-            <a:r>
-              <a:rPr lang="en-US" b="1" dirty="0" err="1"/>
-              <a:t>IIoT</a:t>
-            </a:r>
-            <a:r>
-              <a:rPr lang="en-US" b="1" dirty="0"/>
-              <a:t> Devices</a:t>
-            </a:r>
-          </a:p>
-          <a:p>
-            <a:r>
-              <a:rPr lang="en-US" dirty="0"/>
-              <a:t>This plane consists of </a:t>
-            </a:r>
-            <a:r>
-              <a:rPr lang="en-US" b="1" dirty="0" err="1"/>
-              <a:t>IIoT</a:t>
-            </a:r>
-            <a:r>
-              <a:rPr lang="en-US" b="1" dirty="0"/>
-              <a:t> devices</a:t>
-            </a:r>
-            <a:r>
-              <a:rPr lang="en-US" dirty="0"/>
-              <a:t> (e.g., sensors, robots, smart machinery) distributed across various factories.</a:t>
-            </a:r>
-          </a:p>
-          <a:p>
-            <a:r>
-              <a:rPr lang="en-US" dirty="0"/>
-              <a:t>These devices generate real-time data and send </a:t>
-            </a:r>
-            <a:r>
-              <a:rPr lang="en-US" b="1" dirty="0"/>
-              <a:t>requests for services</a:t>
-            </a:r>
-            <a:r>
-              <a:rPr lang="en-US" dirty="0"/>
-              <a:t> to the closest </a:t>
-            </a:r>
-            <a:r>
-              <a:rPr lang="en-US" b="1" dirty="0"/>
-              <a:t>Access Point (AP)</a:t>
-            </a:r>
-            <a:r>
-              <a:rPr lang="en-US" dirty="0"/>
-              <a:t> located within their own factory.</a:t>
-            </a:r>
-          </a:p>
-          <a:p>
-            <a:endParaRPr lang="en-US" dirty="0"/>
-          </a:p>
-          <a:p>
-            <a:pPr marL="0" indent="0">
-              <a:buNone/>
-            </a:pPr>
-            <a:r>
-              <a:rPr lang="en-US" b="1" dirty="0"/>
-              <a:t>2. Edge Computing Plane: APs, Edge Servers, and Inter-factory Network</a:t>
-            </a:r>
-          </a:p>
-          <a:p>
-            <a:r>
-              <a:rPr lang="en-US" dirty="0"/>
-              <a:t>Each factory is equipped with an </a:t>
-            </a:r>
-            <a:r>
-              <a:rPr lang="en-US" b="1" dirty="0"/>
-              <a:t>Access Point (AP)</a:t>
-            </a:r>
-            <a:r>
-              <a:rPr lang="en-US" dirty="0"/>
-              <a:t> and a powerful </a:t>
-            </a:r>
-            <a:r>
-              <a:rPr lang="en-US" b="1" dirty="0"/>
-              <a:t>Edge Server (ES)</a:t>
-            </a:r>
-            <a:r>
-              <a:rPr lang="en-US" dirty="0"/>
-              <a:t>. The AP receives the service requests from the </a:t>
-            </a:r>
-            <a:r>
-              <a:rPr lang="en-US" dirty="0" err="1"/>
-              <a:t>IIoT</a:t>
-            </a:r>
-            <a:r>
-              <a:rPr lang="en-US" dirty="0"/>
-              <a:t> devices.</a:t>
-            </a:r>
-          </a:p>
-          <a:p>
-            <a:r>
-              <a:rPr lang="en-US" dirty="0"/>
-              <a:t>The </a:t>
-            </a:r>
-            <a:r>
-              <a:rPr lang="en-US" b="1" dirty="0"/>
-              <a:t>Edge Servers</a:t>
-            </a:r>
-            <a:r>
-              <a:rPr lang="en-US" dirty="0"/>
-              <a:t> are responsible for processing these requests. Due to privacy concerns, the initial processing is confined to the factory's local ES.</a:t>
-            </a:r>
-          </a:p>
-          <a:p>
-            <a:r>
-              <a:rPr lang="en-US" dirty="0"/>
-              <a:t>The </a:t>
-            </a:r>
-            <a:r>
-              <a:rPr lang="en-US" b="1" dirty="0"/>
-              <a:t>factories are interconnected</a:t>
-            </a:r>
-            <a:r>
-              <a:rPr lang="en-US" dirty="0"/>
-              <a:t> via a network, enabling </a:t>
-            </a:r>
-            <a:r>
-              <a:rPr lang="en-US" b="1" dirty="0"/>
-              <a:t>horizontal collaboration</a:t>
-            </a:r>
-            <a:r>
-              <a:rPr lang="en-US" dirty="0"/>
-              <a:t>. This allows an AP to forward tasks to other ESs in different factories if its local ES is overloaded or if another ES is better suited to handle the task.</a:t>
-            </a:r>
-          </a:p>
-          <a:p>
-            <a:endParaRPr lang="en-US" dirty="0"/>
-          </a:p>
-          <a:p>
-            <a:pPr marL="0" indent="0">
-              <a:buNone/>
-            </a:pPr>
-            <a:r>
-              <a:rPr lang="en-US" b="1" dirty="0"/>
-              <a:t>3. Central Controller: The Brain</a:t>
-            </a:r>
-          </a:p>
-          <a:p>
-            <a:r>
-              <a:rPr lang="en-US" dirty="0"/>
-              <a:t>This is the central entity that oversees the entire system. It is responsible for making all the high-level task scheduling decisions.</a:t>
-            </a:r>
-          </a:p>
-          <a:p>
-            <a:r>
-              <a:rPr lang="en-US" dirty="0"/>
-              <a:t>It constantly </a:t>
-            </a:r>
-            <a:r>
-              <a:rPr lang="en-US" b="1" dirty="0"/>
-              <a:t>senses the system state</a:t>
-            </a:r>
-            <a:r>
-              <a:rPr lang="en-US" dirty="0"/>
-              <a:t>, including the number of new requests at each AP and the available resources at each ES.</a:t>
-            </a:r>
-          </a:p>
-          <a:p>
-            <a:r>
-              <a:rPr lang="en-US" dirty="0"/>
-              <a:t>Based on its analysis, it dynamically adjusts the </a:t>
-            </a:r>
-            <a:r>
-              <a:rPr lang="en-US" b="1" dirty="0"/>
-              <a:t>task scheduling strategies</a:t>
-            </a:r>
-            <a:r>
-              <a:rPr lang="en-US" dirty="0"/>
-              <a:t> and dispatches these policies to the APs. The APs then use these policies to decide whether to process tasks locally or redistribute them to other collaborating edge nodes.</a:t>
-            </a:r>
-          </a:p>
-          <a:p>
-            <a:r>
-              <a:rPr lang="en-US" dirty="0"/>
-              <a:t>The Central Controller effectively decouples </a:t>
-            </a:r>
-            <a:r>
-              <a:rPr lang="en-US" b="1" dirty="0"/>
-              <a:t>slow-changing resource allocation</a:t>
-            </a:r>
-            <a:r>
-              <a:rPr lang="en-US" dirty="0"/>
-              <a:t> (e.g., how much CPU to give a service) from </a:t>
-            </a:r>
-            <a:r>
-              <a:rPr lang="en-US" b="1" dirty="0"/>
-              <a:t>fast-changing task scheduling</a:t>
-            </a:r>
-            <a:r>
-              <a:rPr lang="en-US" dirty="0"/>
-              <a:t>, which is a key design choice for a stable and efficient system.</a:t>
-            </a:r>
-          </a:p>
-          <a:p>
-            <a:endParaRPr lang="en-IN" dirty="0"/>
+            <a:endParaRPr lang="en-IN"/>
           </a:p>
         </p:txBody>
       </p:sp>
     </p:spTree>
     <p:extLst>
       <p:ext uri="{BB962C8B-B14F-4D97-AF65-F5344CB8AC3E}">
-        <p14:creationId xmlns:p14="http://schemas.microsoft.com/office/powerpoint/2010/main" val="2613395124"/>
+        <p14:creationId xmlns:p14="http://schemas.microsoft.com/office/powerpoint/2010/main" val="1152254446"/>
       </p:ext>
     </p:extLst>
   </p:cSld>
@@ -8628,6 +7944,14 @@
 <file path=ppt/slides/slide8.xml><?xml version="1.0" encoding="utf-8"?>
 <p:sld xmlns:a="http://schemas.openxmlformats.org/drawingml/2006/main" xmlns:r="http://schemas.openxmlformats.org/officeDocument/2006/relationships" xmlns:p="http://schemas.openxmlformats.org/presentationml/2006/main">
   <p:cSld>
+    <p:bg>
+      <p:bgPr>
+        <a:solidFill>
+          <a:schemeClr val="bg1"/>
+        </a:solidFill>
+        <a:effectLst/>
+      </p:bgPr>
+    </p:bg>
     <p:spTree>
       <p:nvGrpSpPr>
         <p:cNvPr id="1" name=""/>
@@ -8644,75 +7968,538 @@
       </p:grpSpPr>
       <p:sp>
         <p:nvSpPr>
-          <p:cNvPr id="2" name="Title 1">
-            <a:extLst>
-              <a:ext uri="{FF2B5EF4-FFF2-40B4-BE49-F238E27FC236}">
-                <a16:creationId xmlns:a16="http://schemas.microsoft.com/office/drawing/2014/main" id="{0D14AC92-24F2-76E2-B47D-3FEDFA6B8020}"/>
-              </a:ext>
-            </a:extLst>
-          </p:cNvPr>
-          <p:cNvSpPr>
-            <a:spLocks noGrp="1"/>
-          </p:cNvSpPr>
-          <p:nvPr>
-            <p:ph type="title"/>
-          </p:nvPr>
-        </p:nvSpPr>
-        <p:spPr/>
-        <p:txBody>
-          <a:bodyPr/>
-          <a:lstStyle/>
-          <a:p>
-            <a:pPr algn="ctr"/>
-            <a:r>
-              <a:rPr lang="en-US" dirty="0"/>
-              <a:t>Architecture Diagram  </a:t>
-            </a:r>
-          </a:p>
-        </p:txBody>
-      </p:sp>
-      <p:pic>
-        <p:nvPicPr>
-          <p:cNvPr id="4" name="Content Placeholder 3">
-            <a:extLst>
-              <a:ext uri="{FF2B5EF4-FFF2-40B4-BE49-F238E27FC236}">
-                <a16:creationId xmlns:a16="http://schemas.microsoft.com/office/drawing/2014/main" id="{6FCF1F07-BCB1-28BD-14EB-D1CA6238B1BF}"/>
-              </a:ext>
-            </a:extLst>
-          </p:cNvPr>
-          <p:cNvPicPr>
-            <a:picLocks noGrp="1" noChangeAspect="1"/>
-          </p:cNvPicPr>
-          <p:nvPr>
-            <p:ph idx="1"/>
-          </p:nvPr>
-        </p:nvPicPr>
-        <p:blipFill>
-          <a:blip r:embed="rId2"/>
-          <a:stretch>
-            <a:fillRect/>
-          </a:stretch>
-        </p:blipFill>
+          <p:cNvPr id="9" name="Rectangle 8">
+            <a:extLst>
+              <a:ext uri="{FF2B5EF4-FFF2-40B4-BE49-F238E27FC236}">
+                <a16:creationId xmlns:a16="http://schemas.microsoft.com/office/drawing/2014/main" id="{951922D2-D397-9EA4-A66D-55B0884D1A6A}"/>
+              </a:ext>
+              <a:ext uri="{C183D7F6-B498-43B3-948B-1728B52AA6E4}">
+                <adec:decorative xmlns:adec="http://schemas.microsoft.com/office/drawing/2017/decorative" val="1"/>
+              </a:ext>
+            </a:extLst>
+          </p:cNvPr>
+          <p:cNvSpPr>
+            <a:spLocks noGrp="1" noRot="1" noChangeAspect="1" noMove="1" noResize="1" noEditPoints="1" noAdjustHandles="1" noChangeArrowheads="1" noChangeShapeType="1" noTextEdit="1"/>
+          </p:cNvSpPr>
+          <p:nvPr>
+            <p:extLst>
+              <p:ext uri="{386F3935-93C4-4BCD-93E2-E3B085C9AB24}">
+                <p16:designElem xmlns:p16="http://schemas.microsoft.com/office/powerpoint/2015/main" val="1"/>
+              </p:ext>
+            </p:extLst>
+          </p:nvPr>
+        </p:nvSpPr>
         <p:spPr>
           <a:xfrm>
-            <a:off x="3503390" y="1790454"/>
-            <a:ext cx="4872093" cy="4114800"/>
+            <a:off x="0" y="0"/>
+            <a:ext cx="12192000" cy="6858000"/>
           </a:xfrm>
           <a:prstGeom prst="rect">
             <a:avLst/>
           </a:prstGeom>
+          <a:solidFill>
+            <a:schemeClr val="bg1"/>
+          </a:solidFill>
+          <a:ln w="12700" cap="flat" cmpd="sng" algn="ctr">
+            <a:noFill/>
+            <a:prstDash val="solid"/>
+            <a:miter lim="800000"/>
+          </a:ln>
+          <a:effectLst/>
+          <a:extLst>
+            <a:ext uri="{91240B29-F687-4F45-9708-019B960494DF}">
+              <a14:hiddenLine xmlns:a14="http://schemas.microsoft.com/office/drawing/2010/main" w="12700" cap="flat" cmpd="sng" algn="ctr">
+                <a:solidFill>
+                  <a:schemeClr val="accent1">
+                    <a:shade val="15000"/>
+                  </a:schemeClr>
+                </a:solidFill>
+                <a:prstDash val="solid"/>
+                <a:miter lim="800000"/>
+              </a14:hiddenLine>
+            </a:ext>
+          </a:extLst>
         </p:spPr>
-      </p:pic>
+        <p:style>
+          <a:lnRef idx="2">
+            <a:schemeClr val="accent1">
+              <a:shade val="15000"/>
+            </a:schemeClr>
+          </a:lnRef>
+          <a:fillRef idx="1">
+            <a:schemeClr val="accent1"/>
+          </a:fillRef>
+          <a:effectRef idx="0">
+            <a:schemeClr val="accent1"/>
+          </a:effectRef>
+          <a:fontRef idx="minor">
+            <a:schemeClr val="lt1"/>
+          </a:fontRef>
+        </p:style>
+        <p:txBody>
+          <a:bodyPr rtlCol="0" anchor="ctr"/>
+          <a:lstStyle/>
+          <a:p>
+            <a:pPr algn="ctr"/>
+            <a:endParaRPr lang="en-US"/>
+          </a:p>
+        </p:txBody>
+      </p:sp>
+      <p:sp>
+        <p:nvSpPr>
+          <p:cNvPr id="41" name="Title 1">
+            <a:extLst>
+              <a:ext uri="{FF2B5EF4-FFF2-40B4-BE49-F238E27FC236}">
+                <a16:creationId xmlns:a16="http://schemas.microsoft.com/office/drawing/2014/main" id="{DE0C7C13-3BFA-8AA8-4337-DD78BAADEA98}"/>
+              </a:ext>
+            </a:extLst>
+          </p:cNvPr>
+          <p:cNvSpPr>
+            <a:spLocks noGrp="1"/>
+          </p:cNvSpPr>
+          <p:nvPr>
+            <p:ph type="title"/>
+          </p:nvPr>
+        </p:nvSpPr>
+        <p:spPr>
+          <a:xfrm>
+            <a:off x="612648" y="597081"/>
+            <a:ext cx="10653578" cy="1132258"/>
+          </a:xfrm>
+        </p:spPr>
+        <p:txBody>
+          <a:bodyPr/>
+          <a:lstStyle/>
+          <a:p>
+            <a:pPr algn="ctr"/>
+            <a:r>
+              <a:rPr lang="en-US"/>
+              <a:t>The Role of Lyapunov Optimization:</a:t>
+            </a:r>
+            <a:endParaRPr lang="en-IN"/>
+          </a:p>
+        </p:txBody>
+      </p:sp>
+      <p:sp>
+        <p:nvSpPr>
+          <p:cNvPr id="3" name="Rectangle 2">
+            <a:extLst>
+              <a:ext uri="{FF2B5EF4-FFF2-40B4-BE49-F238E27FC236}">
+                <a16:creationId xmlns:a16="http://schemas.microsoft.com/office/drawing/2014/main" id="{69BF5FD1-E30D-8AC3-E358-B53CACD17555}"/>
+              </a:ext>
+            </a:extLst>
+          </p:cNvPr>
+          <p:cNvSpPr>
+            <a:spLocks noChangeArrowheads="1"/>
+          </p:cNvSpPr>
+          <p:nvPr/>
+        </p:nvSpPr>
+        <p:spPr bwMode="auto">
+          <a:xfrm>
+            <a:off x="143565" y="1888853"/>
+            <a:ext cx="12192000" cy="4801314"/>
+          </a:xfrm>
+          <a:prstGeom prst="rect">
+            <a:avLst/>
+          </a:prstGeom>
+          <a:noFill/>
+          <a:ln>
+            <a:noFill/>
+          </a:ln>
+          <a:effectLst/>
+          <a:extLst>
+            <a:ext uri="{909E8E84-426E-40DD-AFC4-6F175D3DCCD1}">
+              <a14:hiddenFill xmlns:a14="http://schemas.microsoft.com/office/drawing/2010/main">
+                <a:solidFill>
+                  <a:schemeClr val="accent1"/>
+                </a:solidFill>
+              </a14:hiddenFill>
+            </a:ext>
+            <a:ext uri="{91240B29-F687-4F45-9708-019B960494DF}">
+              <a14:hiddenLine xmlns:a14="http://schemas.microsoft.com/office/drawing/2010/main" w="9525">
+                <a:solidFill>
+                  <a:schemeClr val="tx1"/>
+                </a:solidFill>
+                <a:miter lim="800000"/>
+                <a:headEnd/>
+                <a:tailEnd/>
+              </a14:hiddenLine>
+            </a:ext>
+            <a:ext uri="{AF507438-7753-43E0-B8FC-AC1667EBCBE1}">
+              <a14:hiddenEffects xmlns:a14="http://schemas.microsoft.com/office/drawing/2010/main">
+                <a:effectLst>
+                  <a:outerShdw dist="35921" dir="2700000" algn="ctr" rotWithShape="0">
+                    <a:schemeClr val="bg2"/>
+                  </a:outerShdw>
+                </a:effectLst>
+              </a14:hiddenEffects>
+            </a:ext>
+          </a:extLst>
+        </p:spPr>
+        <p:txBody>
+          <a:bodyPr vert="horz" wrap="square" lIns="91440" tIns="45720" rIns="91440" bIns="45720" numCol="1" anchor="ctr" anchorCtr="0" compatLnSpc="1">
+            <a:prstTxWarp prst="textNoShape">
+              <a:avLst/>
+            </a:prstTxWarp>
+            <a:spAutoFit/>
+          </a:bodyPr>
+          <a:lstStyle/>
+          <a:p>
+            <a:r>
+              <a:rPr lang="en-US" b="1" dirty="0">
+                <a:solidFill>
+                  <a:srgbClr val="1B1C1D"/>
+                </a:solidFill>
+                <a:ea typeface="+mn-lt"/>
+                <a:cs typeface="+mn-lt"/>
+              </a:rPr>
+              <a:t>Purpose:</a:t>
+            </a:r>
+            <a:r>
+              <a:rPr lang="en-US" dirty="0">
+                <a:solidFill>
+                  <a:srgbClr val="1B1C1D"/>
+                </a:solidFill>
+                <a:ea typeface="+mn-lt"/>
+                <a:cs typeface="+mn-lt"/>
+              </a:rPr>
+              <a:t> A mathematical tool for solving stochastic optimization problems in unpredictable systems</a:t>
+            </a:r>
+            <a:r>
+              <a:rPr lang="en-US" sz="1200" baseline="30000" dirty="0">
+                <a:solidFill>
+                  <a:srgbClr val="575B5F"/>
+                </a:solidFill>
+                <a:ea typeface="+mn-lt"/>
+                <a:cs typeface="+mn-lt"/>
+              </a:rPr>
+              <a:t>1</a:t>
+            </a:r>
+            <a:r>
+              <a:rPr lang="en-US" dirty="0">
+                <a:solidFill>
+                  <a:srgbClr val="1B1C1D"/>
+                </a:solidFill>
+                <a:ea typeface="+mn-lt"/>
+                <a:cs typeface="+mn-lt"/>
+              </a:rPr>
+              <a:t>. It helps achieve long-term goals, like adhering to a budget, by guiding real-time, short-term decisions, such as minimizing delay.</a:t>
+            </a:r>
+            <a:endParaRPr lang="en-US" dirty="0">
+              <a:ea typeface="+mn-lt"/>
+              <a:cs typeface="+mn-lt"/>
+            </a:endParaRPr>
+          </a:p>
+          <a:p>
+            <a:r>
+              <a:rPr lang="en-US" b="1" dirty="0">
+                <a:solidFill>
+                  <a:srgbClr val="1B1C1D"/>
+                </a:solidFill>
+                <a:ea typeface="+mn-lt"/>
+                <a:cs typeface="+mn-lt"/>
+              </a:rPr>
+              <a:t>Mechanism:</a:t>
+            </a:r>
+            <a:r>
+              <a:rPr lang="en-US" dirty="0">
+                <a:solidFill>
+                  <a:srgbClr val="1B1C1D"/>
+                </a:solidFill>
+                <a:ea typeface="+mn-lt"/>
+                <a:cs typeface="+mn-lt"/>
+              </a:rPr>
+              <a:t> It transforms a long-term problem into a series of real-time, single-slot problems. It does this by creating a </a:t>
+            </a:r>
+            <a:r>
+              <a:rPr lang="en-US" b="1" dirty="0">
+                <a:solidFill>
+                  <a:srgbClr val="1B1C1D"/>
+                </a:solidFill>
+                <a:ea typeface="+mn-lt"/>
+                <a:cs typeface="+mn-lt"/>
+              </a:rPr>
+              <a:t>"virtual queue"</a:t>
+            </a:r>
+            <a:r>
+              <a:rPr lang="en-US" dirty="0">
+                <a:solidFill>
+                  <a:srgbClr val="1B1C1D"/>
+                </a:solidFill>
+                <a:ea typeface="+mn-lt"/>
+                <a:cs typeface="+mn-lt"/>
+              </a:rPr>
+              <a:t> that tracks the long-term cost constraint. The algorithm's job is to make decisions in each time slot to keep this queue stable.</a:t>
+            </a:r>
+            <a:endParaRPr lang="en-US" dirty="0">
+              <a:ea typeface="+mn-lt"/>
+              <a:cs typeface="+mn-lt"/>
+            </a:endParaRPr>
+          </a:p>
+          <a:p>
+            <a:endParaRPr lang="en-US" dirty="0">
+              <a:solidFill>
+                <a:srgbClr val="1B1C1D"/>
+              </a:solidFill>
+              <a:ea typeface="+mn-lt"/>
+              <a:cs typeface="+mn-lt"/>
+            </a:endParaRPr>
+          </a:p>
+          <a:p>
+            <a:r>
+              <a:rPr lang="en-US" b="1" dirty="0">
+                <a:solidFill>
+                  <a:srgbClr val="1B1C1D"/>
+                </a:solidFill>
+                <a:ea typeface="+mn-lt"/>
+                <a:cs typeface="+mn-lt"/>
+              </a:rPr>
+              <a:t>Why it fits </a:t>
+            </a:r>
+            <a:r>
+              <a:rPr lang="en-US" b="1" err="1">
+                <a:solidFill>
+                  <a:srgbClr val="1B1C1D"/>
+                </a:solidFill>
+                <a:ea typeface="+mn-lt"/>
+                <a:cs typeface="+mn-lt"/>
+              </a:rPr>
+              <a:t>IIoT</a:t>
+            </a:r>
+            <a:r>
+              <a:rPr lang="en-US" b="1" dirty="0">
+                <a:solidFill>
+                  <a:srgbClr val="1B1C1D"/>
+                </a:solidFill>
+                <a:ea typeface="+mn-lt"/>
+                <a:cs typeface="+mn-lt"/>
+              </a:rPr>
+              <a:t>:</a:t>
+            </a:r>
+            <a:r>
+              <a:rPr lang="en-US" dirty="0">
+                <a:solidFill>
+                  <a:srgbClr val="1B1C1D"/>
+                </a:solidFill>
+                <a:ea typeface="+mn-lt"/>
+                <a:cs typeface="+mn-lt"/>
+              </a:rPr>
+              <a:t> The </a:t>
+            </a:r>
+            <a:r>
+              <a:rPr lang="en-US" err="1">
+                <a:solidFill>
+                  <a:srgbClr val="1B1C1D"/>
+                </a:solidFill>
+                <a:ea typeface="+mn-lt"/>
+                <a:cs typeface="+mn-lt"/>
+              </a:rPr>
+              <a:t>IIoT</a:t>
+            </a:r>
+            <a:r>
+              <a:rPr lang="en-US" dirty="0">
+                <a:solidFill>
+                  <a:srgbClr val="1B1C1D"/>
+                </a:solidFill>
+                <a:ea typeface="+mn-lt"/>
+                <a:cs typeface="+mn-lt"/>
+              </a:rPr>
+              <a:t> environment is highly dynamic and stochastic, making traditional methods that require forecasting future events impractical. Lyapunov optimization is proactive and adaptive, making it a crucial capability for real-time industrial applications.</a:t>
+            </a:r>
+            <a:endParaRPr lang="en-US" dirty="0">
+              <a:ea typeface="+mn-lt"/>
+              <a:cs typeface="+mn-lt"/>
+            </a:endParaRPr>
+          </a:p>
+          <a:p>
+            <a:pPr>
+              <a:buFont typeface="Arial"/>
+              <a:buChar char="•"/>
+            </a:pPr>
+            <a:endParaRPr lang="en-US" dirty="0">
+              <a:solidFill>
+                <a:srgbClr val="1B1C1D"/>
+              </a:solidFill>
+              <a:ea typeface="+mn-lt"/>
+              <a:cs typeface="+mn-lt"/>
+            </a:endParaRPr>
+          </a:p>
+          <a:p>
+            <a:r>
+              <a:rPr lang="en-US" b="1" dirty="0">
+                <a:solidFill>
+                  <a:srgbClr val="1B1C1D"/>
+                </a:solidFill>
+                <a:ea typeface="+mn-lt"/>
+                <a:cs typeface="+mn-lt"/>
+              </a:rPr>
+              <a:t>Workflow (per time slot):</a:t>
+            </a:r>
+            <a:endParaRPr lang="en-US" dirty="0">
+              <a:ea typeface="+mn-lt"/>
+              <a:cs typeface="+mn-lt"/>
+            </a:endParaRPr>
+          </a:p>
+          <a:p>
+            <a:pPr>
+              <a:buFont typeface="Arial"/>
+              <a:buChar char="•"/>
+            </a:pPr>
+            <a:r>
+              <a:rPr lang="en-US" b="1" dirty="0">
+                <a:solidFill>
+                  <a:srgbClr val="1B1C1D"/>
+                </a:solidFill>
+                <a:ea typeface="+mn-lt"/>
+                <a:cs typeface="+mn-lt"/>
+              </a:rPr>
+              <a:t>Observe:</a:t>
+            </a:r>
+            <a:r>
+              <a:rPr lang="en-US" dirty="0">
+                <a:solidFill>
+                  <a:srgbClr val="1B1C1D"/>
+                </a:solidFill>
+                <a:ea typeface="+mn-lt"/>
+                <a:cs typeface="+mn-lt"/>
+              </a:rPr>
+              <a:t> It senses the current system state, including new requests and the virtual queue backlog.</a:t>
+            </a:r>
+            <a:endParaRPr lang="en-US">
+              <a:ea typeface="+mn-lt"/>
+              <a:cs typeface="+mn-lt"/>
+            </a:endParaRPr>
+          </a:p>
+          <a:p>
+            <a:pPr>
+              <a:buFont typeface="Arial"/>
+              <a:buChar char="•"/>
+            </a:pPr>
+            <a:r>
+              <a:rPr lang="en-US" b="1" dirty="0">
+                <a:solidFill>
+                  <a:srgbClr val="1B1C1D"/>
+                </a:solidFill>
+                <a:ea typeface="+mn-lt"/>
+                <a:cs typeface="+mn-lt"/>
+              </a:rPr>
+              <a:t>Solve:</a:t>
+            </a:r>
+            <a:r>
+              <a:rPr lang="en-US" dirty="0">
+                <a:solidFill>
+                  <a:srgbClr val="1B1C1D"/>
+                </a:solidFill>
+                <a:ea typeface="+mn-lt"/>
+                <a:cs typeface="+mn-lt"/>
+              </a:rPr>
+              <a:t> It finds the best scheduling decision for that specific time slot by solving the real-time sub-problem.</a:t>
+            </a:r>
+            <a:endParaRPr lang="en-US">
+              <a:ea typeface="+mn-lt"/>
+              <a:cs typeface="+mn-lt"/>
+            </a:endParaRPr>
+          </a:p>
+          <a:p>
+            <a:pPr>
+              <a:buFont typeface="Arial"/>
+              <a:buChar char="•"/>
+            </a:pPr>
+            <a:r>
+              <a:rPr lang="en-US" b="1" dirty="0">
+                <a:solidFill>
+                  <a:srgbClr val="1B1C1D"/>
+                </a:solidFill>
+                <a:ea typeface="+mn-lt"/>
+                <a:cs typeface="+mn-lt"/>
+              </a:rPr>
+              <a:t>Update:</a:t>
+            </a:r>
+            <a:r>
+              <a:rPr lang="en-US" dirty="0">
+                <a:solidFill>
+                  <a:srgbClr val="1B1C1D"/>
+                </a:solidFill>
+                <a:ea typeface="+mn-lt"/>
+                <a:cs typeface="+mn-lt"/>
+              </a:rPr>
+              <a:t> It updates the virtual queue based on the cost of the decision.</a:t>
+            </a:r>
+            <a:endParaRPr lang="en-US">
+              <a:ea typeface="+mn-lt"/>
+              <a:cs typeface="+mn-lt"/>
+            </a:endParaRPr>
+          </a:p>
+          <a:p>
+            <a:pPr>
+              <a:buFont typeface="Arial"/>
+              <a:buChar char="•"/>
+            </a:pPr>
+            <a:r>
+              <a:rPr lang="en-US" b="1" dirty="0">
+                <a:solidFill>
+                  <a:srgbClr val="1B1C1D"/>
+                </a:solidFill>
+                <a:ea typeface="+mn-lt"/>
+                <a:cs typeface="+mn-lt"/>
+              </a:rPr>
+              <a:t>Advance:</a:t>
+            </a:r>
+            <a:r>
+              <a:rPr lang="en-US" dirty="0">
+                <a:solidFill>
+                  <a:srgbClr val="1B1C1D"/>
+                </a:solidFill>
+                <a:ea typeface="+mn-lt"/>
+                <a:cs typeface="+mn-lt"/>
+              </a:rPr>
+              <a:t> The process repeats for the next time slot.</a:t>
+            </a:r>
+            <a:endParaRPr lang="en-US" dirty="0">
+              <a:ea typeface="+mn-lt"/>
+              <a:cs typeface="+mn-lt"/>
+            </a:endParaRPr>
+          </a:p>
+          <a:p>
+            <a:pPr marL="0" marR="0" lvl="0" indent="0" algn="l" defTabSz="914400">
+              <a:lnSpc>
+                <a:spcPct val="100000"/>
+              </a:lnSpc>
+              <a:buClrTx/>
+              <a:buSzTx/>
+              <a:buFont typeface="Arial"/>
+              <a:buChar char="•"/>
+              <a:tabLst/>
+            </a:pPr>
+            <a:endParaRPr lang="en-US" b="0" i="0" u="none" strike="noStrike" cap="none" normalizeH="0" baseline="0" dirty="0">
+              <a:ln>
+                <a:noFill/>
+              </a:ln>
+              <a:solidFill>
+                <a:srgbClr val="1B1C1D"/>
+              </a:solidFill>
+              <a:effectLst/>
+              <a:latin typeface="Neue Haas Grotesk Text Pro"/>
+              <a:cs typeface="Arial"/>
+            </a:endParaRPr>
+          </a:p>
+        </p:txBody>
+      </p:sp>
     </p:spTree>
     <p:extLst>
       <p:ext uri="{BB962C8B-B14F-4D97-AF65-F5344CB8AC3E}">
-        <p14:creationId xmlns:p14="http://schemas.microsoft.com/office/powerpoint/2010/main" val="1449514407"/>
+        <p14:creationId xmlns:p14="http://schemas.microsoft.com/office/powerpoint/2010/main" val="4013479871"/>
       </p:ext>
     </p:extLst>
   </p:cSld>
   <p:clrMapOvr>
     <a:masterClrMapping/>
   </p:clrMapOvr>
+  <p:extLst>
+    <p:ext uri="{6950BFC3-D8DA-4A85-94F7-54DA5524770B}">
+      <p188:commentRel xmlns:p188="http://schemas.microsoft.com/office/powerpoint/2018/8/main" r:id="rId2"/>
+    </p:ext>
+  </p:extLst>
 </p:sld>
 </file>
 
@@ -8822,10 +8609,10 @@
       </p:sp>
       <p:sp>
         <p:nvSpPr>
-          <p:cNvPr id="41" name="Title 1">
-            <a:extLst>
-              <a:ext uri="{FF2B5EF4-FFF2-40B4-BE49-F238E27FC236}">
-                <a16:creationId xmlns:a16="http://schemas.microsoft.com/office/drawing/2014/main" id="{DE0C7C13-3BFA-8AA8-4337-DD78BAADEA98}"/>
+          <p:cNvPr id="4" name="Title 3">
+            <a:extLst>
+              <a:ext uri="{FF2B5EF4-FFF2-40B4-BE49-F238E27FC236}">
+                <a16:creationId xmlns:a16="http://schemas.microsoft.com/office/drawing/2014/main" id="{0303BF1D-CD8C-506B-60D4-269EBB380045}"/>
               </a:ext>
             </a:extLst>
           </p:cNvPr>
@@ -8838,8 +8625,8 @@
         </p:nvSpPr>
         <p:spPr>
           <a:xfrm>
-            <a:off x="612648" y="597081"/>
-            <a:ext cx="10653578" cy="1132258"/>
+            <a:off x="259080" y="548640"/>
+            <a:ext cx="11007146" cy="1132258"/>
           </a:xfrm>
         </p:spPr>
         <p:txBody>
@@ -8848,335 +8635,249 @@
           <a:p>
             <a:pPr algn="ctr"/>
             <a:r>
-              <a:rPr lang="en-US" dirty="0"/>
-              <a:t>The Role of Lyapunov Optimization:</a:t>
-            </a:r>
-            <a:endParaRPr lang="en-IN" dirty="0"/>
-          </a:p>
-        </p:txBody>
-      </p:sp>
-      <p:sp>
-        <p:nvSpPr>
-          <p:cNvPr id="3" name="Rectangle 2">
-            <a:extLst>
-              <a:ext uri="{FF2B5EF4-FFF2-40B4-BE49-F238E27FC236}">
-                <a16:creationId xmlns:a16="http://schemas.microsoft.com/office/drawing/2014/main" id="{69BF5FD1-E30D-8AC3-E358-B53CACD17555}"/>
-              </a:ext>
-            </a:extLst>
-          </p:cNvPr>
-          <p:cNvSpPr>
-            <a:spLocks noChangeArrowheads="1"/>
-          </p:cNvSpPr>
+              <a:rPr lang="en-US" altLang="en-US" dirty="0">
+                <a:solidFill>
+                  <a:srgbClr val="1B1C1D"/>
+                </a:solidFill>
+                <a:latin typeface="Neue Haas Grotesk Text Pro"/>
+              </a:rPr>
+              <a:t>Heuristic-Based Hierarchical Optimization</a:t>
+            </a:r>
+            <a:br>
+              <a:rPr lang="en-US" altLang="en-US" dirty="0">
+                <a:latin typeface="Neue Haas Grotesk Text Pro"/>
+              </a:rPr>
+            </a:br>
+            <a:endParaRPr lang="en-IN"/>
+          </a:p>
+        </p:txBody>
+      </p:sp>
+      <p:sp>
+        <p:nvSpPr>
+          <p:cNvPr id="3" name="TextBox 2">
+            <a:extLst>
+              <a:ext uri="{FF2B5EF4-FFF2-40B4-BE49-F238E27FC236}">
+                <a16:creationId xmlns:a16="http://schemas.microsoft.com/office/drawing/2014/main" id="{CC6038F9-56EF-60A0-7E67-8A2DF37C052E}"/>
+              </a:ext>
+            </a:extLst>
+          </p:cNvPr>
+          <p:cNvSpPr txBox="1"/>
           <p:nvPr/>
         </p:nvSpPr>
-        <p:spPr bwMode="auto">
+        <p:spPr>
           <a:xfrm>
-            <a:off x="0" y="2155360"/>
-            <a:ext cx="12192000" cy="3539430"/>
+            <a:off x="259080" y="1341725"/>
+            <a:ext cx="11726120" cy="1200329"/>
           </a:xfrm>
           <a:prstGeom prst="rect">
             <a:avLst/>
           </a:prstGeom>
           <a:noFill/>
-          <a:ln>
-            <a:noFill/>
-          </a:ln>
-          <a:effectLst/>
-          <a:extLst>
-            <a:ext uri="{909E8E84-426E-40DD-AFC4-6F175D3DCCD1}">
-              <a14:hiddenFill xmlns:a14="http://schemas.microsoft.com/office/drawing/2010/main">
-                <a:solidFill>
-                  <a:schemeClr val="accent1"/>
-                </a:solidFill>
-              </a14:hiddenFill>
-            </a:ext>
-            <a:ext uri="{91240B29-F687-4F45-9708-019B960494DF}">
-              <a14:hiddenLine xmlns:a14="http://schemas.microsoft.com/office/drawing/2010/main" w="9525">
-                <a:solidFill>
-                  <a:schemeClr val="tx1"/>
-                </a:solidFill>
-                <a:miter lim="800000"/>
-                <a:headEnd/>
-                <a:tailEnd/>
-              </a14:hiddenLine>
-            </a:ext>
-            <a:ext uri="{AF507438-7753-43E0-B8FC-AC1667EBCBE1}">
-              <a14:hiddenEffects xmlns:a14="http://schemas.microsoft.com/office/drawing/2010/main">
-                <a:effectLst>
-                  <a:outerShdw dist="35921" dir="2700000" algn="ctr" rotWithShape="0">
-                    <a:schemeClr val="bg2"/>
-                  </a:outerShdw>
-                </a:effectLst>
-              </a14:hiddenEffects>
-            </a:ext>
-          </a:extLst>
         </p:spPr>
         <p:txBody>
-          <a:bodyPr vert="horz" wrap="square" lIns="91440" tIns="45720" rIns="91440" bIns="45720" numCol="1" anchor="ctr" anchorCtr="0" compatLnSpc="1">
-            <a:prstTxWarp prst="textNoShape">
-              <a:avLst/>
-            </a:prstTxWarp>
+          <a:bodyPr wrap="square">
             <a:spAutoFit/>
           </a:bodyPr>
           <a:lstStyle/>
           <a:p>
-            <a:pPr marL="0" marR="0" lvl="0" indent="0" algn="l" defTabSz="914400" rtl="0" eaLnBrk="0" fontAlgn="base" latinLnBrk="0" hangingPunct="0">
-              <a:lnSpc>
-                <a:spcPct val="100000"/>
-              </a:lnSpc>
-              <a:spcBef>
-                <a:spcPct val="0"/>
-              </a:spcBef>
-              <a:spcAft>
-                <a:spcPct val="0"/>
-              </a:spcAft>
-              <a:buClrTx/>
-              <a:buSzTx/>
-              <a:buFontTx/>
+            <a:pPr>
+              <a:buNone/>
+            </a:pPr>
+            <a:r>
+              <a:rPr lang="en-US" b="1" dirty="0"/>
+              <a:t>General Use</a:t>
+            </a:r>
+          </a:p>
+          <a:p>
+            <a:pPr>
+              <a:buFont typeface="Arial" panose="020B0604020202020204" pitchFamily="34" charset="0"/>
               <a:buChar char="•"/>
-              <a:tabLst/>
             </a:pPr>
             <a:r>
-              <a:rPr kumimoji="0" lang="en-US" altLang="en-US" sz="2800" b="1" i="0" u="none" strike="noStrike" cap="none" normalizeH="0" baseline="0" dirty="0">
-                <a:ln>
-                  <a:noFill/>
-                </a:ln>
-                <a:solidFill>
-                  <a:schemeClr val="tx1"/>
-                </a:solidFill>
-                <a:effectLst/>
-                <a:latin typeface="Arial" panose="020B0604020202020204" pitchFamily="34" charset="0"/>
-              </a:rPr>
-              <a:t>General Use:</a:t>
-            </a:r>
-            <a:r>
-              <a:rPr kumimoji="0" lang="en-US" altLang="en-US" sz="2800" b="0" i="0" u="none" strike="noStrike" cap="none" normalizeH="0" baseline="0" dirty="0">
-                <a:ln>
-                  <a:noFill/>
-                </a:ln>
-                <a:solidFill>
-                  <a:schemeClr val="tx1"/>
-                </a:solidFill>
-                <a:effectLst/>
-                <a:latin typeface="Arial" panose="020B0604020202020204" pitchFamily="34" charset="0"/>
-              </a:rPr>
-              <a:t> It's a mathematical tool for solving </a:t>
-            </a:r>
-            <a:r>
-              <a:rPr kumimoji="0" lang="en-US" altLang="en-US" sz="2800" b="1" i="0" u="none" strike="noStrike" cap="none" normalizeH="0" baseline="0" dirty="0">
-                <a:ln>
-                  <a:noFill/>
-                </a:ln>
-                <a:solidFill>
-                  <a:schemeClr val="tx1"/>
-                </a:solidFill>
-                <a:effectLst/>
-                <a:latin typeface="Arial" panose="020B0604020202020204" pitchFamily="34" charset="0"/>
-              </a:rPr>
-              <a:t>stochastic optimization problems</a:t>
-            </a:r>
-            <a:r>
-              <a:rPr kumimoji="0" lang="en-US" altLang="en-US" sz="2800" b="0" i="0" u="none" strike="noStrike" cap="none" normalizeH="0" baseline="0" dirty="0">
-                <a:ln>
-                  <a:noFill/>
-                </a:ln>
-                <a:solidFill>
-                  <a:schemeClr val="tx1"/>
-                </a:solidFill>
-                <a:effectLst/>
-                <a:latin typeface="Arial" panose="020B0604020202020204" pitchFamily="34" charset="0"/>
-              </a:rPr>
-              <a:t> in unpredictable systems. It helps satisfy </a:t>
-            </a:r>
-            <a:r>
-              <a:rPr kumimoji="0" lang="en-US" altLang="en-US" sz="2800" b="1" i="0" u="none" strike="noStrike" cap="none" normalizeH="0" baseline="0" dirty="0">
-                <a:ln>
-                  <a:noFill/>
-                </a:ln>
-                <a:solidFill>
-                  <a:schemeClr val="tx1"/>
-                </a:solidFill>
-                <a:effectLst/>
-                <a:latin typeface="Arial" panose="020B0604020202020204" pitchFamily="34" charset="0"/>
-              </a:rPr>
-              <a:t>long-term goals</a:t>
-            </a:r>
-            <a:r>
-              <a:rPr kumimoji="0" lang="en-US" altLang="en-US" sz="2800" b="0" i="0" u="none" strike="noStrike" cap="none" normalizeH="0" baseline="0" dirty="0">
-                <a:ln>
-                  <a:noFill/>
-                </a:ln>
-                <a:solidFill>
-                  <a:schemeClr val="tx1"/>
-                </a:solidFill>
-                <a:effectLst/>
-                <a:latin typeface="Arial" panose="020B0604020202020204" pitchFamily="34" charset="0"/>
-              </a:rPr>
-              <a:t> (like a budget) while making </a:t>
-            </a:r>
-            <a:r>
-              <a:rPr kumimoji="0" lang="en-US" altLang="en-US" sz="2800" b="1" i="0" u="none" strike="noStrike" cap="none" normalizeH="0" baseline="0" dirty="0">
-                <a:ln>
-                  <a:noFill/>
-                </a:ln>
-                <a:solidFill>
-                  <a:schemeClr val="tx1"/>
-                </a:solidFill>
-                <a:effectLst/>
-                <a:latin typeface="Arial" panose="020B0604020202020204" pitchFamily="34" charset="0"/>
-              </a:rPr>
-              <a:t>real-time, short-term decisions</a:t>
-            </a:r>
-            <a:r>
-              <a:rPr kumimoji="0" lang="en-US" altLang="en-US" sz="2800" b="0" i="0" u="none" strike="noStrike" cap="none" normalizeH="0" baseline="0" dirty="0">
-                <a:ln>
-                  <a:noFill/>
-                </a:ln>
-                <a:solidFill>
-                  <a:schemeClr val="tx1"/>
-                </a:solidFill>
-                <a:effectLst/>
-                <a:latin typeface="Arial" panose="020B0604020202020204" pitchFamily="34" charset="0"/>
-              </a:rPr>
-              <a:t> (like minimizing delay).</a:t>
-            </a:r>
-          </a:p>
-          <a:p>
-            <a:pPr marL="0" marR="0" lvl="0" indent="0" algn="l" defTabSz="914400" rtl="0" eaLnBrk="0" fontAlgn="base" latinLnBrk="0" hangingPunct="0">
-              <a:lnSpc>
-                <a:spcPct val="100000"/>
-              </a:lnSpc>
-              <a:spcBef>
-                <a:spcPct val="0"/>
-              </a:spcBef>
-              <a:spcAft>
-                <a:spcPct val="0"/>
-              </a:spcAft>
-              <a:buClrTx/>
-              <a:buSzTx/>
-              <a:tabLst/>
+              <a:rPr lang="en-US" b="1" dirty="0"/>
+              <a:t>What it is:</a:t>
+            </a:r>
+            <a:r>
+              <a:rPr lang="en-US" dirty="0"/>
+              <a:t> A strategy that breaks down a complex, difficult problem into smaller, more manageable sub-problems to find a quick, effective solution.</a:t>
+            </a:r>
+          </a:p>
+          <a:p>
+            <a:pPr>
+              <a:buFont typeface="Arial" panose="020B0604020202020204" pitchFamily="34" charset="0"/>
+              <a:buChar char="•"/>
             </a:pPr>
-            <a:endParaRPr kumimoji="0" lang="en-US" altLang="en-US" sz="2800" b="0" i="0" u="none" strike="noStrike" cap="none" normalizeH="0" baseline="0" dirty="0">
-              <a:ln>
-                <a:noFill/>
-              </a:ln>
-              <a:solidFill>
-                <a:schemeClr val="tx1"/>
-              </a:solidFill>
-              <a:effectLst/>
-              <a:latin typeface="Arial" panose="020B0604020202020204" pitchFamily="34" charset="0"/>
-            </a:endParaRPr>
-          </a:p>
-          <a:p>
-            <a:pPr marL="0" marR="0" lvl="0" indent="0" algn="l" defTabSz="914400" rtl="0" eaLnBrk="0" fontAlgn="base" latinLnBrk="0" hangingPunct="0">
-              <a:lnSpc>
-                <a:spcPct val="100000"/>
-              </a:lnSpc>
-              <a:spcBef>
-                <a:spcPct val="0"/>
-              </a:spcBef>
-              <a:spcAft>
-                <a:spcPct val="0"/>
-              </a:spcAft>
-              <a:buClrTx/>
-              <a:buSzTx/>
-              <a:buFontTx/>
+            <a:r>
+              <a:rPr lang="en-US" b="1" dirty="0"/>
+              <a:t>Why it's used:</a:t>
+            </a:r>
+            <a:r>
+              <a:rPr lang="en-US" dirty="0"/>
+              <a:t> It's a pragmatic way to solve </a:t>
+            </a:r>
+            <a:r>
+              <a:rPr lang="en-US" b="1" dirty="0"/>
+              <a:t>NP-hard problems</a:t>
+            </a:r>
+            <a:r>
+              <a:rPr lang="en-US" dirty="0"/>
+              <a:t>, which are too slow to solve perfectly.</a:t>
+            </a:r>
+          </a:p>
+        </p:txBody>
+      </p:sp>
+      <p:sp>
+        <p:nvSpPr>
+          <p:cNvPr id="6" name="TextBox 5">
+            <a:extLst>
+              <a:ext uri="{FF2B5EF4-FFF2-40B4-BE49-F238E27FC236}">
+                <a16:creationId xmlns:a16="http://schemas.microsoft.com/office/drawing/2014/main" id="{05CEFBF2-B7B7-8E31-49E2-7199CB6BB0CD}"/>
+              </a:ext>
+            </a:extLst>
+          </p:cNvPr>
+          <p:cNvSpPr txBox="1"/>
+          <p:nvPr/>
+        </p:nvSpPr>
+        <p:spPr>
+          <a:xfrm>
+            <a:off x="259081" y="3032070"/>
+            <a:ext cx="11007145" cy="2308324"/>
+          </a:xfrm>
+          <a:prstGeom prst="rect">
+            <a:avLst/>
+          </a:prstGeom>
+          <a:noFill/>
+        </p:spPr>
+        <p:txBody>
+          <a:bodyPr wrap="square">
+            <a:spAutoFit/>
+          </a:bodyPr>
+          <a:lstStyle/>
+          <a:p>
+            <a:pPr>
+              <a:buNone/>
+            </a:pPr>
+            <a:r>
+              <a:rPr lang="en-US" b="1" dirty="0"/>
+              <a:t>Specific Use in this Research</a:t>
+            </a:r>
+          </a:p>
+          <a:p>
+            <a:pPr>
+              <a:buFont typeface="Arial" panose="020B0604020202020204" pitchFamily="34" charset="0"/>
               <a:buChar char="•"/>
-              <a:tabLst/>
             </a:pPr>
             <a:r>
-              <a:rPr kumimoji="0" lang="en-US" altLang="en-US" sz="2800" b="1" i="0" u="none" strike="noStrike" cap="none" normalizeH="0" baseline="0" dirty="0">
-                <a:ln>
-                  <a:noFill/>
-                </a:ln>
-                <a:solidFill>
-                  <a:schemeClr val="tx1"/>
-                </a:solidFill>
-                <a:effectLst/>
-                <a:latin typeface="Arial" panose="020B0604020202020204" pitchFamily="34" charset="0"/>
-              </a:rPr>
-              <a:t>Specific Use:</a:t>
-            </a:r>
-            <a:r>
-              <a:rPr kumimoji="0" lang="en-US" altLang="en-US" sz="2800" b="0" i="0" u="none" strike="noStrike" cap="none" normalizeH="0" baseline="0" dirty="0">
-                <a:ln>
-                  <a:noFill/>
-                </a:ln>
-                <a:solidFill>
-                  <a:schemeClr val="tx1"/>
-                </a:solidFill>
-                <a:effectLst/>
-                <a:latin typeface="Arial" panose="020B0604020202020204" pitchFamily="34" charset="0"/>
-              </a:rPr>
-              <a:t> In this research, it is used to manage the </a:t>
-            </a:r>
-            <a:r>
-              <a:rPr kumimoji="0" lang="en-US" altLang="en-US" sz="2800" b="1" i="0" u="none" strike="noStrike" cap="none" normalizeH="0" baseline="0" dirty="0">
-                <a:ln>
-                  <a:noFill/>
-                </a:ln>
-                <a:solidFill>
-                  <a:schemeClr val="tx1"/>
-                </a:solidFill>
-                <a:effectLst/>
-                <a:latin typeface="Arial" panose="020B0604020202020204" pitchFamily="34" charset="0"/>
-              </a:rPr>
-              <a:t>long-term operational cost budget</a:t>
-            </a:r>
-            <a:r>
-              <a:rPr kumimoji="0" lang="en-US" altLang="en-US" sz="2800" b="0" i="0" u="none" strike="noStrike" cap="none" normalizeH="0" baseline="0" dirty="0">
-                <a:ln>
-                  <a:noFill/>
-                </a:ln>
-                <a:solidFill>
-                  <a:schemeClr val="tx1"/>
-                </a:solidFill>
-                <a:effectLst/>
-                <a:latin typeface="Arial" panose="020B0604020202020204" pitchFamily="34" charset="0"/>
-              </a:rPr>
-              <a:t> while simultaneously minimizing the </a:t>
-            </a:r>
-            <a:r>
-              <a:rPr kumimoji="0" lang="en-US" altLang="en-US" sz="2800" b="1" i="0" u="none" strike="noStrike" cap="none" normalizeH="0" baseline="0" dirty="0">
-                <a:ln>
-                  <a:noFill/>
-                </a:ln>
-                <a:solidFill>
-                  <a:schemeClr val="tx1"/>
-                </a:solidFill>
-                <a:effectLst/>
-                <a:latin typeface="Arial" panose="020B0604020202020204" pitchFamily="34" charset="0"/>
-              </a:rPr>
-              <a:t>long-term average task processing delay</a:t>
-            </a:r>
-            <a:endParaRPr kumimoji="0" lang="en-US" altLang="en-US" sz="2800" b="0" i="0" u="none" strike="noStrike" cap="none" normalizeH="0" baseline="0" dirty="0">
-              <a:ln>
-                <a:noFill/>
-              </a:ln>
-              <a:solidFill>
-                <a:schemeClr val="tx1"/>
-              </a:solidFill>
-              <a:effectLst/>
-              <a:latin typeface="Arial" panose="020B0604020202020204" pitchFamily="34" charset="0"/>
-            </a:endParaRPr>
+              <a:rPr lang="en-US" b="1" dirty="0"/>
+              <a:t>How it's used here:</a:t>
+            </a:r>
+            <a:r>
+              <a:rPr lang="en-US" dirty="0"/>
+              <a:t> A two-step process to solve the NP-hard task scheduling problem:</a:t>
+            </a:r>
+          </a:p>
+          <a:p>
+            <a:pPr marL="742950" lvl="1" indent="-285750">
+              <a:buFont typeface="Arial" panose="020B0604020202020204" pitchFamily="34" charset="0"/>
+              <a:buChar char="•"/>
+            </a:pPr>
+            <a:r>
+              <a:rPr lang="en-US" b="1" dirty="0"/>
+              <a:t>Step 1:</a:t>
+            </a:r>
+            <a:r>
+              <a:rPr lang="en-US" dirty="0"/>
+              <a:t> A </a:t>
+            </a:r>
+            <a:r>
+              <a:rPr lang="en-US" b="1" dirty="0"/>
+              <a:t>discrete particle swarm algorithm (PSO)</a:t>
+            </a:r>
+            <a:r>
+              <a:rPr lang="en-US" dirty="0"/>
+              <a:t> classifies factories as a </a:t>
+            </a:r>
+            <a:r>
+              <a:rPr lang="en-US" b="1" dirty="0"/>
+              <a:t>source</a:t>
+            </a:r>
+            <a:r>
+              <a:rPr lang="en-US" dirty="0"/>
+              <a:t>, </a:t>
+            </a:r>
+            <a:r>
+              <a:rPr lang="en-US" b="1" dirty="0"/>
+              <a:t>sink</a:t>
+            </a:r>
+            <a:r>
+              <a:rPr lang="en-US" dirty="0"/>
+              <a:t>, or </a:t>
+            </a:r>
+            <a:r>
+              <a:rPr lang="en-US" b="1" dirty="0"/>
+              <a:t>isolated node</a:t>
+            </a:r>
+            <a:r>
+              <a:rPr lang="en-US" dirty="0"/>
+              <a:t>. This dramatically simplifies the problem.</a:t>
+            </a:r>
+          </a:p>
+          <a:p>
+            <a:pPr marL="742950" lvl="1" indent="-285750">
+              <a:buFont typeface="Arial" panose="020B0604020202020204" pitchFamily="34" charset="0"/>
+              <a:buChar char="•"/>
+            </a:pPr>
+            <a:r>
+              <a:rPr lang="en-US" b="1" dirty="0"/>
+              <a:t>Step 2:</a:t>
+            </a:r>
+            <a:r>
+              <a:rPr lang="en-US" dirty="0"/>
+              <a:t> A </a:t>
+            </a:r>
+            <a:r>
+              <a:rPr lang="en-US" b="1" dirty="0"/>
+              <a:t>harmony search (HS)</a:t>
+            </a:r>
+            <a:r>
+              <a:rPr lang="en-US" dirty="0"/>
+              <a:t> algorithm then determines the specific number of tasks to be forwarded between the classified nodes.</a:t>
+            </a:r>
+          </a:p>
+          <a:p>
+            <a:pPr>
+              <a:buFont typeface="Arial" panose="020B0604020202020204" pitchFamily="34" charset="0"/>
+              <a:buChar char="•"/>
+            </a:pPr>
+            <a:r>
+              <a:rPr lang="en-US" b="1" dirty="0"/>
+              <a:t>The result:</a:t>
+            </a:r>
+            <a:r>
+              <a:rPr lang="en-US" dirty="0"/>
+              <a:t> This approach finds an efficient, near-optimal scheduling decision in real time, making the problem solvable for practical </a:t>
+            </a:r>
+            <a:r>
+              <a:rPr lang="en-US" dirty="0" err="1"/>
+              <a:t>IIoT</a:t>
+            </a:r>
+            <a:r>
+              <a:rPr lang="en-US" dirty="0"/>
+              <a:t> deployments.</a:t>
+            </a:r>
           </a:p>
         </p:txBody>
       </p:sp>
     </p:spTree>
     <p:extLst>
       <p:ext uri="{BB962C8B-B14F-4D97-AF65-F5344CB8AC3E}">
-        <p14:creationId xmlns:p14="http://schemas.microsoft.com/office/powerpoint/2010/main" val="4013479871"/>
+        <p14:creationId xmlns:p14="http://schemas.microsoft.com/office/powerpoint/2010/main" val="939039411"/>
       </p:ext>
     </p:extLst>
   </p:cSld>
   <p:clrMapOvr>
     <a:masterClrMapping/>
   </p:clrMapOvr>
-  <p:extLst>
-    <p:ext uri="{6950BFC3-D8DA-4A85-94F7-54DA5524770B}">
-      <p188:commentRel xmlns:p188="http://schemas.microsoft.com/office/powerpoint/2018/8/main" r:id="rId2"/>
-    </p:ext>
-  </p:extLst>
 </p:sld>
 </file>
 
